--- a/Ch18_CSS3用户界面/18.CSS3用户界面.pptx
+++ b/Ch18_CSS3用户界面/18.CSS3用户界面.pptx
@@ -5,30 +5,28 @@
     <p:sldMasterId id="2147483648" r:id="rId1"/>
   </p:sldMasterIdLst>
   <p:notesMasterIdLst>
-    <p:notesMasterId r:id="rId23"/>
+    <p:notesMasterId r:id="rId21"/>
   </p:notesMasterIdLst>
   <p:sldIdLst>
     <p:sldId id="257" r:id="rId2"/>
-    <p:sldId id="286" r:id="rId3"/>
-    <p:sldId id="288" r:id="rId4"/>
-    <p:sldId id="262" r:id="rId5"/>
-    <p:sldId id="258" r:id="rId6"/>
-    <p:sldId id="296" r:id="rId7"/>
-    <p:sldId id="289" r:id="rId8"/>
-    <p:sldId id="290" r:id="rId9"/>
-    <p:sldId id="309" r:id="rId10"/>
-    <p:sldId id="302" r:id="rId11"/>
-    <p:sldId id="303" r:id="rId12"/>
-    <p:sldId id="312" r:id="rId13"/>
-    <p:sldId id="307" r:id="rId14"/>
-    <p:sldId id="313" r:id="rId15"/>
-    <p:sldId id="314" r:id="rId16"/>
-    <p:sldId id="315" r:id="rId17"/>
-    <p:sldId id="316" r:id="rId18"/>
-    <p:sldId id="317" r:id="rId19"/>
-    <p:sldId id="318" r:id="rId20"/>
-    <p:sldId id="283" r:id="rId21"/>
-    <p:sldId id="285" r:id="rId22"/>
+    <p:sldId id="288" r:id="rId3"/>
+    <p:sldId id="262" r:id="rId4"/>
+    <p:sldId id="258" r:id="rId5"/>
+    <p:sldId id="296" r:id="rId6"/>
+    <p:sldId id="289" r:id="rId7"/>
+    <p:sldId id="290" r:id="rId8"/>
+    <p:sldId id="309" r:id="rId9"/>
+    <p:sldId id="302" r:id="rId10"/>
+    <p:sldId id="303" r:id="rId11"/>
+    <p:sldId id="312" r:id="rId12"/>
+    <p:sldId id="307" r:id="rId13"/>
+    <p:sldId id="313" r:id="rId14"/>
+    <p:sldId id="314" r:id="rId15"/>
+    <p:sldId id="315" r:id="rId16"/>
+    <p:sldId id="316" r:id="rId17"/>
+    <p:sldId id="317" r:id="rId18"/>
+    <p:sldId id="283" r:id="rId19"/>
+    <p:sldId id="285" r:id="rId20"/>
   </p:sldIdLst>
   <p:sldSz cx="12192000" cy="6858000"/>
   <p:notesSz cx="7104063" cy="10234613"/>
@@ -228,7 +226,7 @@
           <a:p>
             <a:fld id="{D2A48B96-639E-45A3-A0BA-2464DFDB1FAA}" type="datetimeFigureOut">
               <a:rPr lang="zh-CN" altLang="en-US" smtClean="0"/>
-              <a:t>2017/5/19</a:t>
+              <a:t>2017/8/16</a:t>
             </a:fld>
             <a:endParaRPr lang="zh-CN" altLang="en-US"/>
           </a:p>
@@ -665,8 +663,16 @@
 </file>
 
 <file path=ppt/notesSlides/notesSlide11.xml><?xml version="1.0" encoding="utf-8"?>
-<p:notes xmlns:a="http://schemas.openxmlformats.org/drawingml/2006/main" xmlns:r="http://schemas.openxmlformats.org/officeDocument/2006/relationships" xmlns:p="http://schemas.openxmlformats.org/presentationml/2006/main">
+<p:notes xmlns:a="http://schemas.openxmlformats.org/drawingml/2006/main" xmlns:r="http://schemas.openxmlformats.org/officeDocument/2006/relationships" xmlns:p="http://schemas.openxmlformats.org/presentationml/2006/main" showMasterSp="0">
   <p:cSld>
+    <p:bg bwMode="auto">
+      <p:bgPr>
+        <a:solidFill>
+          <a:schemeClr val="bg1"/>
+        </a:solidFill>
+        <a:effectLst/>
+      </p:bgPr>
+    </p:bg>
     <p:spTree>
       <p:nvGrpSpPr>
         <p:cNvPr id="1" name=""/>
@@ -683,9 +689,9 @@
       </p:grpSpPr>
       <p:sp>
         <p:nvSpPr>
-          <p:cNvPr id="2" name="幻灯片图像占位符 1"/>
+          <p:cNvPr id="13314" name="幻灯片图像占位符 1"/>
           <p:cNvSpPr>
-            <a:spLocks noGrp="1" noRot="1" noChangeAspect="1"/>
+            <a:spLocks noGrp="1" noRot="1" noChangeAspect="1" noTextEdit="1"/>
           </p:cNvSpPr>
           <p:nvPr>
             <p:ph type="sldImg"/>
@@ -696,54 +702,208 @@
             <a:off x="481013" y="1279525"/>
             <a:ext cx="6140450" cy="3454400"/>
           </a:xfrm>
+          <a:noFill/>
+          <a:ln>
+            <a:solidFill>
+              <a:srgbClr val="000000"/>
+            </a:solidFill>
+            <a:miter lim="800000"/>
+          </a:ln>
         </p:spPr>
       </p:sp>
       <p:sp>
         <p:nvSpPr>
-          <p:cNvPr id="3" name="备注占位符 2"/>
+          <p:cNvPr id="13315" name="备注占位符 2"/>
           <p:cNvSpPr>
-            <a:spLocks noGrp="1"/>
+            <a:spLocks noGrp="1" noChangeArrowheads="1"/>
           </p:cNvSpPr>
           <p:nvPr>
             <p:ph type="body" idx="1"/>
           </p:nvPr>
         </p:nvSpPr>
-        <p:spPr/>
+        <p:spPr>
+          <a:noFill/>
+        </p:spPr>
         <p:txBody>
-          <a:bodyPr/>
+          <a:bodyPr anchor="t"/>
           <a:lstStyle/>
           <a:p>
+            <a:pPr eaLnBrk="1" hangingPunct="1">
+              <a:spcBef>
+                <a:spcPct val="0"/>
+              </a:spcBef>
+            </a:pPr>
             <a:endParaRPr lang="zh-CN" altLang="en-US"/>
           </a:p>
         </p:txBody>
       </p:sp>
       <p:sp>
         <p:nvSpPr>
-          <p:cNvPr id="4" name="灯片编号占位符 3"/>
-          <p:cNvSpPr>
-            <a:spLocks noGrp="1"/>
+          <p:cNvPr id="13316" name="灯片编号占位符 3"/>
+          <p:cNvSpPr txBox="1">
+            <a:spLocks noGrp="1" noChangeArrowheads="1"/>
           </p:cNvSpPr>
-          <p:nvPr>
-            <p:ph type="sldNum" sz="quarter" idx="10"/>
-          </p:nvPr>
-        </p:nvSpPr>
-        <p:spPr/>
+          <p:nvPr/>
+        </p:nvSpPr>
+        <p:spPr bwMode="auto">
+          <a:xfrm>
+            <a:off x="3883025" y="8685213"/>
+            <a:ext cx="2973388" cy="458787"/>
+          </a:xfrm>
+          <a:prstGeom prst="rect">
+            <a:avLst/>
+          </a:prstGeom>
+          <a:noFill/>
+          <a:ln>
+            <a:noFill/>
+          </a:ln>
+          <a:extLst>
+            <a:ext uri="{909E8E84-426E-40DD-AFC4-6F175D3DCCD1}">
+              <a14:hiddenFill xmlns:a14="http://schemas.microsoft.com/office/drawing/2010/main">
+                <a:solidFill>
+                  <a:srgbClr val="FFFFFF"/>
+                </a:solidFill>
+              </a14:hiddenFill>
+            </a:ext>
+            <a:ext uri="{91240B29-F687-4F45-9708-019B960494DF}">
+              <a14:hiddenLine xmlns:a14="http://schemas.microsoft.com/office/drawing/2010/main" w="9525">
+                <a:solidFill>
+                  <a:srgbClr val="000000"/>
+                </a:solidFill>
+                <a:miter lim="800000"/>
+                <a:headEnd/>
+                <a:tailEnd/>
+              </a14:hiddenLine>
+            </a:ext>
+          </a:extLst>
+        </p:spPr>
         <p:txBody>
-          <a:bodyPr/>
-          <a:lstStyle/>
-          <a:p>
-            <a:fld id="{4E38F04A-84B0-4E5D-A1A7-EE43D6EF2A66}" type="slidenum">
-              <a:rPr lang="zh-CN" altLang="en-US" smtClean="0"/>
+          <a:bodyPr anchor="b"/>
+          <a:lstStyle>
+            <a:lvl1pPr>
+              <a:defRPr>
+                <a:solidFill>
+                  <a:schemeClr val="tx1"/>
+                </a:solidFill>
+                <a:latin typeface="Calibri" panose="020F0502020204030204" charset="0"/>
+                <a:ea typeface="宋体" panose="02010600030101010101" pitchFamily="2" charset="-122"/>
+              </a:defRPr>
+            </a:lvl1pPr>
+            <a:lvl2pPr marL="742950" indent="-285750">
+              <a:defRPr>
+                <a:solidFill>
+                  <a:schemeClr val="tx1"/>
+                </a:solidFill>
+                <a:latin typeface="Calibri" panose="020F0502020204030204" charset="0"/>
+                <a:ea typeface="宋体" panose="02010600030101010101" pitchFamily="2" charset="-122"/>
+              </a:defRPr>
+            </a:lvl2pPr>
+            <a:lvl3pPr marL="1143000" indent="-228600">
+              <a:defRPr>
+                <a:solidFill>
+                  <a:schemeClr val="tx1"/>
+                </a:solidFill>
+                <a:latin typeface="Calibri" panose="020F0502020204030204" charset="0"/>
+                <a:ea typeface="宋体" panose="02010600030101010101" pitchFamily="2" charset="-122"/>
+              </a:defRPr>
+            </a:lvl3pPr>
+            <a:lvl4pPr marL="1600200" indent="-228600">
+              <a:defRPr>
+                <a:solidFill>
+                  <a:schemeClr val="tx1"/>
+                </a:solidFill>
+                <a:latin typeface="Calibri" panose="020F0502020204030204" charset="0"/>
+                <a:ea typeface="宋体" panose="02010600030101010101" pitchFamily="2" charset="-122"/>
+              </a:defRPr>
+            </a:lvl4pPr>
+            <a:lvl5pPr marL="2057400" indent="-228600">
+              <a:defRPr>
+                <a:solidFill>
+                  <a:schemeClr val="tx1"/>
+                </a:solidFill>
+                <a:latin typeface="Calibri" panose="020F0502020204030204" charset="0"/>
+                <a:ea typeface="宋体" panose="02010600030101010101" pitchFamily="2" charset="-122"/>
+              </a:defRPr>
+            </a:lvl5pPr>
+            <a:lvl6pPr marL="2514600" indent="-228600" eaLnBrk="0" fontAlgn="base" hangingPunct="0">
+              <a:spcBef>
+                <a:spcPct val="0"/>
+              </a:spcBef>
+              <a:spcAft>
+                <a:spcPct val="0"/>
+              </a:spcAft>
+              <a:buFont typeface="Arial" panose="020B0604020202020204" pitchFamily="34" charset="0"/>
+              <a:defRPr>
+                <a:solidFill>
+                  <a:schemeClr val="tx1"/>
+                </a:solidFill>
+                <a:latin typeface="Calibri" panose="020F0502020204030204" charset="0"/>
+                <a:ea typeface="宋体" panose="02010600030101010101" pitchFamily="2" charset="-122"/>
+              </a:defRPr>
+            </a:lvl6pPr>
+            <a:lvl7pPr marL="2971800" indent="-228600" eaLnBrk="0" fontAlgn="base" hangingPunct="0">
+              <a:spcBef>
+                <a:spcPct val="0"/>
+              </a:spcBef>
+              <a:spcAft>
+                <a:spcPct val="0"/>
+              </a:spcAft>
+              <a:buFont typeface="Arial" panose="020B0604020202020204" pitchFamily="34" charset="0"/>
+              <a:defRPr>
+                <a:solidFill>
+                  <a:schemeClr val="tx1"/>
+                </a:solidFill>
+                <a:latin typeface="Calibri" panose="020F0502020204030204" charset="0"/>
+                <a:ea typeface="宋体" panose="02010600030101010101" pitchFamily="2" charset="-122"/>
+              </a:defRPr>
+            </a:lvl7pPr>
+            <a:lvl8pPr marL="3429000" indent="-228600" eaLnBrk="0" fontAlgn="base" hangingPunct="0">
+              <a:spcBef>
+                <a:spcPct val="0"/>
+              </a:spcBef>
+              <a:spcAft>
+                <a:spcPct val="0"/>
+              </a:spcAft>
+              <a:buFont typeface="Arial" panose="020B0604020202020204" pitchFamily="34" charset="0"/>
+              <a:defRPr>
+                <a:solidFill>
+                  <a:schemeClr val="tx1"/>
+                </a:solidFill>
+                <a:latin typeface="Calibri" panose="020F0502020204030204" charset="0"/>
+                <a:ea typeface="宋体" panose="02010600030101010101" pitchFamily="2" charset="-122"/>
+              </a:defRPr>
+            </a:lvl8pPr>
+            <a:lvl9pPr marL="3886200" indent="-228600" eaLnBrk="0" fontAlgn="base" hangingPunct="0">
+              <a:spcBef>
+                <a:spcPct val="0"/>
+              </a:spcBef>
+              <a:spcAft>
+                <a:spcPct val="0"/>
+              </a:spcAft>
+              <a:buFont typeface="Arial" panose="020B0604020202020204" pitchFamily="34" charset="0"/>
+              <a:defRPr>
+                <a:solidFill>
+                  <a:schemeClr val="tx1"/>
+                </a:solidFill>
+                <a:latin typeface="Calibri" panose="020F0502020204030204" charset="0"/>
+                <a:ea typeface="宋体" panose="02010600030101010101" pitchFamily="2" charset="-122"/>
+              </a:defRPr>
+            </a:lvl9pPr>
+          </a:lstStyle>
+          <a:p>
+            <a:pPr algn="r" eaLnBrk="1" hangingPunct="1"/>
+            <a:fld id="{06BBFAF3-E2D1-461D-829B-B073BB016A6C}" type="slidenum">
+              <a:rPr lang="zh-CN" altLang="en-US" sz="1200"/>
               <a:t>12</a:t>
             </a:fld>
-            <a:endParaRPr lang="zh-CN" altLang="en-US"/>
+            <a:endParaRPr lang="en-US" sz="1200"/>
           </a:p>
         </p:txBody>
       </p:sp>
     </p:spTree>
   </p:cSld>
   <p:clrMapOvr>
-    <a:masterClrMapping/>
+    <a:overrideClrMapping bg1="lt1" tx1="dk1" bg2="lt2" tx2="dk2" accent1="accent1" accent2="accent2" accent3="accent3" accent4="accent4" accent5="accent5" accent6="accent6" hlink="hlink" folHlink="folHlink"/>
   </p:clrMapOvr>
 </p:notes>
 </file>
@@ -1979,498 +2139,6 @@
 </file>
 
 <file path=ppt/notesSlides/notesSlide17.xml><?xml version="1.0" encoding="utf-8"?>
-<p:notes xmlns:a="http://schemas.openxmlformats.org/drawingml/2006/main" xmlns:r="http://schemas.openxmlformats.org/officeDocument/2006/relationships" xmlns:p="http://schemas.openxmlformats.org/presentationml/2006/main" showMasterSp="0">
-  <p:cSld>
-    <p:bg bwMode="auto">
-      <p:bgPr>
-        <a:solidFill>
-          <a:schemeClr val="bg1"/>
-        </a:solidFill>
-        <a:effectLst/>
-      </p:bgPr>
-    </p:bg>
-    <p:spTree>
-      <p:nvGrpSpPr>
-        <p:cNvPr id="1" name=""/>
-        <p:cNvGrpSpPr/>
-        <p:nvPr/>
-      </p:nvGrpSpPr>
-      <p:grpSpPr>
-        <a:xfrm>
-          <a:off x="0" y="0"/>
-          <a:ext cx="0" cy="0"/>
-          <a:chOff x="0" y="0"/>
-          <a:chExt cx="0" cy="0"/>
-        </a:xfrm>
-      </p:grpSpPr>
-      <p:sp>
-        <p:nvSpPr>
-          <p:cNvPr id="13314" name="幻灯片图像占位符 1"/>
-          <p:cNvSpPr>
-            <a:spLocks noGrp="1" noRot="1" noChangeAspect="1" noTextEdit="1"/>
-          </p:cNvSpPr>
-          <p:nvPr>
-            <p:ph type="sldImg"/>
-          </p:nvPr>
-        </p:nvSpPr>
-        <p:spPr>
-          <a:xfrm>
-            <a:off x="481013" y="1279525"/>
-            <a:ext cx="6140450" cy="3454400"/>
-          </a:xfrm>
-          <a:noFill/>
-          <a:ln>
-            <a:solidFill>
-              <a:srgbClr val="000000"/>
-            </a:solidFill>
-            <a:miter lim="800000"/>
-          </a:ln>
-        </p:spPr>
-      </p:sp>
-      <p:sp>
-        <p:nvSpPr>
-          <p:cNvPr id="13315" name="备注占位符 2"/>
-          <p:cNvSpPr>
-            <a:spLocks noGrp="1" noChangeArrowheads="1"/>
-          </p:cNvSpPr>
-          <p:nvPr>
-            <p:ph type="body" idx="1"/>
-          </p:nvPr>
-        </p:nvSpPr>
-        <p:spPr>
-          <a:noFill/>
-        </p:spPr>
-        <p:txBody>
-          <a:bodyPr anchor="t"/>
-          <a:lstStyle/>
-          <a:p>
-            <a:pPr eaLnBrk="1" hangingPunct="1">
-              <a:spcBef>
-                <a:spcPct val="0"/>
-              </a:spcBef>
-            </a:pPr>
-            <a:endParaRPr lang="zh-CN" altLang="en-US"/>
-          </a:p>
-        </p:txBody>
-      </p:sp>
-      <p:sp>
-        <p:nvSpPr>
-          <p:cNvPr id="13316" name="灯片编号占位符 3"/>
-          <p:cNvSpPr txBox="1">
-            <a:spLocks noGrp="1" noChangeArrowheads="1"/>
-          </p:cNvSpPr>
-          <p:nvPr/>
-        </p:nvSpPr>
-        <p:spPr bwMode="auto">
-          <a:xfrm>
-            <a:off x="3883025" y="8685213"/>
-            <a:ext cx="2973388" cy="458787"/>
-          </a:xfrm>
-          <a:prstGeom prst="rect">
-            <a:avLst/>
-          </a:prstGeom>
-          <a:noFill/>
-          <a:ln>
-            <a:noFill/>
-          </a:ln>
-          <a:extLst>
-            <a:ext uri="{909E8E84-426E-40DD-AFC4-6F175D3DCCD1}">
-              <a14:hiddenFill xmlns:a14="http://schemas.microsoft.com/office/drawing/2010/main">
-                <a:solidFill>
-                  <a:srgbClr val="FFFFFF"/>
-                </a:solidFill>
-              </a14:hiddenFill>
-            </a:ext>
-            <a:ext uri="{91240B29-F687-4F45-9708-019B960494DF}">
-              <a14:hiddenLine xmlns:a14="http://schemas.microsoft.com/office/drawing/2010/main" w="9525">
-                <a:solidFill>
-                  <a:srgbClr val="000000"/>
-                </a:solidFill>
-                <a:miter lim="800000"/>
-                <a:headEnd/>
-                <a:tailEnd/>
-              </a14:hiddenLine>
-            </a:ext>
-          </a:extLst>
-        </p:spPr>
-        <p:txBody>
-          <a:bodyPr anchor="b"/>
-          <a:lstStyle>
-            <a:lvl1pPr>
-              <a:defRPr>
-                <a:solidFill>
-                  <a:schemeClr val="tx1"/>
-                </a:solidFill>
-                <a:latin typeface="Calibri" panose="020F0502020204030204" charset="0"/>
-                <a:ea typeface="宋体" panose="02010600030101010101" pitchFamily="2" charset="-122"/>
-              </a:defRPr>
-            </a:lvl1pPr>
-            <a:lvl2pPr marL="742950" indent="-285750">
-              <a:defRPr>
-                <a:solidFill>
-                  <a:schemeClr val="tx1"/>
-                </a:solidFill>
-                <a:latin typeface="Calibri" panose="020F0502020204030204" charset="0"/>
-                <a:ea typeface="宋体" panose="02010600030101010101" pitchFamily="2" charset="-122"/>
-              </a:defRPr>
-            </a:lvl2pPr>
-            <a:lvl3pPr marL="1143000" indent="-228600">
-              <a:defRPr>
-                <a:solidFill>
-                  <a:schemeClr val="tx1"/>
-                </a:solidFill>
-                <a:latin typeface="Calibri" panose="020F0502020204030204" charset="0"/>
-                <a:ea typeface="宋体" panose="02010600030101010101" pitchFamily="2" charset="-122"/>
-              </a:defRPr>
-            </a:lvl3pPr>
-            <a:lvl4pPr marL="1600200" indent="-228600">
-              <a:defRPr>
-                <a:solidFill>
-                  <a:schemeClr val="tx1"/>
-                </a:solidFill>
-                <a:latin typeface="Calibri" panose="020F0502020204030204" charset="0"/>
-                <a:ea typeface="宋体" panose="02010600030101010101" pitchFamily="2" charset="-122"/>
-              </a:defRPr>
-            </a:lvl4pPr>
-            <a:lvl5pPr marL="2057400" indent="-228600">
-              <a:defRPr>
-                <a:solidFill>
-                  <a:schemeClr val="tx1"/>
-                </a:solidFill>
-                <a:latin typeface="Calibri" panose="020F0502020204030204" charset="0"/>
-                <a:ea typeface="宋体" panose="02010600030101010101" pitchFamily="2" charset="-122"/>
-              </a:defRPr>
-            </a:lvl5pPr>
-            <a:lvl6pPr marL="2514600" indent="-228600" eaLnBrk="0" fontAlgn="base" hangingPunct="0">
-              <a:spcBef>
-                <a:spcPct val="0"/>
-              </a:spcBef>
-              <a:spcAft>
-                <a:spcPct val="0"/>
-              </a:spcAft>
-              <a:buFont typeface="Arial" panose="020B0604020202020204" pitchFamily="34" charset="0"/>
-              <a:defRPr>
-                <a:solidFill>
-                  <a:schemeClr val="tx1"/>
-                </a:solidFill>
-                <a:latin typeface="Calibri" panose="020F0502020204030204" charset="0"/>
-                <a:ea typeface="宋体" panose="02010600030101010101" pitchFamily="2" charset="-122"/>
-              </a:defRPr>
-            </a:lvl6pPr>
-            <a:lvl7pPr marL="2971800" indent="-228600" eaLnBrk="0" fontAlgn="base" hangingPunct="0">
-              <a:spcBef>
-                <a:spcPct val="0"/>
-              </a:spcBef>
-              <a:spcAft>
-                <a:spcPct val="0"/>
-              </a:spcAft>
-              <a:buFont typeface="Arial" panose="020B0604020202020204" pitchFamily="34" charset="0"/>
-              <a:defRPr>
-                <a:solidFill>
-                  <a:schemeClr val="tx1"/>
-                </a:solidFill>
-                <a:latin typeface="Calibri" panose="020F0502020204030204" charset="0"/>
-                <a:ea typeface="宋体" panose="02010600030101010101" pitchFamily="2" charset="-122"/>
-              </a:defRPr>
-            </a:lvl7pPr>
-            <a:lvl8pPr marL="3429000" indent="-228600" eaLnBrk="0" fontAlgn="base" hangingPunct="0">
-              <a:spcBef>
-                <a:spcPct val="0"/>
-              </a:spcBef>
-              <a:spcAft>
-                <a:spcPct val="0"/>
-              </a:spcAft>
-              <a:buFont typeface="Arial" panose="020B0604020202020204" pitchFamily="34" charset="0"/>
-              <a:defRPr>
-                <a:solidFill>
-                  <a:schemeClr val="tx1"/>
-                </a:solidFill>
-                <a:latin typeface="Calibri" panose="020F0502020204030204" charset="0"/>
-                <a:ea typeface="宋体" panose="02010600030101010101" pitchFamily="2" charset="-122"/>
-              </a:defRPr>
-            </a:lvl8pPr>
-            <a:lvl9pPr marL="3886200" indent="-228600" eaLnBrk="0" fontAlgn="base" hangingPunct="0">
-              <a:spcBef>
-                <a:spcPct val="0"/>
-              </a:spcBef>
-              <a:spcAft>
-                <a:spcPct val="0"/>
-              </a:spcAft>
-              <a:buFont typeface="Arial" panose="020B0604020202020204" pitchFamily="34" charset="0"/>
-              <a:defRPr>
-                <a:solidFill>
-                  <a:schemeClr val="tx1"/>
-                </a:solidFill>
-                <a:latin typeface="Calibri" panose="020F0502020204030204" charset="0"/>
-                <a:ea typeface="宋体" panose="02010600030101010101" pitchFamily="2" charset="-122"/>
-              </a:defRPr>
-            </a:lvl9pPr>
-          </a:lstStyle>
-          <a:p>
-            <a:pPr algn="r" eaLnBrk="1" hangingPunct="1"/>
-            <a:fld id="{06BBFAF3-E2D1-461D-829B-B073BB016A6C}" type="slidenum">
-              <a:rPr lang="zh-CN" altLang="en-US" sz="1200"/>
-              <a:t>18</a:t>
-            </a:fld>
-            <a:endParaRPr lang="en-US" sz="1200"/>
-          </a:p>
-        </p:txBody>
-      </p:sp>
-    </p:spTree>
-  </p:cSld>
-  <p:clrMapOvr>
-    <a:overrideClrMapping bg1="lt1" tx1="dk1" bg2="lt2" tx2="dk2" accent1="accent1" accent2="accent2" accent3="accent3" accent4="accent4" accent5="accent5" accent6="accent6" hlink="hlink" folHlink="folHlink"/>
-  </p:clrMapOvr>
-</p:notes>
-</file>
-
-<file path=ppt/notesSlides/notesSlide18.xml><?xml version="1.0" encoding="utf-8"?>
-<p:notes xmlns:a="http://schemas.openxmlformats.org/drawingml/2006/main" xmlns:r="http://schemas.openxmlformats.org/officeDocument/2006/relationships" xmlns:p="http://schemas.openxmlformats.org/presentationml/2006/main" showMasterSp="0">
-  <p:cSld>
-    <p:bg bwMode="auto">
-      <p:bgPr>
-        <a:solidFill>
-          <a:schemeClr val="bg1"/>
-        </a:solidFill>
-        <a:effectLst/>
-      </p:bgPr>
-    </p:bg>
-    <p:spTree>
-      <p:nvGrpSpPr>
-        <p:cNvPr id="1" name=""/>
-        <p:cNvGrpSpPr/>
-        <p:nvPr/>
-      </p:nvGrpSpPr>
-      <p:grpSpPr>
-        <a:xfrm>
-          <a:off x="0" y="0"/>
-          <a:ext cx="0" cy="0"/>
-          <a:chOff x="0" y="0"/>
-          <a:chExt cx="0" cy="0"/>
-        </a:xfrm>
-      </p:grpSpPr>
-      <p:sp>
-        <p:nvSpPr>
-          <p:cNvPr id="13314" name="幻灯片图像占位符 1"/>
-          <p:cNvSpPr>
-            <a:spLocks noGrp="1" noRot="1" noChangeAspect="1" noTextEdit="1"/>
-          </p:cNvSpPr>
-          <p:nvPr>
-            <p:ph type="sldImg"/>
-          </p:nvPr>
-        </p:nvSpPr>
-        <p:spPr>
-          <a:xfrm>
-            <a:off x="481013" y="1279525"/>
-            <a:ext cx="6140450" cy="3454400"/>
-          </a:xfrm>
-          <a:noFill/>
-          <a:ln>
-            <a:solidFill>
-              <a:srgbClr val="000000"/>
-            </a:solidFill>
-            <a:miter lim="800000"/>
-          </a:ln>
-        </p:spPr>
-      </p:sp>
-      <p:sp>
-        <p:nvSpPr>
-          <p:cNvPr id="13315" name="备注占位符 2"/>
-          <p:cNvSpPr>
-            <a:spLocks noGrp="1" noChangeArrowheads="1"/>
-          </p:cNvSpPr>
-          <p:nvPr>
-            <p:ph type="body" idx="1"/>
-          </p:nvPr>
-        </p:nvSpPr>
-        <p:spPr>
-          <a:noFill/>
-        </p:spPr>
-        <p:txBody>
-          <a:bodyPr anchor="t"/>
-          <a:lstStyle/>
-          <a:p>
-            <a:pPr eaLnBrk="1" hangingPunct="1">
-              <a:spcBef>
-                <a:spcPct val="0"/>
-              </a:spcBef>
-            </a:pPr>
-            <a:endParaRPr lang="zh-CN" altLang="en-US"/>
-          </a:p>
-        </p:txBody>
-      </p:sp>
-      <p:sp>
-        <p:nvSpPr>
-          <p:cNvPr id="13316" name="灯片编号占位符 3"/>
-          <p:cNvSpPr txBox="1">
-            <a:spLocks noGrp="1" noChangeArrowheads="1"/>
-          </p:cNvSpPr>
-          <p:nvPr/>
-        </p:nvSpPr>
-        <p:spPr bwMode="auto">
-          <a:xfrm>
-            <a:off x="3883025" y="8685213"/>
-            <a:ext cx="2973388" cy="458787"/>
-          </a:xfrm>
-          <a:prstGeom prst="rect">
-            <a:avLst/>
-          </a:prstGeom>
-          <a:noFill/>
-          <a:ln>
-            <a:noFill/>
-          </a:ln>
-          <a:extLst>
-            <a:ext uri="{909E8E84-426E-40DD-AFC4-6F175D3DCCD1}">
-              <a14:hiddenFill xmlns:a14="http://schemas.microsoft.com/office/drawing/2010/main">
-                <a:solidFill>
-                  <a:srgbClr val="FFFFFF"/>
-                </a:solidFill>
-              </a14:hiddenFill>
-            </a:ext>
-            <a:ext uri="{91240B29-F687-4F45-9708-019B960494DF}">
-              <a14:hiddenLine xmlns:a14="http://schemas.microsoft.com/office/drawing/2010/main" w="9525">
-                <a:solidFill>
-                  <a:srgbClr val="000000"/>
-                </a:solidFill>
-                <a:miter lim="800000"/>
-                <a:headEnd/>
-                <a:tailEnd/>
-              </a14:hiddenLine>
-            </a:ext>
-          </a:extLst>
-        </p:spPr>
-        <p:txBody>
-          <a:bodyPr anchor="b"/>
-          <a:lstStyle>
-            <a:lvl1pPr>
-              <a:defRPr>
-                <a:solidFill>
-                  <a:schemeClr val="tx1"/>
-                </a:solidFill>
-                <a:latin typeface="Calibri" panose="020F0502020204030204" charset="0"/>
-                <a:ea typeface="宋体" panose="02010600030101010101" pitchFamily="2" charset="-122"/>
-              </a:defRPr>
-            </a:lvl1pPr>
-            <a:lvl2pPr marL="742950" indent="-285750">
-              <a:defRPr>
-                <a:solidFill>
-                  <a:schemeClr val="tx1"/>
-                </a:solidFill>
-                <a:latin typeface="Calibri" panose="020F0502020204030204" charset="0"/>
-                <a:ea typeface="宋体" panose="02010600030101010101" pitchFamily="2" charset="-122"/>
-              </a:defRPr>
-            </a:lvl2pPr>
-            <a:lvl3pPr marL="1143000" indent="-228600">
-              <a:defRPr>
-                <a:solidFill>
-                  <a:schemeClr val="tx1"/>
-                </a:solidFill>
-                <a:latin typeface="Calibri" panose="020F0502020204030204" charset="0"/>
-                <a:ea typeface="宋体" panose="02010600030101010101" pitchFamily="2" charset="-122"/>
-              </a:defRPr>
-            </a:lvl3pPr>
-            <a:lvl4pPr marL="1600200" indent="-228600">
-              <a:defRPr>
-                <a:solidFill>
-                  <a:schemeClr val="tx1"/>
-                </a:solidFill>
-                <a:latin typeface="Calibri" panose="020F0502020204030204" charset="0"/>
-                <a:ea typeface="宋体" panose="02010600030101010101" pitchFamily="2" charset="-122"/>
-              </a:defRPr>
-            </a:lvl4pPr>
-            <a:lvl5pPr marL="2057400" indent="-228600">
-              <a:defRPr>
-                <a:solidFill>
-                  <a:schemeClr val="tx1"/>
-                </a:solidFill>
-                <a:latin typeface="Calibri" panose="020F0502020204030204" charset="0"/>
-                <a:ea typeface="宋体" panose="02010600030101010101" pitchFamily="2" charset="-122"/>
-              </a:defRPr>
-            </a:lvl5pPr>
-            <a:lvl6pPr marL="2514600" indent="-228600" eaLnBrk="0" fontAlgn="base" hangingPunct="0">
-              <a:spcBef>
-                <a:spcPct val="0"/>
-              </a:spcBef>
-              <a:spcAft>
-                <a:spcPct val="0"/>
-              </a:spcAft>
-              <a:buFont typeface="Arial" panose="020B0604020202020204" pitchFamily="34" charset="0"/>
-              <a:defRPr>
-                <a:solidFill>
-                  <a:schemeClr val="tx1"/>
-                </a:solidFill>
-                <a:latin typeface="Calibri" panose="020F0502020204030204" charset="0"/>
-                <a:ea typeface="宋体" panose="02010600030101010101" pitchFamily="2" charset="-122"/>
-              </a:defRPr>
-            </a:lvl6pPr>
-            <a:lvl7pPr marL="2971800" indent="-228600" eaLnBrk="0" fontAlgn="base" hangingPunct="0">
-              <a:spcBef>
-                <a:spcPct val="0"/>
-              </a:spcBef>
-              <a:spcAft>
-                <a:spcPct val="0"/>
-              </a:spcAft>
-              <a:buFont typeface="Arial" panose="020B0604020202020204" pitchFamily="34" charset="0"/>
-              <a:defRPr>
-                <a:solidFill>
-                  <a:schemeClr val="tx1"/>
-                </a:solidFill>
-                <a:latin typeface="Calibri" panose="020F0502020204030204" charset="0"/>
-                <a:ea typeface="宋体" panose="02010600030101010101" pitchFamily="2" charset="-122"/>
-              </a:defRPr>
-            </a:lvl7pPr>
-            <a:lvl8pPr marL="3429000" indent="-228600" eaLnBrk="0" fontAlgn="base" hangingPunct="0">
-              <a:spcBef>
-                <a:spcPct val="0"/>
-              </a:spcBef>
-              <a:spcAft>
-                <a:spcPct val="0"/>
-              </a:spcAft>
-              <a:buFont typeface="Arial" panose="020B0604020202020204" pitchFamily="34" charset="0"/>
-              <a:defRPr>
-                <a:solidFill>
-                  <a:schemeClr val="tx1"/>
-                </a:solidFill>
-                <a:latin typeface="Calibri" panose="020F0502020204030204" charset="0"/>
-                <a:ea typeface="宋体" panose="02010600030101010101" pitchFamily="2" charset="-122"/>
-              </a:defRPr>
-            </a:lvl8pPr>
-            <a:lvl9pPr marL="3886200" indent="-228600" eaLnBrk="0" fontAlgn="base" hangingPunct="0">
-              <a:spcBef>
-                <a:spcPct val="0"/>
-              </a:spcBef>
-              <a:spcAft>
-                <a:spcPct val="0"/>
-              </a:spcAft>
-              <a:buFont typeface="Arial" panose="020B0604020202020204" pitchFamily="34" charset="0"/>
-              <a:defRPr>
-                <a:solidFill>
-                  <a:schemeClr val="tx1"/>
-                </a:solidFill>
-                <a:latin typeface="Calibri" panose="020F0502020204030204" charset="0"/>
-                <a:ea typeface="宋体" panose="02010600030101010101" pitchFamily="2" charset="-122"/>
-              </a:defRPr>
-            </a:lvl9pPr>
-          </a:lstStyle>
-          <a:p>
-            <a:pPr algn="r" eaLnBrk="1" hangingPunct="1"/>
-            <a:fld id="{06BBFAF3-E2D1-461D-829B-B073BB016A6C}" type="slidenum">
-              <a:rPr lang="zh-CN" altLang="en-US" sz="1200"/>
-              <a:t>19</a:t>
-            </a:fld>
-            <a:endParaRPr lang="en-US" sz="1200"/>
-          </a:p>
-        </p:txBody>
-      </p:sp>
-    </p:spTree>
-  </p:cSld>
-  <p:clrMapOvr>
-    <a:overrideClrMapping bg1="lt1" tx1="dk1" bg2="lt2" tx2="dk2" accent1="accent1" accent2="accent2" accent3="accent3" accent4="accent4" accent5="accent5" accent6="accent6" hlink="hlink" folHlink="folHlink"/>
-  </p:clrMapOvr>
-</p:notes>
-</file>
-
-<file path=ppt/notesSlides/notesSlide19.xml><?xml version="1.0" encoding="utf-8"?>
 <p:notes xmlns:a="http://schemas.openxmlformats.org/drawingml/2006/main" xmlns:r="http://schemas.openxmlformats.org/officeDocument/2006/relationships" xmlns:p="http://schemas.openxmlformats.org/presentationml/2006/main">
   <p:cSld>
     <p:spTree>
@@ -2540,7 +2208,91 @@
           <a:p>
             <a:fld id="{4E38F04A-84B0-4E5D-A1A7-EE43D6EF2A66}" type="slidenum">
               <a:rPr lang="zh-CN" altLang="en-US" smtClean="0"/>
-              <a:t>20</a:t>
+              <a:t>18</a:t>
+            </a:fld>
+            <a:endParaRPr lang="zh-CN" altLang="en-US"/>
+          </a:p>
+        </p:txBody>
+      </p:sp>
+    </p:spTree>
+  </p:cSld>
+  <p:clrMapOvr>
+    <a:masterClrMapping/>
+  </p:clrMapOvr>
+</p:notes>
+</file>
+
+<file path=ppt/notesSlides/notesSlide18.xml><?xml version="1.0" encoding="utf-8"?>
+<p:notes xmlns:a="http://schemas.openxmlformats.org/drawingml/2006/main" xmlns:r="http://schemas.openxmlformats.org/officeDocument/2006/relationships" xmlns:p="http://schemas.openxmlformats.org/presentationml/2006/main">
+  <p:cSld>
+    <p:spTree>
+      <p:nvGrpSpPr>
+        <p:cNvPr id="1" name=""/>
+        <p:cNvGrpSpPr/>
+        <p:nvPr/>
+      </p:nvGrpSpPr>
+      <p:grpSpPr>
+        <a:xfrm>
+          <a:off x="0" y="0"/>
+          <a:ext cx="0" cy="0"/>
+          <a:chOff x="0" y="0"/>
+          <a:chExt cx="0" cy="0"/>
+        </a:xfrm>
+      </p:grpSpPr>
+      <p:sp>
+        <p:nvSpPr>
+          <p:cNvPr id="2" name="幻灯片图像占位符 1"/>
+          <p:cNvSpPr>
+            <a:spLocks noGrp="1" noRot="1" noChangeAspect="1"/>
+          </p:cNvSpPr>
+          <p:nvPr>
+            <p:ph type="sldImg"/>
+          </p:nvPr>
+        </p:nvSpPr>
+        <p:spPr>
+          <a:xfrm>
+            <a:off x="481013" y="1279525"/>
+            <a:ext cx="6140450" cy="3454400"/>
+          </a:xfrm>
+        </p:spPr>
+      </p:sp>
+      <p:sp>
+        <p:nvSpPr>
+          <p:cNvPr id="3" name="备注占位符 2"/>
+          <p:cNvSpPr>
+            <a:spLocks noGrp="1"/>
+          </p:cNvSpPr>
+          <p:nvPr>
+            <p:ph type="body" idx="1"/>
+          </p:nvPr>
+        </p:nvSpPr>
+        <p:spPr/>
+        <p:txBody>
+          <a:bodyPr/>
+          <a:lstStyle/>
+          <a:p>
+            <a:endParaRPr lang="zh-CN" altLang="en-US"/>
+          </a:p>
+        </p:txBody>
+      </p:sp>
+      <p:sp>
+        <p:nvSpPr>
+          <p:cNvPr id="4" name="灯片编号占位符 3"/>
+          <p:cNvSpPr>
+            <a:spLocks noGrp="1"/>
+          </p:cNvSpPr>
+          <p:nvPr>
+            <p:ph type="sldNum" sz="quarter" idx="10"/>
+          </p:nvPr>
+        </p:nvSpPr>
+        <p:spPr/>
+        <p:txBody>
+          <a:bodyPr/>
+          <a:lstStyle/>
+          <a:p>
+            <a:fld id="{4E38F04A-84B0-4E5D-A1A7-EE43D6EF2A66}" type="slidenum">
+              <a:rPr lang="zh-CN" altLang="en-US" smtClean="0"/>
+              <a:t>19</a:t>
             </a:fld>
             <a:endParaRPr lang="zh-CN" altLang="en-US"/>
           </a:p>
@@ -2624,91 +2376,7 @@
           <a:p>
             <a:fld id="{4E38F04A-84B0-4E5D-A1A7-EE43D6EF2A66}" type="slidenum">
               <a:rPr lang="zh-CN" altLang="en-US" smtClean="0"/>
-              <a:t>2</a:t>
-            </a:fld>
-            <a:endParaRPr lang="zh-CN" altLang="en-US"/>
-          </a:p>
-        </p:txBody>
-      </p:sp>
-    </p:spTree>
-  </p:cSld>
-  <p:clrMapOvr>
-    <a:masterClrMapping/>
-  </p:clrMapOvr>
-</p:notes>
-</file>
-
-<file path=ppt/notesSlides/notesSlide20.xml><?xml version="1.0" encoding="utf-8"?>
-<p:notes xmlns:a="http://schemas.openxmlformats.org/drawingml/2006/main" xmlns:r="http://schemas.openxmlformats.org/officeDocument/2006/relationships" xmlns:p="http://schemas.openxmlformats.org/presentationml/2006/main">
-  <p:cSld>
-    <p:spTree>
-      <p:nvGrpSpPr>
-        <p:cNvPr id="1" name=""/>
-        <p:cNvGrpSpPr/>
-        <p:nvPr/>
-      </p:nvGrpSpPr>
-      <p:grpSpPr>
-        <a:xfrm>
-          <a:off x="0" y="0"/>
-          <a:ext cx="0" cy="0"/>
-          <a:chOff x="0" y="0"/>
-          <a:chExt cx="0" cy="0"/>
-        </a:xfrm>
-      </p:grpSpPr>
-      <p:sp>
-        <p:nvSpPr>
-          <p:cNvPr id="2" name="幻灯片图像占位符 1"/>
-          <p:cNvSpPr>
-            <a:spLocks noGrp="1" noRot="1" noChangeAspect="1"/>
-          </p:cNvSpPr>
-          <p:nvPr>
-            <p:ph type="sldImg"/>
-          </p:nvPr>
-        </p:nvSpPr>
-        <p:spPr>
-          <a:xfrm>
-            <a:off x="481013" y="1279525"/>
-            <a:ext cx="6140450" cy="3454400"/>
-          </a:xfrm>
-        </p:spPr>
-      </p:sp>
-      <p:sp>
-        <p:nvSpPr>
-          <p:cNvPr id="3" name="备注占位符 2"/>
-          <p:cNvSpPr>
-            <a:spLocks noGrp="1"/>
-          </p:cNvSpPr>
-          <p:nvPr>
-            <p:ph type="body" idx="1"/>
-          </p:nvPr>
-        </p:nvSpPr>
-        <p:spPr/>
-        <p:txBody>
-          <a:bodyPr/>
-          <a:lstStyle/>
-          <a:p>
-            <a:endParaRPr lang="zh-CN" altLang="en-US"/>
-          </a:p>
-        </p:txBody>
-      </p:sp>
-      <p:sp>
-        <p:nvSpPr>
-          <p:cNvPr id="4" name="灯片编号占位符 3"/>
-          <p:cNvSpPr>
-            <a:spLocks noGrp="1"/>
-          </p:cNvSpPr>
-          <p:nvPr>
-            <p:ph type="sldNum" sz="quarter" idx="10"/>
-          </p:nvPr>
-        </p:nvSpPr>
-        <p:spPr/>
-        <p:txBody>
-          <a:bodyPr/>
-          <a:lstStyle/>
-          <a:p>
-            <a:fld id="{4E38F04A-84B0-4E5D-A1A7-EE43D6EF2A66}" type="slidenum">
-              <a:rPr lang="zh-CN" altLang="en-US" smtClean="0"/>
-              <a:t>21</a:t>
+              <a:t>3</a:t>
             </a:fld>
             <a:endParaRPr lang="zh-CN" altLang="en-US"/>
           </a:p>
@@ -3458,7 +3126,7 @@
           <a:p>
             <a:fld id="{1ABFA14F-DE9C-4D83-8C58-D4C03BB9FF78}" type="datetimeFigureOut">
               <a:rPr lang="zh-CN" altLang="en-US" smtClean="0"/>
-              <a:t>2017/5/19</a:t>
+              <a:t>2017/8/16</a:t>
             </a:fld>
             <a:endParaRPr lang="zh-CN" altLang="en-US"/>
           </a:p>
@@ -3583,7 +3251,7 @@
           <a:p>
             <a:fld id="{1ABFA14F-DE9C-4D83-8C58-D4C03BB9FF78}" type="datetimeFigureOut">
               <a:rPr lang="zh-CN" altLang="en-US" smtClean="0"/>
-              <a:t>2017/5/19</a:t>
+              <a:t>2017/8/16</a:t>
             </a:fld>
             <a:endParaRPr lang="zh-CN" altLang="en-US"/>
           </a:p>
@@ -3808,7 +3476,7 @@
           <a:p>
             <a:fld id="{1ABFA14F-DE9C-4D83-8C58-D4C03BB9FF78}" type="datetimeFigureOut">
               <a:rPr lang="zh-CN" altLang="en-US" smtClean="0"/>
-              <a:t>2017/5/19</a:t>
+              <a:t>2017/8/16</a:t>
             </a:fld>
             <a:endParaRPr lang="zh-CN" altLang="en-US"/>
           </a:p>
@@ -4033,7 +3701,7 @@
           <a:p>
             <a:fld id="{1ABFA14F-DE9C-4D83-8C58-D4C03BB9FF78}" type="datetimeFigureOut">
               <a:rPr lang="zh-CN" altLang="en-US" smtClean="0"/>
-              <a:t>2017/5/19</a:t>
+              <a:t>2017/8/16</a:t>
             </a:fld>
             <a:endParaRPr lang="zh-CN" altLang="en-US"/>
           </a:p>
@@ -4258,7 +3926,7 @@
           <a:p>
             <a:fld id="{1ABFA14F-DE9C-4D83-8C58-D4C03BB9FF78}" type="datetimeFigureOut">
               <a:rPr lang="zh-CN" altLang="en-US" smtClean="0"/>
-              <a:t>2017/5/19</a:t>
+              <a:t>2017/8/16</a:t>
             </a:fld>
             <a:endParaRPr lang="zh-CN" altLang="en-US"/>
           </a:p>
@@ -4483,7 +4151,7 @@
           <a:p>
             <a:fld id="{1ABFA14F-DE9C-4D83-8C58-D4C03BB9FF78}" type="datetimeFigureOut">
               <a:rPr lang="zh-CN" altLang="en-US" smtClean="0"/>
-              <a:t>2017/5/19</a:t>
+              <a:t>2017/8/16</a:t>
             </a:fld>
             <a:endParaRPr lang="zh-CN" altLang="en-US"/>
           </a:p>
@@ -4708,7 +4376,7 @@
           <a:p>
             <a:fld id="{1ABFA14F-DE9C-4D83-8C58-D4C03BB9FF78}" type="datetimeFigureOut">
               <a:rPr lang="zh-CN" altLang="en-US" smtClean="0"/>
-              <a:t>2017/5/19</a:t>
+              <a:t>2017/8/16</a:t>
             </a:fld>
             <a:endParaRPr lang="zh-CN" altLang="en-US"/>
           </a:p>
@@ -4933,7 +4601,7 @@
           <a:p>
             <a:fld id="{1ABFA14F-DE9C-4D83-8C58-D4C03BB9FF78}" type="datetimeFigureOut">
               <a:rPr lang="zh-CN" altLang="en-US" smtClean="0"/>
-              <a:t>2017/5/19</a:t>
+              <a:t>2017/8/16</a:t>
             </a:fld>
             <a:endParaRPr lang="zh-CN" altLang="en-US"/>
           </a:p>
@@ -5158,7 +4826,7 @@
           <a:p>
             <a:fld id="{1ABFA14F-DE9C-4D83-8C58-D4C03BB9FF78}" type="datetimeFigureOut">
               <a:rPr lang="zh-CN" altLang="en-US" smtClean="0"/>
-              <a:t>2017/5/19</a:t>
+              <a:t>2017/8/16</a:t>
             </a:fld>
             <a:endParaRPr lang="zh-CN" altLang="en-US"/>
           </a:p>
@@ -5383,7 +5051,7 @@
           <a:p>
             <a:fld id="{1ABFA14F-DE9C-4D83-8C58-D4C03BB9FF78}" type="datetimeFigureOut">
               <a:rPr lang="zh-CN" altLang="en-US" smtClean="0"/>
-              <a:t>2017/5/19</a:t>
+              <a:t>2017/8/16</a:t>
             </a:fld>
             <a:endParaRPr lang="zh-CN" altLang="en-US"/>
           </a:p>
@@ -5608,7 +5276,7 @@
           <a:p>
             <a:fld id="{1ABFA14F-DE9C-4D83-8C58-D4C03BB9FF78}" type="datetimeFigureOut">
               <a:rPr lang="zh-CN" altLang="en-US" smtClean="0"/>
-              <a:t>2017/5/19</a:t>
+              <a:t>2017/8/16</a:t>
             </a:fld>
             <a:endParaRPr lang="zh-CN" altLang="en-US"/>
           </a:p>
@@ -5942,7 +5610,7 @@
           <a:p>
             <a:fld id="{1ABFA14F-DE9C-4D83-8C58-D4C03BB9FF78}" type="datetimeFigureOut">
               <a:rPr lang="zh-CN" altLang="en-US" smtClean="0"/>
-              <a:t>2017/5/19</a:t>
+              <a:t>2017/8/16</a:t>
             </a:fld>
             <a:endParaRPr lang="zh-CN" altLang="en-US"/>
           </a:p>
@@ -6093,7 +5761,7 @@
           <a:p>
             <a:fld id="{1ABFA14F-DE9C-4D83-8C58-D4C03BB9FF78}" type="datetimeFigureOut">
               <a:rPr lang="zh-CN" altLang="en-US" smtClean="0"/>
-              <a:t>2017/5/19</a:t>
+              <a:t>2017/8/16</a:t>
             </a:fld>
             <a:endParaRPr lang="zh-CN" altLang="en-US"/>
           </a:p>
@@ -6318,7 +5986,7 @@
           <a:p>
             <a:fld id="{1ABFA14F-DE9C-4D83-8C58-D4C03BB9FF78}" type="datetimeFigureOut">
               <a:rPr lang="zh-CN" altLang="en-US" smtClean="0"/>
-              <a:t>2017/5/19</a:t>
+              <a:t>2017/8/16</a:t>
             </a:fld>
             <a:endParaRPr lang="zh-CN" altLang="en-US"/>
           </a:p>
@@ -6543,7 +6211,7 @@
           <a:p>
             <a:fld id="{1ABFA14F-DE9C-4D83-8C58-D4C03BB9FF78}" type="datetimeFigureOut">
               <a:rPr lang="zh-CN" altLang="en-US" smtClean="0"/>
-              <a:t>2017/5/19</a:t>
+              <a:t>2017/8/16</a:t>
             </a:fld>
             <a:endParaRPr lang="zh-CN" altLang="en-US"/>
           </a:p>
@@ -6768,7 +6436,7 @@
           <a:p>
             <a:fld id="{1ABFA14F-DE9C-4D83-8C58-D4C03BB9FF78}" type="datetimeFigureOut">
               <a:rPr lang="zh-CN" altLang="en-US" smtClean="0"/>
-              <a:t>2017/5/19</a:t>
+              <a:t>2017/8/16</a:t>
             </a:fld>
             <a:endParaRPr lang="zh-CN" altLang="en-US"/>
           </a:p>
@@ -6993,7 +6661,7 @@
           <a:p>
             <a:fld id="{1ABFA14F-DE9C-4D83-8C58-D4C03BB9FF78}" type="datetimeFigureOut">
               <a:rPr lang="zh-CN" altLang="en-US" smtClean="0"/>
-              <a:t>2017/5/19</a:t>
+              <a:t>2017/8/16</a:t>
             </a:fld>
             <a:endParaRPr lang="zh-CN" altLang="en-US"/>
           </a:p>
@@ -7218,7 +6886,7 @@
           <a:p>
             <a:fld id="{1ABFA14F-DE9C-4D83-8C58-D4C03BB9FF78}" type="datetimeFigureOut">
               <a:rPr lang="zh-CN" altLang="en-US" smtClean="0"/>
-              <a:t>2017/5/19</a:t>
+              <a:t>2017/8/16</a:t>
             </a:fld>
             <a:endParaRPr lang="zh-CN" altLang="en-US"/>
           </a:p>
@@ -7443,7 +7111,7 @@
           <a:p>
             <a:fld id="{1ABFA14F-DE9C-4D83-8C58-D4C03BB9FF78}" type="datetimeFigureOut">
               <a:rPr lang="zh-CN" altLang="en-US" smtClean="0"/>
-              <a:t>2017/5/19</a:t>
+              <a:t>2017/8/16</a:t>
             </a:fld>
             <a:endParaRPr lang="zh-CN" altLang="en-US"/>
           </a:p>
@@ -7668,7 +7336,7 @@
           <a:p>
             <a:fld id="{1ABFA14F-DE9C-4D83-8C58-D4C03BB9FF78}" type="datetimeFigureOut">
               <a:rPr lang="zh-CN" altLang="en-US" smtClean="0"/>
-              <a:t>2017/5/19</a:t>
+              <a:t>2017/8/16</a:t>
             </a:fld>
             <a:endParaRPr lang="zh-CN" altLang="en-US"/>
           </a:p>
@@ -7893,7 +7561,7 @@
           <a:p>
             <a:fld id="{1ABFA14F-DE9C-4D83-8C58-D4C03BB9FF78}" type="datetimeFigureOut">
               <a:rPr lang="zh-CN" altLang="en-US" smtClean="0"/>
-              <a:t>2017/5/19</a:t>
+              <a:t>2017/8/16</a:t>
             </a:fld>
             <a:endParaRPr lang="zh-CN" altLang="en-US"/>
           </a:p>
@@ -8118,7 +7786,7 @@
           <a:p>
             <a:fld id="{1ABFA14F-DE9C-4D83-8C58-D4C03BB9FF78}" type="datetimeFigureOut">
               <a:rPr lang="zh-CN" altLang="en-US" smtClean="0"/>
-              <a:t>2017/5/19</a:t>
+              <a:t>2017/8/16</a:t>
             </a:fld>
             <a:endParaRPr lang="zh-CN" altLang="en-US"/>
           </a:p>
@@ -8446,7 +8114,7 @@
           <a:p>
             <a:fld id="{1ABFA14F-DE9C-4D83-8C58-D4C03BB9FF78}" type="datetimeFigureOut">
               <a:rPr lang="zh-CN" altLang="en-US" smtClean="0"/>
-              <a:t>2017/5/19</a:t>
+              <a:t>2017/8/16</a:t>
             </a:fld>
             <a:endParaRPr lang="zh-CN" altLang="en-US"/>
           </a:p>
@@ -8543,7 +8211,7 @@
           <a:p>
             <a:fld id="{1ABFA14F-DE9C-4D83-8C58-D4C03BB9FF78}" type="datetimeFigureOut">
               <a:rPr lang="zh-CN" altLang="en-US" smtClean="0"/>
-              <a:t>2017/5/19</a:t>
+              <a:t>2017/8/16</a:t>
             </a:fld>
             <a:endParaRPr lang="zh-CN" altLang="en-US"/>
           </a:p>
@@ -8768,7 +8436,7 @@
           <a:p>
             <a:fld id="{1ABFA14F-DE9C-4D83-8C58-D4C03BB9FF78}" type="datetimeFigureOut">
               <a:rPr lang="zh-CN" altLang="en-US" smtClean="0"/>
-              <a:t>2017/5/19</a:t>
+              <a:t>2017/8/16</a:t>
             </a:fld>
             <a:endParaRPr lang="zh-CN" altLang="en-US"/>
           </a:p>
@@ -8993,7 +8661,7 @@
           <a:p>
             <a:fld id="{1ABFA14F-DE9C-4D83-8C58-D4C03BB9FF78}" type="datetimeFigureOut">
               <a:rPr lang="zh-CN" altLang="en-US" smtClean="0"/>
-              <a:t>2017/5/19</a:t>
+              <a:t>2017/8/16</a:t>
             </a:fld>
             <a:endParaRPr lang="zh-CN" altLang="en-US"/>
           </a:p>
@@ -9218,7 +8886,7 @@
           <a:p>
             <a:fld id="{1ABFA14F-DE9C-4D83-8C58-D4C03BB9FF78}" type="datetimeFigureOut">
               <a:rPr lang="zh-CN" altLang="en-US" smtClean="0"/>
-              <a:t>2017/5/19</a:t>
+              <a:t>2017/8/16</a:t>
             </a:fld>
             <a:endParaRPr lang="zh-CN" altLang="en-US"/>
           </a:p>
@@ -9443,7 +9111,7 @@
           <a:p>
             <a:fld id="{1ABFA14F-DE9C-4D83-8C58-D4C03BB9FF78}" type="datetimeFigureOut">
               <a:rPr lang="zh-CN" altLang="en-US" smtClean="0"/>
-              <a:t>2017/5/19</a:t>
+              <a:t>2017/8/16</a:t>
             </a:fld>
             <a:endParaRPr lang="zh-CN" altLang="en-US"/>
           </a:p>
@@ -9668,7 +9336,7 @@
           <a:p>
             <a:fld id="{1ABFA14F-DE9C-4D83-8C58-D4C03BB9FF78}" type="datetimeFigureOut">
               <a:rPr lang="zh-CN" altLang="en-US" smtClean="0"/>
-              <a:t>2017/5/19</a:t>
+              <a:t>2017/8/16</a:t>
             </a:fld>
             <a:endParaRPr lang="zh-CN" altLang="en-US"/>
           </a:p>
@@ -9893,7 +9561,7 @@
           <a:p>
             <a:fld id="{1ABFA14F-DE9C-4D83-8C58-D4C03BB9FF78}" type="datetimeFigureOut">
               <a:rPr lang="zh-CN" altLang="en-US" smtClean="0"/>
-              <a:t>2017/5/19</a:t>
+              <a:t>2017/8/16</a:t>
             </a:fld>
             <a:endParaRPr lang="zh-CN" altLang="en-US"/>
           </a:p>
@@ -10118,7 +9786,7 @@
           <a:p>
             <a:fld id="{1ABFA14F-DE9C-4D83-8C58-D4C03BB9FF78}" type="datetimeFigureOut">
               <a:rPr lang="zh-CN" altLang="en-US" smtClean="0"/>
-              <a:t>2017/5/19</a:t>
+              <a:t>2017/8/16</a:t>
             </a:fld>
             <a:endParaRPr lang="zh-CN" altLang="en-US"/>
           </a:p>
@@ -10589,7 +10257,7 @@
           <a:p>
             <a:fld id="{1ABFA14F-DE9C-4D83-8C58-D4C03BB9FF78}" type="datetimeFigureOut">
               <a:rPr lang="zh-CN" altLang="en-US" smtClean="0"/>
-              <a:t>2017/5/19</a:t>
+              <a:t>2017/8/16</a:t>
             </a:fld>
             <a:endParaRPr lang="zh-CN" altLang="en-US"/>
           </a:p>
@@ -11094,7 +10762,7 @@
           <a:p>
             <a:fld id="{1ABFA14F-DE9C-4D83-8C58-D4C03BB9FF78}" type="datetimeFigureOut">
               <a:rPr lang="zh-CN" altLang="en-US" smtClean="0"/>
-              <a:t>2017/5/19</a:t>
+              <a:t>2017/8/16</a:t>
             </a:fld>
             <a:endParaRPr lang="zh-CN" altLang="en-US"/>
           </a:p>
@@ -11394,7 +11062,7 @@
           <a:p>
             <a:fld id="{1ABFA14F-DE9C-4D83-8C58-D4C03BB9FF78}" type="datetimeFigureOut">
               <a:rPr lang="zh-CN" altLang="en-US" smtClean="0"/>
-              <a:t>2017/5/19</a:t>
+              <a:t>2017/8/16</a:t>
             </a:fld>
             <a:endParaRPr lang="zh-CN" altLang="en-US"/>
           </a:p>
@@ -11519,7 +11187,7 @@
           <a:p>
             <a:fld id="{1ABFA14F-DE9C-4D83-8C58-D4C03BB9FF78}" type="datetimeFigureOut">
               <a:rPr lang="zh-CN" altLang="en-US" smtClean="0"/>
-              <a:t>2017/5/19</a:t>
+              <a:t>2017/8/16</a:t>
             </a:fld>
             <a:endParaRPr lang="zh-CN" altLang="en-US"/>
           </a:p>
@@ -11786,7 +11454,7 @@
           <a:p>
             <a:fld id="{1ABFA14F-DE9C-4D83-8C58-D4C03BB9FF78}" type="datetimeFigureOut">
               <a:rPr lang="zh-CN" altLang="en-US" smtClean="0"/>
-              <a:t>2017/5/19</a:t>
+              <a:t>2017/8/16</a:t>
             </a:fld>
             <a:endParaRPr lang="zh-CN" altLang="en-US"/>
           </a:p>
@@ -11991,7 +11659,7 @@
           <a:p>
             <a:fld id="{1ABFA14F-DE9C-4D83-8C58-D4C03BB9FF78}" type="datetimeFigureOut">
               <a:rPr lang="zh-CN" altLang="en-US" smtClean="0"/>
-              <a:t>2017/5/19</a:t>
+              <a:t>2017/8/16</a:t>
             </a:fld>
             <a:endParaRPr lang="zh-CN" altLang="en-US"/>
           </a:p>
@@ -12302,7 +11970,7 @@
           <a:p>
             <a:fld id="{1ABFA14F-DE9C-4D83-8C58-D4C03BB9FF78}" type="datetimeFigureOut">
               <a:rPr lang="zh-CN" altLang="en-US" smtClean="0"/>
-              <a:t>2017/5/19</a:t>
+              <a:t>2017/8/16</a:t>
             </a:fld>
             <a:endParaRPr lang="zh-CN" altLang="en-US"/>
           </a:p>
@@ -13017,494 +12685,6 @@
           <a:chExt cx="0" cy="0"/>
         </a:xfrm>
       </p:grpSpPr>
-      <p:grpSp>
-        <p:nvGrpSpPr>
-          <p:cNvPr id="3" name="组合 2"/>
-          <p:cNvGrpSpPr/>
-          <p:nvPr>
-            <p:custDataLst>
-              <p:tags r:id="rId2"/>
-            </p:custDataLst>
-          </p:nvPr>
-        </p:nvGrpSpPr>
-        <p:grpSpPr>
-          <a:xfrm>
-            <a:off x="1706562" y="2314578"/>
-            <a:ext cx="8737600" cy="1314449"/>
-            <a:chOff x="1849438" y="1833564"/>
-            <a:chExt cx="5793551" cy="1314449"/>
-          </a:xfrm>
-        </p:grpSpPr>
-        <p:sp>
-          <p:nvSpPr>
-            <p:cNvPr id="6146" name="MH_Number_1"/>
-            <p:cNvSpPr>
-              <a:spLocks noChangeArrowheads="1"/>
-            </p:cNvSpPr>
-            <p:nvPr>
-              <p:custDataLst>
-                <p:tags r:id="rId3"/>
-              </p:custDataLst>
-            </p:nvPr>
-          </p:nvSpPr>
-          <p:spPr bwMode="auto">
-            <a:xfrm>
-              <a:off x="1849438" y="1833564"/>
-              <a:ext cx="1200150" cy="1314449"/>
-            </a:xfrm>
-            <a:prstGeom prst="homePlate">
-              <a:avLst>
-                <a:gd name="adj" fmla="val 50002"/>
-              </a:avLst>
-            </a:prstGeom>
-            <a:solidFill>
-              <a:schemeClr val="accent1"/>
-            </a:solidFill>
-            <a:ln>
-              <a:noFill/>
-            </a:ln>
-            <a:extLst>
-              <a:ext uri="{91240B29-F687-4F45-9708-019B960494DF}">
-                <a14:hiddenLine xmlns:a14="http://schemas.microsoft.com/office/drawing/2010/main" w="9525">
-                  <a:solidFill>
-                    <a:srgbClr val="000000"/>
-                  </a:solidFill>
-                  <a:miter lim="800000"/>
-                  <a:headEnd/>
-                  <a:tailEnd/>
-                </a14:hiddenLine>
-              </a:ext>
-            </a:extLst>
-          </p:spPr>
-          <p:txBody>
-            <a:bodyPr lIns="36000" tIns="0" rIns="0" bIns="0" anchor="ctr">
-              <a:noAutofit/>
-            </a:bodyPr>
-            <a:lstStyle>
-              <a:lvl1pPr>
-                <a:defRPr>
-                  <a:solidFill>
-                    <a:schemeClr val="tx1"/>
-                  </a:solidFill>
-                  <a:latin typeface="Calibri" panose="020F0502020204030204" charset="0"/>
-                  <a:ea typeface="宋体" panose="02010600030101010101" pitchFamily="2" charset="-122"/>
-                </a:defRPr>
-              </a:lvl1pPr>
-              <a:lvl2pPr marL="742950" indent="-285750">
-                <a:defRPr>
-                  <a:solidFill>
-                    <a:schemeClr val="tx1"/>
-                  </a:solidFill>
-                  <a:latin typeface="Calibri" panose="020F0502020204030204" charset="0"/>
-                  <a:ea typeface="宋体" panose="02010600030101010101" pitchFamily="2" charset="-122"/>
-                </a:defRPr>
-              </a:lvl2pPr>
-              <a:lvl3pPr marL="1143000" indent="-228600">
-                <a:defRPr>
-                  <a:solidFill>
-                    <a:schemeClr val="tx1"/>
-                  </a:solidFill>
-                  <a:latin typeface="Calibri" panose="020F0502020204030204" charset="0"/>
-                  <a:ea typeface="宋体" panose="02010600030101010101" pitchFamily="2" charset="-122"/>
-                </a:defRPr>
-              </a:lvl3pPr>
-              <a:lvl4pPr marL="1600200" indent="-228600">
-                <a:defRPr>
-                  <a:solidFill>
-                    <a:schemeClr val="tx1"/>
-                  </a:solidFill>
-                  <a:latin typeface="Calibri" panose="020F0502020204030204" charset="0"/>
-                  <a:ea typeface="宋体" panose="02010600030101010101" pitchFamily="2" charset="-122"/>
-                </a:defRPr>
-              </a:lvl4pPr>
-              <a:lvl5pPr marL="2057400" indent="-228600">
-                <a:defRPr>
-                  <a:solidFill>
-                    <a:schemeClr val="tx1"/>
-                  </a:solidFill>
-                  <a:latin typeface="Calibri" panose="020F0502020204030204" charset="0"/>
-                  <a:ea typeface="宋体" panose="02010600030101010101" pitchFamily="2" charset="-122"/>
-                </a:defRPr>
-              </a:lvl5pPr>
-              <a:lvl6pPr marL="2514600" indent="-228600" eaLnBrk="0" fontAlgn="base" hangingPunct="0">
-                <a:spcBef>
-                  <a:spcPct val="0"/>
-                </a:spcBef>
-                <a:spcAft>
-                  <a:spcPct val="0"/>
-                </a:spcAft>
-                <a:buFont typeface="Arial" panose="020B0604020202020204" pitchFamily="34" charset="0"/>
-                <a:defRPr>
-                  <a:solidFill>
-                    <a:schemeClr val="tx1"/>
-                  </a:solidFill>
-                  <a:latin typeface="Calibri" panose="020F0502020204030204" charset="0"/>
-                  <a:ea typeface="宋体" panose="02010600030101010101" pitchFamily="2" charset="-122"/>
-                </a:defRPr>
-              </a:lvl6pPr>
-              <a:lvl7pPr marL="2971800" indent="-228600" eaLnBrk="0" fontAlgn="base" hangingPunct="0">
-                <a:spcBef>
-                  <a:spcPct val="0"/>
-                </a:spcBef>
-                <a:spcAft>
-                  <a:spcPct val="0"/>
-                </a:spcAft>
-                <a:buFont typeface="Arial" panose="020B0604020202020204" pitchFamily="34" charset="0"/>
-                <a:defRPr>
-                  <a:solidFill>
-                    <a:schemeClr val="tx1"/>
-                  </a:solidFill>
-                  <a:latin typeface="Calibri" panose="020F0502020204030204" charset="0"/>
-                  <a:ea typeface="宋体" panose="02010600030101010101" pitchFamily="2" charset="-122"/>
-                </a:defRPr>
-              </a:lvl7pPr>
-              <a:lvl8pPr marL="3429000" indent="-228600" eaLnBrk="0" fontAlgn="base" hangingPunct="0">
-                <a:spcBef>
-                  <a:spcPct val="0"/>
-                </a:spcBef>
-                <a:spcAft>
-                  <a:spcPct val="0"/>
-                </a:spcAft>
-                <a:buFont typeface="Arial" panose="020B0604020202020204" pitchFamily="34" charset="0"/>
-                <a:defRPr>
-                  <a:solidFill>
-                    <a:schemeClr val="tx1"/>
-                  </a:solidFill>
-                  <a:latin typeface="Calibri" panose="020F0502020204030204" charset="0"/>
-                  <a:ea typeface="宋体" panose="02010600030101010101" pitchFamily="2" charset="-122"/>
-                </a:defRPr>
-              </a:lvl8pPr>
-              <a:lvl9pPr marL="3886200" indent="-228600" eaLnBrk="0" fontAlgn="base" hangingPunct="0">
-                <a:spcBef>
-                  <a:spcPct val="0"/>
-                </a:spcBef>
-                <a:spcAft>
-                  <a:spcPct val="0"/>
-                </a:spcAft>
-                <a:buFont typeface="Arial" panose="020B0604020202020204" pitchFamily="34" charset="0"/>
-                <a:defRPr>
-                  <a:solidFill>
-                    <a:schemeClr val="tx1"/>
-                  </a:solidFill>
-                  <a:latin typeface="Calibri" panose="020F0502020204030204" charset="0"/>
-                  <a:ea typeface="宋体" panose="02010600030101010101" pitchFamily="2" charset="-122"/>
-                </a:defRPr>
-              </a:lvl9pPr>
-            </a:lstStyle>
-            <a:p>
-              <a:pPr algn="ctr" eaLnBrk="1" hangingPunct="1"/>
-              <a:r>
-                <a:rPr lang="en-US" altLang="zh-CN" sz="7200" b="1" dirty="0" smtClean="0">
-                  <a:solidFill>
-                    <a:srgbClr val="FFFFFF"/>
-                  </a:solidFill>
-                  <a:latin typeface="+mn-lt"/>
-                  <a:ea typeface="+mn-ea"/>
-                </a:rPr>
-                <a:t>03</a:t>
-              </a:r>
-              <a:endParaRPr lang="zh-CN" altLang="en-US" sz="7200" b="1" dirty="0">
-                <a:solidFill>
-                  <a:srgbClr val="FFFFFF"/>
-                </a:solidFill>
-                <a:latin typeface="+mn-lt"/>
-                <a:ea typeface="+mn-ea"/>
-              </a:endParaRPr>
-            </a:p>
-          </p:txBody>
-        </p:sp>
-        <p:sp>
-          <p:nvSpPr>
-            <p:cNvPr id="6147" name="MH_Entry_1"/>
-            <p:cNvSpPr txBox="1">
-              <a:spLocks noChangeArrowheads="1"/>
-            </p:cNvSpPr>
-            <p:nvPr>
-              <p:custDataLst>
-                <p:tags r:id="rId4"/>
-              </p:custDataLst>
-            </p:nvPr>
-          </p:nvSpPr>
-          <p:spPr bwMode="auto">
-            <a:xfrm>
-              <a:off x="3197989" y="2117725"/>
-              <a:ext cx="4445000" cy="746125"/>
-            </a:xfrm>
-            <a:prstGeom prst="rect">
-              <a:avLst/>
-            </a:prstGeom>
-            <a:noFill/>
-            <a:ln>
-              <a:noFill/>
-            </a:ln>
-            <a:extLst>
-              <a:ext uri="{909E8E84-426E-40DD-AFC4-6F175D3DCCD1}">
-                <a14:hiddenFill xmlns:a14="http://schemas.microsoft.com/office/drawing/2010/main">
-                  <a:solidFill>
-                    <a:srgbClr val="FFFFFF"/>
-                  </a:solidFill>
-                </a14:hiddenFill>
-              </a:ext>
-              <a:ext uri="{91240B29-F687-4F45-9708-019B960494DF}">
-                <a14:hiddenLine xmlns:a14="http://schemas.microsoft.com/office/drawing/2010/main" w="9525">
-                  <a:solidFill>
-                    <a:srgbClr val="000000"/>
-                  </a:solidFill>
-                  <a:miter lim="800000"/>
-                  <a:headEnd/>
-                  <a:tailEnd/>
-                </a14:hiddenLine>
-              </a:ext>
-            </a:extLst>
-          </p:spPr>
-          <p:txBody>
-            <a:bodyPr lIns="144000" anchor="ctr">
-              <a:noAutofit/>
-            </a:bodyPr>
-            <a:lstStyle>
-              <a:lvl1pPr algn="just">
-                <a:lnSpc>
-                  <a:spcPct val="110000"/>
-                </a:lnSpc>
-                <a:spcBef>
-                  <a:spcPts val="1800"/>
-                </a:spcBef>
-                <a:buClr>
-                  <a:srgbClr val="963B22"/>
-                </a:buClr>
-                <a:buSzPct val="100000"/>
-                <a:buBlip>
-                  <a:blip r:embed="rId7"/>
-                </a:buBlip>
-                <a:defRPr sz="2400">
-                  <a:solidFill>
-                    <a:srgbClr val="50820E"/>
-                  </a:solidFill>
-                  <a:latin typeface="Arial" panose="020B0604020202020204" pitchFamily="34" charset="0"/>
-                  <a:ea typeface="黑体" panose="02010609060101010101" pitchFamily="49" charset="-122"/>
-                </a:defRPr>
-              </a:lvl1pPr>
-              <a:lvl2pPr marL="742950" indent="-742950" algn="just">
-                <a:lnSpc>
-                  <a:spcPct val="130000"/>
-                </a:lnSpc>
-                <a:spcAft>
-                  <a:spcPts val="600"/>
-                </a:spcAft>
-                <a:buClr>
-                  <a:srgbClr val="D5E89A"/>
-                </a:buClr>
-                <a:buFont typeface="幼圆" pitchFamily="49" charset="-122"/>
-                <a:buChar char=" "/>
-                <a:defRPr sz="2000">
-                  <a:solidFill>
-                    <a:srgbClr val="7D7D7D"/>
-                  </a:solidFill>
-                  <a:latin typeface="Arial" panose="020B0604020202020204" pitchFamily="34" charset="0"/>
-                  <a:ea typeface="黑体" panose="02010609060101010101" pitchFamily="49" charset="-122"/>
-                </a:defRPr>
-              </a:lvl2pPr>
-              <a:lvl3pPr marL="1143000" indent="-228600">
-                <a:lnSpc>
-                  <a:spcPct val="90000"/>
-                </a:lnSpc>
-                <a:spcBef>
-                  <a:spcPts val="500"/>
-                </a:spcBef>
-                <a:buChar char="•"/>
-                <a:defRPr sz="2000">
-                  <a:solidFill>
-                    <a:schemeClr val="tx1"/>
-                  </a:solidFill>
-                  <a:latin typeface="Calibri" panose="020F0502020204030204" charset="0"/>
-                  <a:ea typeface="幼圆" pitchFamily="49" charset="-122"/>
-                </a:defRPr>
-              </a:lvl3pPr>
-              <a:lvl4pPr marL="1600200" indent="-228600">
-                <a:lnSpc>
-                  <a:spcPct val="90000"/>
-                </a:lnSpc>
-                <a:spcBef>
-                  <a:spcPts val="500"/>
-                </a:spcBef>
-                <a:buChar char="•"/>
-                <a:defRPr>
-                  <a:solidFill>
-                    <a:schemeClr val="tx1"/>
-                  </a:solidFill>
-                  <a:latin typeface="Calibri" panose="020F0502020204030204" charset="0"/>
-                  <a:ea typeface="幼圆" pitchFamily="49" charset="-122"/>
-                </a:defRPr>
-              </a:lvl4pPr>
-              <a:lvl5pPr marL="2057400" indent="-228600">
-                <a:lnSpc>
-                  <a:spcPct val="90000"/>
-                </a:lnSpc>
-                <a:spcBef>
-                  <a:spcPts val="500"/>
-                </a:spcBef>
-                <a:buChar char="•"/>
-                <a:defRPr>
-                  <a:solidFill>
-                    <a:schemeClr val="tx1"/>
-                  </a:solidFill>
-                  <a:latin typeface="Calibri" panose="020F0502020204030204" charset="0"/>
-                  <a:ea typeface="幼圆" pitchFamily="49" charset="-122"/>
-                </a:defRPr>
-              </a:lvl5pPr>
-              <a:lvl6pPr marL="2514600" indent="-228600" fontAlgn="base">
-                <a:lnSpc>
-                  <a:spcPct val="90000"/>
-                </a:lnSpc>
-                <a:spcBef>
-                  <a:spcPts val="500"/>
-                </a:spcBef>
-                <a:spcAft>
-                  <a:spcPct val="0"/>
-                </a:spcAft>
-                <a:buFont typeface="Arial" panose="020B0604020202020204" pitchFamily="34" charset="0"/>
-                <a:buChar char="•"/>
-                <a:defRPr>
-                  <a:solidFill>
-                    <a:schemeClr val="tx1"/>
-                  </a:solidFill>
-                  <a:latin typeface="Calibri" panose="020F0502020204030204" charset="0"/>
-                  <a:ea typeface="幼圆" pitchFamily="49" charset="-122"/>
-                </a:defRPr>
-              </a:lvl6pPr>
-              <a:lvl7pPr marL="2971800" indent="-228600" fontAlgn="base">
-                <a:lnSpc>
-                  <a:spcPct val="90000"/>
-                </a:lnSpc>
-                <a:spcBef>
-                  <a:spcPts val="500"/>
-                </a:spcBef>
-                <a:spcAft>
-                  <a:spcPct val="0"/>
-                </a:spcAft>
-                <a:buFont typeface="Arial" panose="020B0604020202020204" pitchFamily="34" charset="0"/>
-                <a:buChar char="•"/>
-                <a:defRPr>
-                  <a:solidFill>
-                    <a:schemeClr val="tx1"/>
-                  </a:solidFill>
-                  <a:latin typeface="Calibri" panose="020F0502020204030204" charset="0"/>
-                  <a:ea typeface="幼圆" pitchFamily="49" charset="-122"/>
-                </a:defRPr>
-              </a:lvl7pPr>
-              <a:lvl8pPr marL="3429000" indent="-228600" fontAlgn="base">
-                <a:lnSpc>
-                  <a:spcPct val="90000"/>
-                </a:lnSpc>
-                <a:spcBef>
-                  <a:spcPts val="500"/>
-                </a:spcBef>
-                <a:spcAft>
-                  <a:spcPct val="0"/>
-                </a:spcAft>
-                <a:buFont typeface="Arial" panose="020B0604020202020204" pitchFamily="34" charset="0"/>
-                <a:buChar char="•"/>
-                <a:defRPr>
-                  <a:solidFill>
-                    <a:schemeClr val="tx1"/>
-                  </a:solidFill>
-                  <a:latin typeface="Calibri" panose="020F0502020204030204" charset="0"/>
-                  <a:ea typeface="幼圆" pitchFamily="49" charset="-122"/>
-                </a:defRPr>
-              </a:lvl8pPr>
-              <a:lvl9pPr marL="3886200" indent="-228600" fontAlgn="base">
-                <a:lnSpc>
-                  <a:spcPct val="90000"/>
-                </a:lnSpc>
-                <a:spcBef>
-                  <a:spcPts val="500"/>
-                </a:spcBef>
-                <a:spcAft>
-                  <a:spcPct val="0"/>
-                </a:spcAft>
-                <a:buFont typeface="Arial" panose="020B0604020202020204" pitchFamily="34" charset="0"/>
-                <a:buChar char="•"/>
-                <a:defRPr>
-                  <a:solidFill>
-                    <a:schemeClr val="tx1"/>
-                  </a:solidFill>
-                  <a:latin typeface="Calibri" panose="020F0502020204030204" charset="0"/>
-                  <a:ea typeface="幼圆" pitchFamily="49" charset="-122"/>
-                </a:defRPr>
-              </a:lvl9pPr>
-            </a:lstStyle>
-            <a:p>
-              <a:pPr eaLnBrk="1" hangingPunct="1">
-                <a:lnSpc>
-                  <a:spcPct val="120000"/>
-                </a:lnSpc>
-                <a:spcBef>
-                  <a:spcPct val="0"/>
-                </a:spcBef>
-                <a:buFontTx/>
-                <a:buNone/>
-              </a:pPr>
-              <a:r>
-                <a:rPr lang="zh-CN" altLang="en-US" sz="5400" dirty="0" smtClean="0">
-                  <a:solidFill>
-                    <a:schemeClr val="tx1"/>
-                  </a:solidFill>
-                  <a:latin typeface="+mn-lt"/>
-                  <a:ea typeface="+mn-ea"/>
-                </a:rPr>
-                <a:t>轮廓</a:t>
-              </a:r>
-              <a:endParaRPr lang="en-US" sz="5400" dirty="0">
-                <a:solidFill>
-                  <a:schemeClr val="tx1"/>
-                </a:solidFill>
-                <a:latin typeface="+mn-lt"/>
-                <a:ea typeface="+mn-ea"/>
-              </a:endParaRPr>
-            </a:p>
-          </p:txBody>
-        </p:sp>
-      </p:grpSp>
-    </p:spTree>
-    <p:custDataLst>
-      <p:tags r:id="rId1"/>
-    </p:custDataLst>
-    <p:extLst>
-      <p:ext uri="{BB962C8B-B14F-4D97-AF65-F5344CB8AC3E}">
-        <p14:creationId xmlns:p14="http://schemas.microsoft.com/office/powerpoint/2010/main" val="541152902"/>
-      </p:ext>
-    </p:extLst>
-  </p:cSld>
-  <p:clrMapOvr>
-    <a:masterClrMapping/>
-  </p:clrMapOvr>
-  <p:timing>
-    <p:tnLst>
-      <p:par>
-        <p:cTn id="1" dur="indefinite" restart="never" nodeType="tmRoot"/>
-      </p:par>
-    </p:tnLst>
-  </p:timing>
-</p:sld>
-</file>
-
-<file path=ppt/slides/slide11.xml><?xml version="1.0" encoding="utf-8"?>
-<p:sld xmlns:a="http://schemas.openxmlformats.org/drawingml/2006/main" xmlns:r="http://schemas.openxmlformats.org/officeDocument/2006/relationships" xmlns:p="http://schemas.openxmlformats.org/presentationml/2006/main">
-  <p:cSld>
-    <p:spTree>
-      <p:nvGrpSpPr>
-        <p:cNvPr id="1" name=""/>
-        <p:cNvGrpSpPr/>
-        <p:nvPr/>
-      </p:nvGrpSpPr>
-      <p:grpSpPr>
-        <a:xfrm>
-          <a:off x="0" y="0"/>
-          <a:ext cx="0" cy="0"/>
-          <a:chOff x="0" y="0"/>
-          <a:chExt cx="0" cy="0"/>
-        </a:xfrm>
-      </p:grpSpPr>
       <p:sp>
         <p:nvSpPr>
           <p:cNvPr id="5122" name="Rectangle 2"/>
@@ -14149,7 +13329,7 @@
 </p:sld>
 </file>
 
-<file path=ppt/slides/slide12.xml><?xml version="1.0" encoding="utf-8"?>
+<file path=ppt/slides/slide11.xml><?xml version="1.0" encoding="utf-8"?>
 <p:sld xmlns:a="http://schemas.openxmlformats.org/drawingml/2006/main" xmlns:r="http://schemas.openxmlformats.org/officeDocument/2006/relationships" xmlns:p="http://schemas.openxmlformats.org/presentationml/2006/main">
   <p:cSld>
     <p:spTree>
@@ -14364,7 +13544,7 @@
 </p:sld>
 </file>
 
-<file path=ppt/slides/slide13.xml><?xml version="1.0" encoding="utf-8"?>
+<file path=ppt/slides/slide12.xml><?xml version="1.0" encoding="utf-8"?>
 <p:sld xmlns:a="http://schemas.openxmlformats.org/drawingml/2006/main" xmlns:r="http://schemas.openxmlformats.org/officeDocument/2006/relationships" xmlns:p="http://schemas.openxmlformats.org/presentationml/2006/main">
   <p:cSld>
     <p:spTree>
@@ -14406,35 +13586,6 @@
               <a:t>练习</a:t>
             </a:r>
             <a:endParaRPr lang="en-US" altLang="zh-CN" sz="4000" dirty="0"/>
-          </a:p>
-        </p:txBody>
-      </p:sp>
-      <p:sp>
-        <p:nvSpPr>
-          <p:cNvPr id="3" name="矩形 2"/>
-          <p:cNvSpPr/>
-          <p:nvPr/>
-        </p:nvSpPr>
-        <p:spPr>
-          <a:xfrm>
-            <a:off x="9893615" y="5358378"/>
-            <a:ext cx="1986441" cy="523220"/>
-          </a:xfrm>
-          <a:prstGeom prst="rect">
-            <a:avLst/>
-          </a:prstGeom>
-        </p:spPr>
-        <p:txBody>
-          <a:bodyPr wrap="none">
-            <a:spAutoFit/>
-          </a:bodyPr>
-          <a:lstStyle/>
-          <a:p>
-            <a:r>
-              <a:rPr lang="en-US" altLang="zh-CN" sz="2800" dirty="0" smtClean="0"/>
-              <a:t>Demo-12-3</a:t>
-            </a:r>
-            <a:endParaRPr lang="en-US" altLang="zh-CN" sz="2800" dirty="0"/>
           </a:p>
         </p:txBody>
       </p:sp>
@@ -14608,7 +13759,7 @@
 </p:sld>
 </file>
 
-<file path=ppt/slides/slide14.xml><?xml version="1.0" encoding="utf-8"?>
+<file path=ppt/slides/slide13.xml><?xml version="1.0" encoding="utf-8"?>
 <p:sld xmlns:a="http://schemas.openxmlformats.org/drawingml/2006/main" xmlns:r="http://schemas.openxmlformats.org/officeDocument/2006/relationships" xmlns:p="http://schemas.openxmlformats.org/presentationml/2006/main">
   <p:cSld>
     <p:spTree>
@@ -16993,7 +16144,7 @@
 </p:sld>
 </file>
 
-<file path=ppt/slides/slide15.xml><?xml version="1.0" encoding="utf-8"?>
+<file path=ppt/slides/slide14.xml><?xml version="1.0" encoding="utf-8"?>
 <p:sld xmlns:a="http://schemas.openxmlformats.org/drawingml/2006/main" xmlns:r="http://schemas.openxmlformats.org/officeDocument/2006/relationships" xmlns:p="http://schemas.openxmlformats.org/presentationml/2006/main">
   <p:cSld>
     <p:spTree>
@@ -17129,7 +16280,7 @@
 </p:sld>
 </file>
 
-<file path=ppt/slides/slide16.xml><?xml version="1.0" encoding="utf-8"?>
+<file path=ppt/slides/slide15.xml><?xml version="1.0" encoding="utf-8"?>
 <p:sld xmlns:a="http://schemas.openxmlformats.org/drawingml/2006/main" xmlns:r="http://schemas.openxmlformats.org/officeDocument/2006/relationships" xmlns:p="http://schemas.openxmlformats.org/presentationml/2006/main">
   <p:cSld>
     <p:spTree>
@@ -17265,7 +16416,7 @@
 </p:sld>
 </file>
 
-<file path=ppt/slides/slide17.xml><?xml version="1.0" encoding="utf-8"?>
+<file path=ppt/slides/slide16.xml><?xml version="1.0" encoding="utf-8"?>
 <p:sld xmlns:a="http://schemas.openxmlformats.org/drawingml/2006/main" xmlns:r="http://schemas.openxmlformats.org/officeDocument/2006/relationships" xmlns:p="http://schemas.openxmlformats.org/presentationml/2006/main">
   <p:cSld>
     <p:spTree>
@@ -17369,7 +16520,7 @@
 </p:sld>
 </file>
 
-<file path=ppt/slides/slide18.xml><?xml version="1.0" encoding="utf-8"?>
+<file path=ppt/slides/slide17.xml><?xml version="1.0" encoding="utf-8"?>
 <p:sld xmlns:a="http://schemas.openxmlformats.org/drawingml/2006/main" xmlns:r="http://schemas.openxmlformats.org/officeDocument/2006/relationships" xmlns:p="http://schemas.openxmlformats.org/presentationml/2006/main">
   <p:cSld>
     <p:spTree>
@@ -17473,818 +16624,7 @@
 </p:sld>
 </file>
 
-<file path=ppt/slides/slide19.xml><?xml version="1.0" encoding="utf-8"?>
-<p:sld xmlns:a="http://schemas.openxmlformats.org/drawingml/2006/main" xmlns:r="http://schemas.openxmlformats.org/officeDocument/2006/relationships" xmlns:p="http://schemas.openxmlformats.org/presentationml/2006/main">
-  <p:cSld>
-    <p:spTree>
-      <p:nvGrpSpPr>
-        <p:cNvPr id="1" name=""/>
-        <p:cNvGrpSpPr/>
-        <p:nvPr/>
-      </p:nvGrpSpPr>
-      <p:grpSpPr>
-        <a:xfrm>
-          <a:off x="0" y="0"/>
-          <a:ext cx="0" cy="0"/>
-          <a:chOff x="0" y="0"/>
-          <a:chExt cx="0" cy="0"/>
-        </a:xfrm>
-      </p:grpSpPr>
-      <p:sp>
-        <p:nvSpPr>
-          <p:cNvPr id="12298" name="Rectangle 10"/>
-          <p:cNvSpPr>
-            <a:spLocks noGrp="1" noChangeArrowheads="1"/>
-          </p:cNvSpPr>
-          <p:nvPr>
-            <p:ph type="title"/>
-            <p:custDataLst>
-              <p:tags r:id="rId2"/>
-            </p:custDataLst>
-          </p:nvPr>
-        </p:nvSpPr>
-        <p:spPr/>
-        <p:txBody>
-          <a:bodyPr>
-            <a:normAutofit/>
-          </a:bodyPr>
-          <a:lstStyle/>
-          <a:p>
-            <a:r>
-              <a:rPr lang="en-US" altLang="zh-CN" sz="4000" dirty="0" smtClean="0"/>
-              <a:t>CSS3</a:t>
-            </a:r>
-            <a:r>
-              <a:rPr lang="zh-CN" altLang="en-US" sz="4000" dirty="0" smtClean="0"/>
-              <a:t>参考资料</a:t>
-            </a:r>
-            <a:endParaRPr lang="en-US" altLang="zh-CN" sz="4000" dirty="0"/>
-          </a:p>
-        </p:txBody>
-      </p:sp>
-      <p:sp>
-        <p:nvSpPr>
-          <p:cNvPr id="4" name="矩形 3"/>
-          <p:cNvSpPr/>
-          <p:nvPr/>
-        </p:nvSpPr>
-        <p:spPr>
-          <a:xfrm>
-            <a:off x="622347" y="1399605"/>
-            <a:ext cx="8280431" cy="4524315"/>
-          </a:xfrm>
-          <a:prstGeom prst="rect">
-            <a:avLst/>
-          </a:prstGeom>
-        </p:spPr>
-        <p:txBody>
-          <a:bodyPr wrap="square">
-            <a:spAutoFit/>
-          </a:bodyPr>
-          <a:lstStyle/>
-          <a:p>
-            <a:pPr>
-              <a:lnSpc>
-                <a:spcPct val="150000"/>
-              </a:lnSpc>
-            </a:pPr>
-            <a:r>
-              <a:rPr lang="en-US" altLang="zh-CN" sz="3200" dirty="0">
-                <a:latin typeface="+mj-ea"/>
-                <a:ea typeface="+mj-ea"/>
-              </a:rPr>
-              <a:t>1</a:t>
-            </a:r>
-            <a:r>
-              <a:rPr lang="zh-CN" altLang="zh-CN" sz="3200" dirty="0">
-                <a:latin typeface="+mj-ea"/>
-                <a:ea typeface="+mj-ea"/>
-              </a:rPr>
-              <a:t>、在线参考手册</a:t>
-            </a:r>
-            <a:r>
-              <a:rPr lang="zh-CN" altLang="zh-CN" sz="3200" dirty="0" smtClean="0">
-                <a:latin typeface="+mj-ea"/>
-                <a:ea typeface="+mj-ea"/>
-              </a:rPr>
-              <a:t>：</a:t>
-            </a:r>
-            <a:endParaRPr lang="en-US" altLang="zh-CN" sz="3200" dirty="0" smtClean="0">
-              <a:latin typeface="+mj-ea"/>
-              <a:ea typeface="+mj-ea"/>
-            </a:endParaRPr>
-          </a:p>
-          <a:p>
-            <a:pPr>
-              <a:lnSpc>
-                <a:spcPct val="150000"/>
-              </a:lnSpc>
-            </a:pPr>
-            <a:r>
-              <a:rPr lang="en-US" altLang="zh-CN" sz="3200" u="sng" dirty="0" smtClean="0">
-                <a:latin typeface="+mj-ea"/>
-                <a:ea typeface="+mj-ea"/>
-                <a:hlinkClick r:id="rId5"/>
-              </a:rPr>
-              <a:t>http</a:t>
-            </a:r>
-            <a:r>
-              <a:rPr lang="en-US" altLang="zh-CN" sz="3200" u="sng" dirty="0">
-                <a:latin typeface="+mj-ea"/>
-                <a:ea typeface="+mj-ea"/>
-                <a:hlinkClick r:id="rId5"/>
-              </a:rPr>
-              <a:t>://www.css88.com/book/css/</a:t>
-            </a:r>
-            <a:endParaRPr lang="zh-CN" altLang="zh-CN" sz="3200" dirty="0">
-              <a:latin typeface="+mj-ea"/>
-              <a:ea typeface="+mj-ea"/>
-            </a:endParaRPr>
-          </a:p>
-          <a:p>
-            <a:pPr>
-              <a:lnSpc>
-                <a:spcPct val="150000"/>
-              </a:lnSpc>
-            </a:pPr>
-            <a:r>
-              <a:rPr lang="en-US" altLang="zh-CN" sz="3200" dirty="0">
-                <a:latin typeface="+mj-ea"/>
-                <a:ea typeface="+mj-ea"/>
-              </a:rPr>
-              <a:t>2</a:t>
-            </a:r>
-            <a:r>
-              <a:rPr lang="zh-CN" altLang="zh-CN" sz="3200" dirty="0">
-                <a:latin typeface="+mj-ea"/>
-                <a:ea typeface="+mj-ea"/>
-              </a:rPr>
-              <a:t>、官方参考手册</a:t>
-            </a:r>
-            <a:r>
-              <a:rPr lang="zh-CN" altLang="zh-CN" sz="3200" dirty="0" smtClean="0">
-                <a:latin typeface="+mj-ea"/>
-                <a:ea typeface="+mj-ea"/>
-              </a:rPr>
-              <a:t>：</a:t>
-            </a:r>
-            <a:endParaRPr lang="en-US" altLang="zh-CN" sz="3200" dirty="0" smtClean="0">
-              <a:latin typeface="+mj-ea"/>
-              <a:ea typeface="+mj-ea"/>
-            </a:endParaRPr>
-          </a:p>
-          <a:p>
-            <a:pPr>
-              <a:lnSpc>
-                <a:spcPct val="150000"/>
-              </a:lnSpc>
-            </a:pPr>
-            <a:r>
-              <a:rPr lang="en-US" altLang="zh-CN" sz="3200" u="sng" dirty="0" smtClean="0">
-                <a:latin typeface="+mj-ea"/>
-                <a:ea typeface="+mj-ea"/>
-                <a:hlinkClick r:id="rId6"/>
-              </a:rPr>
-              <a:t>http</a:t>
-            </a:r>
-            <a:r>
-              <a:rPr lang="en-US" altLang="zh-CN" sz="3200" u="sng" dirty="0">
-                <a:latin typeface="+mj-ea"/>
-                <a:ea typeface="+mj-ea"/>
-                <a:hlinkClick r:id="rId6"/>
-              </a:rPr>
-              <a:t>://www.w3school.com.cn/css3</a:t>
-            </a:r>
-            <a:r>
-              <a:rPr lang="en-US" altLang="zh-CN" sz="3200" u="sng" dirty="0" smtClean="0">
-                <a:latin typeface="+mj-ea"/>
-                <a:ea typeface="+mj-ea"/>
-                <a:hlinkClick r:id="rId6"/>
-              </a:rPr>
-              <a:t>/</a:t>
-            </a:r>
-            <a:endParaRPr lang="en-US" altLang="zh-CN" sz="3200" u="sng" dirty="0" smtClean="0">
-              <a:latin typeface="+mj-ea"/>
-              <a:ea typeface="+mj-ea"/>
-            </a:endParaRPr>
-          </a:p>
-          <a:p>
-            <a:pPr>
-              <a:lnSpc>
-                <a:spcPct val="150000"/>
-              </a:lnSpc>
-            </a:pPr>
-            <a:r>
-              <a:rPr lang="en-US" altLang="zh-CN" sz="3200" dirty="0" smtClean="0">
-                <a:latin typeface="+mj-ea"/>
-                <a:ea typeface="+mj-ea"/>
-              </a:rPr>
-              <a:t>3</a:t>
-            </a:r>
-            <a:r>
-              <a:rPr lang="zh-CN" altLang="en-US" sz="3200" dirty="0" smtClean="0">
-                <a:latin typeface="+mj-ea"/>
-                <a:ea typeface="+mj-ea"/>
-              </a:rPr>
-              <a:t>、在线教程</a:t>
-            </a:r>
-            <a:endParaRPr lang="en-US" altLang="zh-CN" sz="3200" dirty="0" smtClean="0">
-              <a:latin typeface="+mj-ea"/>
-              <a:ea typeface="+mj-ea"/>
-            </a:endParaRPr>
-          </a:p>
-          <a:p>
-            <a:pPr>
-              <a:lnSpc>
-                <a:spcPct val="150000"/>
-              </a:lnSpc>
-            </a:pPr>
-            <a:r>
-              <a:rPr lang="en-US" altLang="zh-CN" sz="3200" dirty="0" smtClean="0">
-                <a:hlinkClick r:id="rId7"/>
-              </a:rPr>
-              <a:t>http://c7sky.com/works/css3slides/#1</a:t>
-            </a:r>
-            <a:endParaRPr lang="zh-CN" altLang="zh-CN" sz="3200" dirty="0">
-              <a:latin typeface="+mj-ea"/>
-              <a:ea typeface="+mj-ea"/>
-            </a:endParaRPr>
-          </a:p>
-        </p:txBody>
-      </p:sp>
-    </p:spTree>
-    <p:custDataLst>
-      <p:tags r:id="rId1"/>
-    </p:custDataLst>
-    <p:extLst>
-      <p:ext uri="{BB962C8B-B14F-4D97-AF65-F5344CB8AC3E}">
-        <p14:creationId xmlns:p14="http://schemas.microsoft.com/office/powerpoint/2010/main" val="515789837"/>
-      </p:ext>
-    </p:extLst>
-  </p:cSld>
-  <p:clrMapOvr>
-    <a:masterClrMapping/>
-  </p:clrMapOvr>
-  <p:timing>
-    <p:tnLst>
-      <p:par>
-        <p:cTn id="1" dur="indefinite" restart="never" nodeType="tmRoot"/>
-      </p:par>
-    </p:tnLst>
-  </p:timing>
-</p:sld>
-</file>
-
-<file path=ppt/slides/slide2.xml><?xml version="1.0" encoding="utf-8"?>
-<p:sld xmlns:a="http://schemas.openxmlformats.org/drawingml/2006/main" xmlns:r="http://schemas.openxmlformats.org/officeDocument/2006/relationships" xmlns:p="http://schemas.openxmlformats.org/presentationml/2006/main">
-  <p:cSld>
-    <p:spTree>
-      <p:nvGrpSpPr>
-        <p:cNvPr id="1" name=""/>
-        <p:cNvGrpSpPr/>
-        <p:nvPr/>
-      </p:nvGrpSpPr>
-      <p:grpSpPr>
-        <a:xfrm>
-          <a:off x="0" y="0"/>
-          <a:ext cx="0" cy="0"/>
-          <a:chOff x="0" y="0"/>
-          <a:chExt cx="0" cy="0"/>
-        </a:xfrm>
-      </p:grpSpPr>
-      <p:grpSp>
-        <p:nvGrpSpPr>
-          <p:cNvPr id="5" name="组合 4"/>
-          <p:cNvGrpSpPr/>
-          <p:nvPr>
-            <p:custDataLst>
-              <p:tags r:id="rId2"/>
-            </p:custDataLst>
-          </p:nvPr>
-        </p:nvGrpSpPr>
-        <p:grpSpPr>
-          <a:xfrm>
-            <a:off x="5915025" y="1927225"/>
-            <a:ext cx="3876675" cy="3459163"/>
-            <a:chOff x="5915025" y="1927225"/>
-            <a:chExt cx="3876675" cy="3459163"/>
-          </a:xfrm>
-        </p:grpSpPr>
-        <p:cxnSp>
-          <p:nvCxnSpPr>
-            <p:cNvPr id="36868" name="直接连接符 4"/>
-            <p:cNvCxnSpPr>
-              <a:cxnSpLocks noChangeShapeType="1"/>
-            </p:cNvCxnSpPr>
-            <p:nvPr>
-              <p:custDataLst>
-                <p:tags r:id="rId9"/>
-              </p:custDataLst>
-            </p:nvPr>
-          </p:nvCxnSpPr>
-          <p:spPr bwMode="auto">
-            <a:xfrm flipV="1">
-              <a:off x="9791700" y="2108200"/>
-              <a:ext cx="0" cy="492125"/>
-            </a:xfrm>
-            <a:prstGeom prst="line">
-              <a:avLst/>
-            </a:prstGeom>
-            <a:noFill/>
-            <a:ln w="6350" cmpd="sng">
-              <a:solidFill>
-                <a:schemeClr val="accent1"/>
-              </a:solidFill>
-              <a:prstDash val="sysDash"/>
-              <a:round/>
-              <a:headEnd type="oval" w="med" len="med"/>
-              <a:tailEnd type="oval" w="med" len="med"/>
-            </a:ln>
-            <a:extLst>
-              <a:ext uri="{909E8E84-426E-40DD-AFC4-6F175D3DCCD1}">
-                <a14:hiddenFill xmlns:a14="http://schemas.microsoft.com/office/drawing/2010/main">
-                  <a:noFill/>
-                </a14:hiddenFill>
-              </a:ext>
-            </a:extLst>
-          </p:spPr>
-        </p:cxnSp>
-        <p:cxnSp>
-          <p:nvCxnSpPr>
-            <p:cNvPr id="36869" name="直接连接符 5"/>
-            <p:cNvCxnSpPr>
-              <a:cxnSpLocks noChangeShapeType="1"/>
-            </p:cNvCxnSpPr>
-            <p:nvPr>
-              <p:custDataLst>
-                <p:tags r:id="rId10"/>
-              </p:custDataLst>
-            </p:nvPr>
-          </p:nvCxnSpPr>
-          <p:spPr bwMode="auto">
-            <a:xfrm flipH="1">
-              <a:off x="7894637" y="1927225"/>
-              <a:ext cx="1897063" cy="0"/>
-            </a:xfrm>
-            <a:prstGeom prst="line">
-              <a:avLst/>
-            </a:prstGeom>
-            <a:noFill/>
-            <a:ln w="6350" cmpd="sng">
-              <a:solidFill>
-                <a:schemeClr val="accent1"/>
-              </a:solidFill>
-              <a:prstDash val="sysDash"/>
-              <a:round/>
-              <a:headEnd type="oval" w="med" len="med"/>
-              <a:tailEnd type="oval" w="med" len="med"/>
-            </a:ln>
-            <a:extLst>
-              <a:ext uri="{909E8E84-426E-40DD-AFC4-6F175D3DCCD1}">
-                <a14:hiddenFill xmlns:a14="http://schemas.microsoft.com/office/drawing/2010/main">
-                  <a:noFill/>
-                </a14:hiddenFill>
-              </a:ext>
-            </a:extLst>
-          </p:spPr>
-        </p:cxnSp>
-        <p:cxnSp>
-          <p:nvCxnSpPr>
-            <p:cNvPr id="36870" name="直接连接符 6"/>
-            <p:cNvCxnSpPr>
-              <a:cxnSpLocks noChangeShapeType="1"/>
-            </p:cNvCxnSpPr>
-            <p:nvPr>
-              <p:custDataLst>
-                <p:tags r:id="rId11"/>
-              </p:custDataLst>
-            </p:nvPr>
-          </p:nvCxnSpPr>
-          <p:spPr bwMode="auto">
-            <a:xfrm>
-              <a:off x="5915025" y="5386388"/>
-              <a:ext cx="3722687" cy="0"/>
-            </a:xfrm>
-            <a:prstGeom prst="line">
-              <a:avLst/>
-            </a:prstGeom>
-            <a:noFill/>
-            <a:ln w="6350" cmpd="sng">
-              <a:solidFill>
-                <a:schemeClr val="accent1"/>
-              </a:solidFill>
-              <a:prstDash val="sysDash"/>
-              <a:round/>
-              <a:headEnd type="oval" w="med" len="med"/>
-              <a:tailEnd type="oval" w="med" len="med"/>
-            </a:ln>
-            <a:extLst>
-              <a:ext uri="{909E8E84-426E-40DD-AFC4-6F175D3DCCD1}">
-                <a14:hiddenFill xmlns:a14="http://schemas.microsoft.com/office/drawing/2010/main">
-                  <a:noFill/>
-                </a14:hiddenFill>
-              </a:ext>
-            </a:extLst>
-          </p:spPr>
-        </p:cxnSp>
-        <p:cxnSp>
-          <p:nvCxnSpPr>
-            <p:cNvPr id="36871" name="直接连接符 7"/>
-            <p:cNvCxnSpPr>
-              <a:cxnSpLocks noChangeShapeType="1"/>
-            </p:cNvCxnSpPr>
-            <p:nvPr>
-              <p:custDataLst>
-                <p:tags r:id="rId12"/>
-              </p:custDataLst>
-            </p:nvPr>
-          </p:nvCxnSpPr>
-          <p:spPr bwMode="auto">
-            <a:xfrm flipV="1">
-              <a:off x="9791700" y="4892675"/>
-              <a:ext cx="0" cy="493713"/>
-            </a:xfrm>
-            <a:prstGeom prst="line">
-              <a:avLst/>
-            </a:prstGeom>
-            <a:noFill/>
-            <a:ln w="6350" cmpd="sng">
-              <a:solidFill>
-                <a:schemeClr val="accent1"/>
-              </a:solidFill>
-              <a:prstDash val="sysDash"/>
-              <a:round/>
-              <a:headEnd type="oval" w="med" len="med"/>
-              <a:tailEnd type="oval" w="med" len="med"/>
-            </a:ln>
-            <a:extLst>
-              <a:ext uri="{909E8E84-426E-40DD-AFC4-6F175D3DCCD1}">
-                <a14:hiddenFill xmlns:a14="http://schemas.microsoft.com/office/drawing/2010/main">
-                  <a:noFill/>
-                </a14:hiddenFill>
-              </a:ext>
-            </a:extLst>
-          </p:spPr>
-        </p:cxnSp>
-      </p:grpSp>
-      <p:grpSp>
-        <p:nvGrpSpPr>
-          <p:cNvPr id="4" name="组合 3"/>
-          <p:cNvGrpSpPr/>
-          <p:nvPr>
-            <p:custDataLst>
-              <p:tags r:id="rId3"/>
-            </p:custDataLst>
-          </p:nvPr>
-        </p:nvGrpSpPr>
-        <p:grpSpPr>
-          <a:xfrm>
-            <a:off x="1198563" y="1927225"/>
-            <a:ext cx="3876675" cy="3459163"/>
-            <a:chOff x="1198563" y="1927225"/>
-            <a:chExt cx="3876675" cy="3459163"/>
-          </a:xfrm>
-        </p:grpSpPr>
-        <p:cxnSp>
-          <p:nvCxnSpPr>
-            <p:cNvPr id="36873" name="直接连接符 11"/>
-            <p:cNvCxnSpPr>
-              <a:cxnSpLocks noChangeShapeType="1"/>
-            </p:cNvCxnSpPr>
-            <p:nvPr>
-              <p:custDataLst>
-                <p:tags r:id="rId5"/>
-              </p:custDataLst>
-            </p:nvPr>
-          </p:nvCxnSpPr>
-          <p:spPr bwMode="auto">
-            <a:xfrm flipH="1" flipV="1">
-              <a:off x="1198563" y="2108200"/>
-              <a:ext cx="0" cy="492125"/>
-            </a:xfrm>
-            <a:prstGeom prst="line">
-              <a:avLst/>
-            </a:prstGeom>
-            <a:noFill/>
-            <a:ln w="6350" cmpd="sng">
-              <a:solidFill>
-                <a:schemeClr val="accent1"/>
-              </a:solidFill>
-              <a:prstDash val="sysDash"/>
-              <a:round/>
-              <a:headEnd type="oval" w="med" len="med"/>
-              <a:tailEnd type="oval" w="med" len="med"/>
-            </a:ln>
-            <a:extLst>
-              <a:ext uri="{909E8E84-426E-40DD-AFC4-6F175D3DCCD1}">
-                <a14:hiddenFill xmlns:a14="http://schemas.microsoft.com/office/drawing/2010/main">
-                  <a:noFill/>
-                </a14:hiddenFill>
-              </a:ext>
-            </a:extLst>
-          </p:spPr>
-        </p:cxnSp>
-        <p:cxnSp>
-          <p:nvCxnSpPr>
-            <p:cNvPr id="36874" name="直接连接符 12"/>
-            <p:cNvCxnSpPr>
-              <a:cxnSpLocks noChangeShapeType="1"/>
-            </p:cNvCxnSpPr>
-            <p:nvPr>
-              <p:custDataLst>
-                <p:tags r:id="rId6"/>
-              </p:custDataLst>
-            </p:nvPr>
-          </p:nvCxnSpPr>
-          <p:spPr bwMode="auto">
-            <a:xfrm>
-              <a:off x="1198563" y="1927225"/>
-              <a:ext cx="3876675" cy="0"/>
-            </a:xfrm>
-            <a:prstGeom prst="line">
-              <a:avLst/>
-            </a:prstGeom>
-            <a:noFill/>
-            <a:ln w="6350" cmpd="sng">
-              <a:solidFill>
-                <a:schemeClr val="accent1"/>
-              </a:solidFill>
-              <a:prstDash val="sysDash"/>
-              <a:round/>
-              <a:headEnd type="oval" w="med" len="med"/>
-              <a:tailEnd type="oval" w="med" len="med"/>
-            </a:ln>
-            <a:extLst>
-              <a:ext uri="{909E8E84-426E-40DD-AFC4-6F175D3DCCD1}">
-                <a14:hiddenFill xmlns:a14="http://schemas.microsoft.com/office/drawing/2010/main">
-                  <a:noFill/>
-                </a14:hiddenFill>
-              </a:ext>
-            </a:extLst>
-          </p:spPr>
-        </p:cxnSp>
-        <p:cxnSp>
-          <p:nvCxnSpPr>
-            <p:cNvPr id="36875" name="直接连接符 13"/>
-            <p:cNvCxnSpPr>
-              <a:cxnSpLocks noChangeShapeType="1"/>
-            </p:cNvCxnSpPr>
-            <p:nvPr>
-              <p:custDataLst>
-                <p:tags r:id="rId7"/>
-              </p:custDataLst>
-            </p:nvPr>
-          </p:nvCxnSpPr>
-          <p:spPr bwMode="auto">
-            <a:xfrm rot="16200000" flipV="1">
-              <a:off x="2300288" y="4438650"/>
-              <a:ext cx="0" cy="1895475"/>
-            </a:xfrm>
-            <a:prstGeom prst="line">
-              <a:avLst/>
-            </a:prstGeom>
-            <a:noFill/>
-            <a:ln w="6350" cmpd="sng">
-              <a:solidFill>
-                <a:schemeClr val="accent1"/>
-              </a:solidFill>
-              <a:prstDash val="sysDash"/>
-              <a:round/>
-              <a:headEnd type="oval" w="med" len="med"/>
-              <a:tailEnd type="oval" w="med" len="med"/>
-            </a:ln>
-            <a:extLst>
-              <a:ext uri="{909E8E84-426E-40DD-AFC4-6F175D3DCCD1}">
-                <a14:hiddenFill xmlns:a14="http://schemas.microsoft.com/office/drawing/2010/main">
-                  <a:noFill/>
-                </a14:hiddenFill>
-              </a:ext>
-            </a:extLst>
-          </p:spPr>
-        </p:cxnSp>
-        <p:cxnSp>
-          <p:nvCxnSpPr>
-            <p:cNvPr id="36876" name="直接连接符 14"/>
-            <p:cNvCxnSpPr>
-              <a:cxnSpLocks noChangeShapeType="1"/>
-            </p:cNvCxnSpPr>
-            <p:nvPr>
-              <p:custDataLst>
-                <p:tags r:id="rId8"/>
-              </p:custDataLst>
-            </p:nvPr>
-          </p:nvCxnSpPr>
-          <p:spPr bwMode="auto">
-            <a:xfrm flipH="1" flipV="1">
-              <a:off x="1198563" y="4892675"/>
-              <a:ext cx="0" cy="493713"/>
-            </a:xfrm>
-            <a:prstGeom prst="line">
-              <a:avLst/>
-            </a:prstGeom>
-            <a:noFill/>
-            <a:ln w="6350" cmpd="sng">
-              <a:solidFill>
-                <a:schemeClr val="accent1"/>
-              </a:solidFill>
-              <a:prstDash val="sysDash"/>
-              <a:round/>
-              <a:headEnd type="oval" w="med" len="med"/>
-              <a:tailEnd type="oval" w="med" len="med"/>
-            </a:ln>
-            <a:extLst>
-              <a:ext uri="{909E8E84-426E-40DD-AFC4-6F175D3DCCD1}">
-                <a14:hiddenFill xmlns:a14="http://schemas.microsoft.com/office/drawing/2010/main">
-                  <a:noFill/>
-                </a14:hiddenFill>
-              </a:ext>
-            </a:extLst>
-          </p:spPr>
-        </p:cxnSp>
-      </p:grpSp>
-      <p:sp>
-        <p:nvSpPr>
-          <p:cNvPr id="2" name="标题 1"/>
-          <p:cNvSpPr>
-            <a:spLocks noGrp="1"/>
-          </p:cNvSpPr>
-          <p:nvPr>
-            <p:ph type="title"/>
-            <p:custDataLst>
-              <p:tags r:id="rId4"/>
-            </p:custDataLst>
-          </p:nvPr>
-        </p:nvSpPr>
-        <p:spPr>
-          <a:xfrm>
-            <a:off x="595841" y="191663"/>
-            <a:ext cx="9791700" cy="792163"/>
-          </a:xfrm>
-        </p:spPr>
-        <p:txBody>
-          <a:bodyPr wrap="square">
-            <a:normAutofit/>
-          </a:bodyPr>
-          <a:lstStyle/>
-          <a:p>
-            <a:r>
-              <a:rPr lang="zh-CN" altLang="en-US" sz="4000" dirty="0" smtClean="0"/>
-              <a:t>课堂导入</a:t>
-            </a:r>
-            <a:endParaRPr lang="zh-CN" altLang="en-US" sz="4000" dirty="0"/>
-          </a:p>
-        </p:txBody>
-      </p:sp>
-      <p:sp>
-        <p:nvSpPr>
-          <p:cNvPr id="3" name="矩形 2"/>
-          <p:cNvSpPr/>
-          <p:nvPr/>
-        </p:nvSpPr>
-        <p:spPr>
-          <a:xfrm>
-            <a:off x="1836738" y="2341223"/>
-            <a:ext cx="3902078" cy="2677656"/>
-          </a:xfrm>
-          <a:prstGeom prst="rect">
-            <a:avLst/>
-          </a:prstGeom>
-        </p:spPr>
-        <p:txBody>
-          <a:bodyPr wrap="square">
-            <a:spAutoFit/>
-          </a:bodyPr>
-          <a:lstStyle/>
-          <a:p>
-            <a:pPr>
-              <a:lnSpc>
-                <a:spcPct val="150000"/>
-              </a:lnSpc>
-            </a:pPr>
-            <a:r>
-              <a:rPr lang="zh-CN" altLang="en-US" sz="2800" dirty="0" smtClean="0"/>
-              <a:t>复习上一讲内容</a:t>
-            </a:r>
-            <a:endParaRPr lang="en-US" altLang="zh-CN" sz="2800" dirty="0" smtClean="0"/>
-          </a:p>
-          <a:p>
-            <a:pPr>
-              <a:lnSpc>
-                <a:spcPct val="150000"/>
-              </a:lnSpc>
-            </a:pPr>
-            <a:r>
-              <a:rPr lang="en-US" altLang="zh-CN" sz="2800" dirty="0" smtClean="0">
-                <a:solidFill>
-                  <a:srgbClr val="FF0000"/>
-                </a:solidFill>
-              </a:rPr>
-              <a:t>1</a:t>
-            </a:r>
-            <a:r>
-              <a:rPr lang="zh-CN" altLang="en-US" sz="2800" dirty="0" smtClean="0">
-                <a:solidFill>
-                  <a:srgbClr val="FF0000"/>
-                </a:solidFill>
-              </a:rPr>
-              <a:t>、创建多列</a:t>
-            </a:r>
-            <a:endParaRPr lang="en-US" altLang="zh-CN" sz="2800" dirty="0" smtClean="0">
-              <a:solidFill>
-                <a:srgbClr val="FF0000"/>
-              </a:solidFill>
-            </a:endParaRPr>
-          </a:p>
-          <a:p>
-            <a:pPr>
-              <a:lnSpc>
-                <a:spcPct val="150000"/>
-              </a:lnSpc>
-            </a:pPr>
-            <a:r>
-              <a:rPr lang="en-US" altLang="zh-CN" sz="2800" dirty="0" smtClean="0">
-                <a:solidFill>
-                  <a:srgbClr val="FF0000"/>
-                </a:solidFill>
-              </a:rPr>
-              <a:t>2</a:t>
-            </a:r>
-            <a:r>
-              <a:rPr lang="zh-CN" altLang="en-US" sz="2800" dirty="0" smtClean="0">
-                <a:solidFill>
-                  <a:srgbClr val="FF0000"/>
-                </a:solidFill>
-              </a:rPr>
-              <a:t>、列宽</a:t>
-            </a:r>
-            <a:endParaRPr lang="en-US" altLang="zh-CN" sz="2800" dirty="0" smtClean="0">
-              <a:solidFill>
-                <a:srgbClr val="FF0000"/>
-              </a:solidFill>
-            </a:endParaRPr>
-          </a:p>
-          <a:p>
-            <a:pPr>
-              <a:lnSpc>
-                <a:spcPct val="150000"/>
-              </a:lnSpc>
-            </a:pPr>
-            <a:r>
-              <a:rPr lang="en-US" altLang="zh-CN" sz="2800" dirty="0" smtClean="0">
-                <a:solidFill>
-                  <a:srgbClr val="FF0000"/>
-                </a:solidFill>
-              </a:rPr>
-              <a:t>3</a:t>
-            </a:r>
-            <a:r>
-              <a:rPr lang="zh-CN" altLang="en-US" sz="2800" dirty="0" smtClean="0">
-                <a:solidFill>
-                  <a:srgbClr val="FF0000"/>
-                </a:solidFill>
-              </a:rPr>
-              <a:t>、列边框</a:t>
-            </a:r>
-            <a:r>
-              <a:rPr lang="en-US" altLang="zh-CN" sz="2800" dirty="0" smtClean="0">
-                <a:solidFill>
-                  <a:srgbClr val="FF0000"/>
-                </a:solidFill>
-              </a:rPr>
-              <a:t>……</a:t>
-            </a:r>
-            <a:endParaRPr lang="zh-CN" altLang="en-US" sz="2800" dirty="0">
-              <a:solidFill>
-                <a:srgbClr val="FF0000"/>
-              </a:solidFill>
-            </a:endParaRPr>
-          </a:p>
-        </p:txBody>
-      </p:sp>
-    </p:spTree>
-    <p:custDataLst>
-      <p:tags r:id="rId1"/>
-    </p:custDataLst>
-    <p:extLst>
-      <p:ext uri="{BB962C8B-B14F-4D97-AF65-F5344CB8AC3E}">
-        <p14:creationId xmlns:p14="http://schemas.microsoft.com/office/powerpoint/2010/main" val="3041757927"/>
-      </p:ext>
-    </p:extLst>
-  </p:cSld>
-  <p:clrMapOvr>
-    <a:masterClrMapping/>
-  </p:clrMapOvr>
-  <p:timing>
-    <p:tnLst>
-      <p:par>
-        <p:cTn id="1" dur="indefinite" restart="never" nodeType="tmRoot"/>
-      </p:par>
-    </p:tnLst>
-  </p:timing>
-</p:sld>
-</file>
-
-<file path=ppt/slides/slide20.xml><?xml version="1.0" encoding="utf-8"?>
+<file path=ppt/slides/slide18.xml><?xml version="1.0" encoding="utf-8"?>
 <p:sld xmlns:a="http://schemas.openxmlformats.org/drawingml/2006/main" xmlns:r="http://schemas.openxmlformats.org/officeDocument/2006/relationships" xmlns:p="http://schemas.openxmlformats.org/presentationml/2006/main">
   <p:cSld>
     <p:spTree>
@@ -18840,7 +17180,7 @@
 </p:sld>
 </file>
 
-<file path=ppt/slides/slide21.xml><?xml version="1.0" encoding="utf-8"?>
+<file path=ppt/slides/slide19.xml><?xml version="1.0" encoding="utf-8"?>
 <p:sld xmlns:a="http://schemas.openxmlformats.org/drawingml/2006/main" xmlns:r="http://schemas.openxmlformats.org/officeDocument/2006/relationships" xmlns:p="http://schemas.openxmlformats.org/presentationml/2006/main">
   <p:cSld>
     <p:spTree>
@@ -19047,7 +17387,7 @@
 </p:sld>
 </file>
 
-<file path=ppt/slides/slide3.xml><?xml version="1.0" encoding="utf-8"?>
+<file path=ppt/slides/slide2.xml><?xml version="1.0" encoding="utf-8"?>
 <p:sld xmlns:a="http://schemas.openxmlformats.org/drawingml/2006/main" xmlns:r="http://schemas.openxmlformats.org/officeDocument/2006/relationships" xmlns:p="http://schemas.openxmlformats.org/presentationml/2006/main">
   <p:cSld>
     <p:spTree>
@@ -20776,7 +19116,7 @@
 </p:sld>
 </file>
 
-<file path=ppt/slides/slide4.xml><?xml version="1.0" encoding="utf-8"?>
+<file path=ppt/slides/slide3.xml><?xml version="1.0" encoding="utf-8"?>
 <p:sld xmlns:a="http://schemas.openxmlformats.org/drawingml/2006/main" xmlns:r="http://schemas.openxmlformats.org/officeDocument/2006/relationships" xmlns:p="http://schemas.openxmlformats.org/presentationml/2006/main">
   <p:cSld>
     <p:spTree>
@@ -21259,7 +19599,7 @@
 </p:sld>
 </file>
 
-<file path=ppt/slides/slide5.xml><?xml version="1.0" encoding="utf-8"?>
+<file path=ppt/slides/slide4.xml><?xml version="1.0" encoding="utf-8"?>
 <p:sld xmlns:a="http://schemas.openxmlformats.org/drawingml/2006/main" xmlns:r="http://schemas.openxmlformats.org/officeDocument/2006/relationships" xmlns:p="http://schemas.openxmlformats.org/presentationml/2006/main">
   <p:cSld>
     <p:spTree>
@@ -22099,7 +20439,7 @@
 </p:sld>
 </file>
 
-<file path=ppt/slides/slide6.xml><?xml version="1.0" encoding="utf-8"?>
+<file path=ppt/slides/slide5.xml><?xml version="1.0" encoding="utf-8"?>
 <p:sld xmlns:a="http://schemas.openxmlformats.org/drawingml/2006/main" xmlns:r="http://schemas.openxmlformats.org/officeDocument/2006/relationships" xmlns:p="http://schemas.openxmlformats.org/presentationml/2006/main">
   <p:cSld>
     <p:spTree>
@@ -22292,35 +20632,6 @@
           </a:p>
         </p:txBody>
       </p:sp>
-      <p:sp>
-        <p:nvSpPr>
-          <p:cNvPr id="5" name="矩形 4"/>
-          <p:cNvSpPr/>
-          <p:nvPr/>
-        </p:nvSpPr>
-        <p:spPr>
-          <a:xfrm>
-            <a:off x="6639218" y="4648944"/>
-            <a:ext cx="1986441" cy="523220"/>
-          </a:xfrm>
-          <a:prstGeom prst="rect">
-            <a:avLst/>
-          </a:prstGeom>
-        </p:spPr>
-        <p:txBody>
-          <a:bodyPr wrap="none">
-            <a:spAutoFit/>
-          </a:bodyPr>
-          <a:lstStyle/>
-          <a:p>
-            <a:r>
-              <a:rPr lang="en-US" altLang="zh-CN" sz="2800" dirty="0" smtClean="0"/>
-              <a:t>Demo-12-1</a:t>
-            </a:r>
-            <a:endParaRPr lang="en-US" altLang="zh-CN" sz="2800" dirty="0"/>
-          </a:p>
-        </p:txBody>
-      </p:sp>
     </p:spTree>
     <p:custDataLst>
       <p:tags r:id="rId1"/>
@@ -22344,7 +20655,7 @@
 </p:sld>
 </file>
 
-<file path=ppt/slides/slide7.xml><?xml version="1.0" encoding="utf-8"?>
+<file path=ppt/slides/slide6.xml><?xml version="1.0" encoding="utf-8"?>
 <p:sld xmlns:a="http://schemas.openxmlformats.org/drawingml/2006/main" xmlns:r="http://schemas.openxmlformats.org/officeDocument/2006/relationships" xmlns:p="http://schemas.openxmlformats.org/presentationml/2006/main">
   <p:cSld>
     <p:spTree>
@@ -22832,7 +21143,7 @@
 </p:sld>
 </file>
 
-<file path=ppt/slides/slide8.xml><?xml version="1.0" encoding="utf-8"?>
+<file path=ppt/slides/slide7.xml><?xml version="1.0" encoding="utf-8"?>
 <p:sld xmlns:a="http://schemas.openxmlformats.org/drawingml/2006/main" xmlns:r="http://schemas.openxmlformats.org/officeDocument/2006/relationships" xmlns:p="http://schemas.openxmlformats.org/presentationml/2006/main">
   <p:cSld>
     <p:spTree>
@@ -23614,7 +21925,7 @@
 </p:sld>
 </file>
 
-<file path=ppt/slides/slide9.xml><?xml version="1.0" encoding="utf-8"?>
+<file path=ppt/slides/slide8.xml><?xml version="1.0" encoding="utf-8"?>
 <p:sld xmlns:a="http://schemas.openxmlformats.org/drawingml/2006/main" xmlns:r="http://schemas.openxmlformats.org/officeDocument/2006/relationships" xmlns:p="http://schemas.openxmlformats.org/presentationml/2006/main">
   <p:cSld>
     <p:spTree>
@@ -23713,35 +22024,6 @@
       </p:pic>
       <p:sp>
         <p:nvSpPr>
-          <p:cNvPr id="4" name="矩形 3"/>
-          <p:cNvSpPr/>
-          <p:nvPr/>
-        </p:nvSpPr>
-        <p:spPr>
-          <a:xfrm>
-            <a:off x="9992403" y="5197287"/>
-            <a:ext cx="1986441" cy="523220"/>
-          </a:xfrm>
-          <a:prstGeom prst="rect">
-            <a:avLst/>
-          </a:prstGeom>
-        </p:spPr>
-        <p:txBody>
-          <a:bodyPr wrap="none">
-            <a:spAutoFit/>
-          </a:bodyPr>
-          <a:lstStyle/>
-          <a:p>
-            <a:r>
-              <a:rPr lang="en-US" altLang="zh-CN" sz="2800" dirty="0" smtClean="0"/>
-              <a:t>Demo-12-2</a:t>
-            </a:r>
-            <a:endParaRPr lang="en-US" altLang="zh-CN" sz="2800" dirty="0"/>
-          </a:p>
-        </p:txBody>
-      </p:sp>
-      <p:sp>
-        <p:nvSpPr>
           <p:cNvPr id="5" name="矩形 4"/>
           <p:cNvSpPr/>
           <p:nvPr/>
@@ -23897,6 +22179,494 @@
     <p:extLst>
       <p:ext uri="{BB962C8B-B14F-4D97-AF65-F5344CB8AC3E}">
         <p14:creationId xmlns:p14="http://schemas.microsoft.com/office/powerpoint/2010/main" val="1721084784"/>
+      </p:ext>
+    </p:extLst>
+  </p:cSld>
+  <p:clrMapOvr>
+    <a:masterClrMapping/>
+  </p:clrMapOvr>
+  <p:timing>
+    <p:tnLst>
+      <p:par>
+        <p:cTn id="1" dur="indefinite" restart="never" nodeType="tmRoot"/>
+      </p:par>
+    </p:tnLst>
+  </p:timing>
+</p:sld>
+</file>
+
+<file path=ppt/slides/slide9.xml><?xml version="1.0" encoding="utf-8"?>
+<p:sld xmlns:a="http://schemas.openxmlformats.org/drawingml/2006/main" xmlns:r="http://schemas.openxmlformats.org/officeDocument/2006/relationships" xmlns:p="http://schemas.openxmlformats.org/presentationml/2006/main">
+  <p:cSld>
+    <p:spTree>
+      <p:nvGrpSpPr>
+        <p:cNvPr id="1" name=""/>
+        <p:cNvGrpSpPr/>
+        <p:nvPr/>
+      </p:nvGrpSpPr>
+      <p:grpSpPr>
+        <a:xfrm>
+          <a:off x="0" y="0"/>
+          <a:ext cx="0" cy="0"/>
+          <a:chOff x="0" y="0"/>
+          <a:chExt cx="0" cy="0"/>
+        </a:xfrm>
+      </p:grpSpPr>
+      <p:grpSp>
+        <p:nvGrpSpPr>
+          <p:cNvPr id="3" name="组合 2"/>
+          <p:cNvGrpSpPr/>
+          <p:nvPr>
+            <p:custDataLst>
+              <p:tags r:id="rId2"/>
+            </p:custDataLst>
+          </p:nvPr>
+        </p:nvGrpSpPr>
+        <p:grpSpPr>
+          <a:xfrm>
+            <a:off x="1706562" y="2314578"/>
+            <a:ext cx="8737600" cy="1314449"/>
+            <a:chOff x="1849438" y="1833564"/>
+            <a:chExt cx="5793551" cy="1314449"/>
+          </a:xfrm>
+        </p:grpSpPr>
+        <p:sp>
+          <p:nvSpPr>
+            <p:cNvPr id="6146" name="MH_Number_1"/>
+            <p:cNvSpPr>
+              <a:spLocks noChangeArrowheads="1"/>
+            </p:cNvSpPr>
+            <p:nvPr>
+              <p:custDataLst>
+                <p:tags r:id="rId3"/>
+              </p:custDataLst>
+            </p:nvPr>
+          </p:nvSpPr>
+          <p:spPr bwMode="auto">
+            <a:xfrm>
+              <a:off x="1849438" y="1833564"/>
+              <a:ext cx="1200150" cy="1314449"/>
+            </a:xfrm>
+            <a:prstGeom prst="homePlate">
+              <a:avLst>
+                <a:gd name="adj" fmla="val 50002"/>
+              </a:avLst>
+            </a:prstGeom>
+            <a:solidFill>
+              <a:schemeClr val="accent1"/>
+            </a:solidFill>
+            <a:ln>
+              <a:noFill/>
+            </a:ln>
+            <a:extLst>
+              <a:ext uri="{91240B29-F687-4F45-9708-019B960494DF}">
+                <a14:hiddenLine xmlns:a14="http://schemas.microsoft.com/office/drawing/2010/main" w="9525">
+                  <a:solidFill>
+                    <a:srgbClr val="000000"/>
+                  </a:solidFill>
+                  <a:miter lim="800000"/>
+                  <a:headEnd/>
+                  <a:tailEnd/>
+                </a14:hiddenLine>
+              </a:ext>
+            </a:extLst>
+          </p:spPr>
+          <p:txBody>
+            <a:bodyPr lIns="36000" tIns="0" rIns="0" bIns="0" anchor="ctr">
+              <a:noAutofit/>
+            </a:bodyPr>
+            <a:lstStyle>
+              <a:lvl1pPr>
+                <a:defRPr>
+                  <a:solidFill>
+                    <a:schemeClr val="tx1"/>
+                  </a:solidFill>
+                  <a:latin typeface="Calibri" panose="020F0502020204030204" charset="0"/>
+                  <a:ea typeface="宋体" panose="02010600030101010101" pitchFamily="2" charset="-122"/>
+                </a:defRPr>
+              </a:lvl1pPr>
+              <a:lvl2pPr marL="742950" indent="-285750">
+                <a:defRPr>
+                  <a:solidFill>
+                    <a:schemeClr val="tx1"/>
+                  </a:solidFill>
+                  <a:latin typeface="Calibri" panose="020F0502020204030204" charset="0"/>
+                  <a:ea typeface="宋体" panose="02010600030101010101" pitchFamily="2" charset="-122"/>
+                </a:defRPr>
+              </a:lvl2pPr>
+              <a:lvl3pPr marL="1143000" indent="-228600">
+                <a:defRPr>
+                  <a:solidFill>
+                    <a:schemeClr val="tx1"/>
+                  </a:solidFill>
+                  <a:latin typeface="Calibri" panose="020F0502020204030204" charset="0"/>
+                  <a:ea typeface="宋体" panose="02010600030101010101" pitchFamily="2" charset="-122"/>
+                </a:defRPr>
+              </a:lvl3pPr>
+              <a:lvl4pPr marL="1600200" indent="-228600">
+                <a:defRPr>
+                  <a:solidFill>
+                    <a:schemeClr val="tx1"/>
+                  </a:solidFill>
+                  <a:latin typeface="Calibri" panose="020F0502020204030204" charset="0"/>
+                  <a:ea typeface="宋体" panose="02010600030101010101" pitchFamily="2" charset="-122"/>
+                </a:defRPr>
+              </a:lvl4pPr>
+              <a:lvl5pPr marL="2057400" indent="-228600">
+                <a:defRPr>
+                  <a:solidFill>
+                    <a:schemeClr val="tx1"/>
+                  </a:solidFill>
+                  <a:latin typeface="Calibri" panose="020F0502020204030204" charset="0"/>
+                  <a:ea typeface="宋体" panose="02010600030101010101" pitchFamily="2" charset="-122"/>
+                </a:defRPr>
+              </a:lvl5pPr>
+              <a:lvl6pPr marL="2514600" indent="-228600" eaLnBrk="0" fontAlgn="base" hangingPunct="0">
+                <a:spcBef>
+                  <a:spcPct val="0"/>
+                </a:spcBef>
+                <a:spcAft>
+                  <a:spcPct val="0"/>
+                </a:spcAft>
+                <a:buFont typeface="Arial" panose="020B0604020202020204" pitchFamily="34" charset="0"/>
+                <a:defRPr>
+                  <a:solidFill>
+                    <a:schemeClr val="tx1"/>
+                  </a:solidFill>
+                  <a:latin typeface="Calibri" panose="020F0502020204030204" charset="0"/>
+                  <a:ea typeface="宋体" panose="02010600030101010101" pitchFamily="2" charset="-122"/>
+                </a:defRPr>
+              </a:lvl6pPr>
+              <a:lvl7pPr marL="2971800" indent="-228600" eaLnBrk="0" fontAlgn="base" hangingPunct="0">
+                <a:spcBef>
+                  <a:spcPct val="0"/>
+                </a:spcBef>
+                <a:spcAft>
+                  <a:spcPct val="0"/>
+                </a:spcAft>
+                <a:buFont typeface="Arial" panose="020B0604020202020204" pitchFamily="34" charset="0"/>
+                <a:defRPr>
+                  <a:solidFill>
+                    <a:schemeClr val="tx1"/>
+                  </a:solidFill>
+                  <a:latin typeface="Calibri" panose="020F0502020204030204" charset="0"/>
+                  <a:ea typeface="宋体" panose="02010600030101010101" pitchFamily="2" charset="-122"/>
+                </a:defRPr>
+              </a:lvl7pPr>
+              <a:lvl8pPr marL="3429000" indent="-228600" eaLnBrk="0" fontAlgn="base" hangingPunct="0">
+                <a:spcBef>
+                  <a:spcPct val="0"/>
+                </a:spcBef>
+                <a:spcAft>
+                  <a:spcPct val="0"/>
+                </a:spcAft>
+                <a:buFont typeface="Arial" panose="020B0604020202020204" pitchFamily="34" charset="0"/>
+                <a:defRPr>
+                  <a:solidFill>
+                    <a:schemeClr val="tx1"/>
+                  </a:solidFill>
+                  <a:latin typeface="Calibri" panose="020F0502020204030204" charset="0"/>
+                  <a:ea typeface="宋体" panose="02010600030101010101" pitchFamily="2" charset="-122"/>
+                </a:defRPr>
+              </a:lvl8pPr>
+              <a:lvl9pPr marL="3886200" indent="-228600" eaLnBrk="0" fontAlgn="base" hangingPunct="0">
+                <a:spcBef>
+                  <a:spcPct val="0"/>
+                </a:spcBef>
+                <a:spcAft>
+                  <a:spcPct val="0"/>
+                </a:spcAft>
+                <a:buFont typeface="Arial" panose="020B0604020202020204" pitchFamily="34" charset="0"/>
+                <a:defRPr>
+                  <a:solidFill>
+                    <a:schemeClr val="tx1"/>
+                  </a:solidFill>
+                  <a:latin typeface="Calibri" panose="020F0502020204030204" charset="0"/>
+                  <a:ea typeface="宋体" panose="02010600030101010101" pitchFamily="2" charset="-122"/>
+                </a:defRPr>
+              </a:lvl9pPr>
+            </a:lstStyle>
+            <a:p>
+              <a:pPr algn="ctr" eaLnBrk="1" hangingPunct="1"/>
+              <a:r>
+                <a:rPr lang="en-US" altLang="zh-CN" sz="7200" b="1" dirty="0" smtClean="0">
+                  <a:solidFill>
+                    <a:srgbClr val="FFFFFF"/>
+                  </a:solidFill>
+                  <a:latin typeface="+mn-lt"/>
+                  <a:ea typeface="+mn-ea"/>
+                </a:rPr>
+                <a:t>03</a:t>
+              </a:r>
+              <a:endParaRPr lang="zh-CN" altLang="en-US" sz="7200" b="1" dirty="0">
+                <a:solidFill>
+                  <a:srgbClr val="FFFFFF"/>
+                </a:solidFill>
+                <a:latin typeface="+mn-lt"/>
+                <a:ea typeface="+mn-ea"/>
+              </a:endParaRPr>
+            </a:p>
+          </p:txBody>
+        </p:sp>
+        <p:sp>
+          <p:nvSpPr>
+            <p:cNvPr id="6147" name="MH_Entry_1"/>
+            <p:cNvSpPr txBox="1">
+              <a:spLocks noChangeArrowheads="1"/>
+            </p:cNvSpPr>
+            <p:nvPr>
+              <p:custDataLst>
+                <p:tags r:id="rId4"/>
+              </p:custDataLst>
+            </p:nvPr>
+          </p:nvSpPr>
+          <p:spPr bwMode="auto">
+            <a:xfrm>
+              <a:off x="3197989" y="2117725"/>
+              <a:ext cx="4445000" cy="746125"/>
+            </a:xfrm>
+            <a:prstGeom prst="rect">
+              <a:avLst/>
+            </a:prstGeom>
+            <a:noFill/>
+            <a:ln>
+              <a:noFill/>
+            </a:ln>
+            <a:extLst>
+              <a:ext uri="{909E8E84-426E-40DD-AFC4-6F175D3DCCD1}">
+                <a14:hiddenFill xmlns:a14="http://schemas.microsoft.com/office/drawing/2010/main">
+                  <a:solidFill>
+                    <a:srgbClr val="FFFFFF"/>
+                  </a:solidFill>
+                </a14:hiddenFill>
+              </a:ext>
+              <a:ext uri="{91240B29-F687-4F45-9708-019B960494DF}">
+                <a14:hiddenLine xmlns:a14="http://schemas.microsoft.com/office/drawing/2010/main" w="9525">
+                  <a:solidFill>
+                    <a:srgbClr val="000000"/>
+                  </a:solidFill>
+                  <a:miter lim="800000"/>
+                  <a:headEnd/>
+                  <a:tailEnd/>
+                </a14:hiddenLine>
+              </a:ext>
+            </a:extLst>
+          </p:spPr>
+          <p:txBody>
+            <a:bodyPr lIns="144000" anchor="ctr">
+              <a:noAutofit/>
+            </a:bodyPr>
+            <a:lstStyle>
+              <a:lvl1pPr algn="just">
+                <a:lnSpc>
+                  <a:spcPct val="110000"/>
+                </a:lnSpc>
+                <a:spcBef>
+                  <a:spcPts val="1800"/>
+                </a:spcBef>
+                <a:buClr>
+                  <a:srgbClr val="963B22"/>
+                </a:buClr>
+                <a:buSzPct val="100000"/>
+                <a:buBlip>
+                  <a:blip r:embed="rId7"/>
+                </a:buBlip>
+                <a:defRPr sz="2400">
+                  <a:solidFill>
+                    <a:srgbClr val="50820E"/>
+                  </a:solidFill>
+                  <a:latin typeface="Arial" panose="020B0604020202020204" pitchFamily="34" charset="0"/>
+                  <a:ea typeface="黑体" panose="02010609060101010101" pitchFamily="49" charset="-122"/>
+                </a:defRPr>
+              </a:lvl1pPr>
+              <a:lvl2pPr marL="742950" indent="-742950" algn="just">
+                <a:lnSpc>
+                  <a:spcPct val="130000"/>
+                </a:lnSpc>
+                <a:spcAft>
+                  <a:spcPts val="600"/>
+                </a:spcAft>
+                <a:buClr>
+                  <a:srgbClr val="D5E89A"/>
+                </a:buClr>
+                <a:buFont typeface="幼圆" pitchFamily="49" charset="-122"/>
+                <a:buChar char=" "/>
+                <a:defRPr sz="2000">
+                  <a:solidFill>
+                    <a:srgbClr val="7D7D7D"/>
+                  </a:solidFill>
+                  <a:latin typeface="Arial" panose="020B0604020202020204" pitchFamily="34" charset="0"/>
+                  <a:ea typeface="黑体" panose="02010609060101010101" pitchFamily="49" charset="-122"/>
+                </a:defRPr>
+              </a:lvl2pPr>
+              <a:lvl3pPr marL="1143000" indent="-228600">
+                <a:lnSpc>
+                  <a:spcPct val="90000"/>
+                </a:lnSpc>
+                <a:spcBef>
+                  <a:spcPts val="500"/>
+                </a:spcBef>
+                <a:buChar char="•"/>
+                <a:defRPr sz="2000">
+                  <a:solidFill>
+                    <a:schemeClr val="tx1"/>
+                  </a:solidFill>
+                  <a:latin typeface="Calibri" panose="020F0502020204030204" charset="0"/>
+                  <a:ea typeface="幼圆" pitchFamily="49" charset="-122"/>
+                </a:defRPr>
+              </a:lvl3pPr>
+              <a:lvl4pPr marL="1600200" indent="-228600">
+                <a:lnSpc>
+                  <a:spcPct val="90000"/>
+                </a:lnSpc>
+                <a:spcBef>
+                  <a:spcPts val="500"/>
+                </a:spcBef>
+                <a:buChar char="•"/>
+                <a:defRPr>
+                  <a:solidFill>
+                    <a:schemeClr val="tx1"/>
+                  </a:solidFill>
+                  <a:latin typeface="Calibri" panose="020F0502020204030204" charset="0"/>
+                  <a:ea typeface="幼圆" pitchFamily="49" charset="-122"/>
+                </a:defRPr>
+              </a:lvl4pPr>
+              <a:lvl5pPr marL="2057400" indent="-228600">
+                <a:lnSpc>
+                  <a:spcPct val="90000"/>
+                </a:lnSpc>
+                <a:spcBef>
+                  <a:spcPts val="500"/>
+                </a:spcBef>
+                <a:buChar char="•"/>
+                <a:defRPr>
+                  <a:solidFill>
+                    <a:schemeClr val="tx1"/>
+                  </a:solidFill>
+                  <a:latin typeface="Calibri" panose="020F0502020204030204" charset="0"/>
+                  <a:ea typeface="幼圆" pitchFamily="49" charset="-122"/>
+                </a:defRPr>
+              </a:lvl5pPr>
+              <a:lvl6pPr marL="2514600" indent="-228600" fontAlgn="base">
+                <a:lnSpc>
+                  <a:spcPct val="90000"/>
+                </a:lnSpc>
+                <a:spcBef>
+                  <a:spcPts val="500"/>
+                </a:spcBef>
+                <a:spcAft>
+                  <a:spcPct val="0"/>
+                </a:spcAft>
+                <a:buFont typeface="Arial" panose="020B0604020202020204" pitchFamily="34" charset="0"/>
+                <a:buChar char="•"/>
+                <a:defRPr>
+                  <a:solidFill>
+                    <a:schemeClr val="tx1"/>
+                  </a:solidFill>
+                  <a:latin typeface="Calibri" panose="020F0502020204030204" charset="0"/>
+                  <a:ea typeface="幼圆" pitchFamily="49" charset="-122"/>
+                </a:defRPr>
+              </a:lvl6pPr>
+              <a:lvl7pPr marL="2971800" indent="-228600" fontAlgn="base">
+                <a:lnSpc>
+                  <a:spcPct val="90000"/>
+                </a:lnSpc>
+                <a:spcBef>
+                  <a:spcPts val="500"/>
+                </a:spcBef>
+                <a:spcAft>
+                  <a:spcPct val="0"/>
+                </a:spcAft>
+                <a:buFont typeface="Arial" panose="020B0604020202020204" pitchFamily="34" charset="0"/>
+                <a:buChar char="•"/>
+                <a:defRPr>
+                  <a:solidFill>
+                    <a:schemeClr val="tx1"/>
+                  </a:solidFill>
+                  <a:latin typeface="Calibri" panose="020F0502020204030204" charset="0"/>
+                  <a:ea typeface="幼圆" pitchFamily="49" charset="-122"/>
+                </a:defRPr>
+              </a:lvl7pPr>
+              <a:lvl8pPr marL="3429000" indent="-228600" fontAlgn="base">
+                <a:lnSpc>
+                  <a:spcPct val="90000"/>
+                </a:lnSpc>
+                <a:spcBef>
+                  <a:spcPts val="500"/>
+                </a:spcBef>
+                <a:spcAft>
+                  <a:spcPct val="0"/>
+                </a:spcAft>
+                <a:buFont typeface="Arial" panose="020B0604020202020204" pitchFamily="34" charset="0"/>
+                <a:buChar char="•"/>
+                <a:defRPr>
+                  <a:solidFill>
+                    <a:schemeClr val="tx1"/>
+                  </a:solidFill>
+                  <a:latin typeface="Calibri" panose="020F0502020204030204" charset="0"/>
+                  <a:ea typeface="幼圆" pitchFamily="49" charset="-122"/>
+                </a:defRPr>
+              </a:lvl8pPr>
+              <a:lvl9pPr marL="3886200" indent="-228600" fontAlgn="base">
+                <a:lnSpc>
+                  <a:spcPct val="90000"/>
+                </a:lnSpc>
+                <a:spcBef>
+                  <a:spcPts val="500"/>
+                </a:spcBef>
+                <a:spcAft>
+                  <a:spcPct val="0"/>
+                </a:spcAft>
+                <a:buFont typeface="Arial" panose="020B0604020202020204" pitchFamily="34" charset="0"/>
+                <a:buChar char="•"/>
+                <a:defRPr>
+                  <a:solidFill>
+                    <a:schemeClr val="tx1"/>
+                  </a:solidFill>
+                  <a:latin typeface="Calibri" panose="020F0502020204030204" charset="0"/>
+                  <a:ea typeface="幼圆" pitchFamily="49" charset="-122"/>
+                </a:defRPr>
+              </a:lvl9pPr>
+            </a:lstStyle>
+            <a:p>
+              <a:pPr eaLnBrk="1" hangingPunct="1">
+                <a:lnSpc>
+                  <a:spcPct val="120000"/>
+                </a:lnSpc>
+                <a:spcBef>
+                  <a:spcPct val="0"/>
+                </a:spcBef>
+                <a:buFontTx/>
+                <a:buNone/>
+              </a:pPr>
+              <a:r>
+                <a:rPr lang="zh-CN" altLang="en-US" sz="5400" dirty="0" smtClean="0">
+                  <a:solidFill>
+                    <a:schemeClr val="tx1"/>
+                  </a:solidFill>
+                  <a:latin typeface="+mn-lt"/>
+                  <a:ea typeface="+mn-ea"/>
+                </a:rPr>
+                <a:t>轮廓</a:t>
+              </a:r>
+              <a:endParaRPr lang="en-US" sz="5400" dirty="0">
+                <a:solidFill>
+                  <a:schemeClr val="tx1"/>
+                </a:solidFill>
+                <a:latin typeface="+mn-lt"/>
+                <a:ea typeface="+mn-ea"/>
+              </a:endParaRPr>
+            </a:p>
+          </p:txBody>
+        </p:sp>
+      </p:grpSp>
+    </p:spTree>
+    <p:custDataLst>
+      <p:tags r:id="rId1"/>
+    </p:custDataLst>
+    <p:extLst>
+      <p:ext uri="{BB962C8B-B14F-4D97-AF65-F5344CB8AC3E}">
+        <p14:creationId xmlns:p14="http://schemas.microsoft.com/office/powerpoint/2010/main" val="541152902"/>
       </p:ext>
     </p:extLst>
   </p:cSld>
@@ -23933,11 +22703,22 @@
 <p:tagLst xmlns:a="http://schemas.openxmlformats.org/drawingml/2006/main" xmlns:r="http://schemas.openxmlformats.org/officeDocument/2006/relationships" xmlns:p="http://schemas.openxmlformats.org/presentationml/2006/main">
   <p:tag name="KSO_WM_TAG_VERSION" val="1.0"/>
   <p:tag name="KSO_WM_BEAUTIFY_FLAG" val="#wm#"/>
-  <p:tag name="KSO_WM_UNIT_TYPE" val="i"/>
-  <p:tag name="KSO_WM_UNIT_ID" val="custom160336_28*i*20"/>
   <p:tag name="KSO_WM_TEMPLATE_CATEGORY" val="custom"/>
   <p:tag name="KSO_WM_TEMPLATE_INDEX" val="160336"/>
-  <p:tag name="KSO_WM_UNIT_INDEX" val="20"/>
+  <p:tag name="KSO_WM_UNIT_TYPE" val="l_h_f"/>
+  <p:tag name="KSO_WM_UNIT_INDEX" val="1_3_1"/>
+  <p:tag name="KSO_WM_UNIT_ID" val="custom160336_11*l_h_f*1_3_1"/>
+  <p:tag name="KSO_WM_UNIT_CLEAR" val="1"/>
+  <p:tag name="KSO_WM_UNIT_LAYERLEVEL" val="1_1_1"/>
+  <p:tag name="KSO_WM_UNIT_VALUE" val="15"/>
+  <p:tag name="KSO_WM_UNIT_HIGHLIGHT" val="0"/>
+  <p:tag name="KSO_WM_UNIT_COMPATIBLE" val="0"/>
+  <p:tag name="KSO_WM_UNIT_PRESET_TEXT_INDEX" val="4"/>
+  <p:tag name="KSO_WM_UNIT_PRESET_TEXT_LEN" val="26"/>
+  <p:tag name="KSO_WM_DIAGRAM_GROUP_CODE" val="l1-1"/>
+  <p:tag name="KSO_WM_UNIT_TEXT_FILL_FORE_SCHEMECOLOR_INDEX" val="13"/>
+  <p:tag name="KSO_WM_UNIT_TEXT_FILL_TYPE" val="1"/>
+  <p:tag name="KSO_WM_UNIT_USESOURCEFORMAT_APPLY" val="1"/>
 </p:tagLst>
 </file>
 
@@ -23945,11 +22726,22 @@
 <p:tagLst xmlns:a="http://schemas.openxmlformats.org/drawingml/2006/main" xmlns:r="http://schemas.openxmlformats.org/officeDocument/2006/relationships" xmlns:p="http://schemas.openxmlformats.org/presentationml/2006/main">
   <p:tag name="KSO_WM_TAG_VERSION" val="1.0"/>
   <p:tag name="KSO_WM_BEAUTIFY_FLAG" val="#wm#"/>
-  <p:tag name="KSO_WM_UNIT_TYPE" val="i"/>
-  <p:tag name="KSO_WM_UNIT_ID" val="custom160336_28*i*21"/>
   <p:tag name="KSO_WM_TEMPLATE_CATEGORY" val="custom"/>
   <p:tag name="KSO_WM_TEMPLATE_INDEX" val="160336"/>
-  <p:tag name="KSO_WM_UNIT_INDEX" val="21"/>
+  <p:tag name="KSO_WM_UNIT_TYPE" val="l_h_f"/>
+  <p:tag name="KSO_WM_UNIT_INDEX" val="1_2_1"/>
+  <p:tag name="KSO_WM_UNIT_ID" val="custom160336_11*l_h_f*1_2_1"/>
+  <p:tag name="KSO_WM_UNIT_CLEAR" val="1"/>
+  <p:tag name="KSO_WM_UNIT_LAYERLEVEL" val="1_1_1"/>
+  <p:tag name="KSO_WM_UNIT_VALUE" val="15"/>
+  <p:tag name="KSO_WM_UNIT_HIGHLIGHT" val="0"/>
+  <p:tag name="KSO_WM_UNIT_COMPATIBLE" val="0"/>
+  <p:tag name="KSO_WM_UNIT_PRESET_TEXT_INDEX" val="4"/>
+  <p:tag name="KSO_WM_UNIT_PRESET_TEXT_LEN" val="26"/>
+  <p:tag name="KSO_WM_DIAGRAM_GROUP_CODE" val="l1-1"/>
+  <p:tag name="KSO_WM_UNIT_TEXT_FILL_FORE_SCHEMECOLOR_INDEX" val="13"/>
+  <p:tag name="KSO_WM_UNIT_TEXT_FILL_TYPE" val="1"/>
+  <p:tag name="KSO_WM_UNIT_USESOURCEFORMAT_APPLY" val="1"/>
 </p:tagLst>
 </file>
 
@@ -23957,11 +22749,17 @@
 <p:tagLst xmlns:a="http://schemas.openxmlformats.org/drawingml/2006/main" xmlns:r="http://schemas.openxmlformats.org/officeDocument/2006/relationships" xmlns:p="http://schemas.openxmlformats.org/presentationml/2006/main">
   <p:tag name="KSO_WM_TAG_VERSION" val="1.0"/>
   <p:tag name="KSO_WM_BEAUTIFY_FLAG" val="#wm#"/>
-  <p:tag name="KSO_WM_UNIT_TYPE" val="i"/>
-  <p:tag name="KSO_WM_UNIT_ID" val="custom160336_28*i*7"/>
   <p:tag name="KSO_WM_TEMPLATE_CATEGORY" val="custom"/>
   <p:tag name="KSO_WM_TEMPLATE_INDEX" val="160336"/>
-  <p:tag name="KSO_WM_UNIT_INDEX" val="7"/>
+  <p:tag name="KSO_WM_UNIT_TYPE" val="l_i"/>
+  <p:tag name="KSO_WM_UNIT_INDEX" val="1_2"/>
+  <p:tag name="KSO_WM_UNIT_ID" val="custom160336_11*l_i*1_2"/>
+  <p:tag name="KSO_WM_UNIT_CLEAR" val="1"/>
+  <p:tag name="KSO_WM_UNIT_LAYERLEVEL" val="1_1"/>
+  <p:tag name="KSO_WM_DIAGRAM_GROUP_CODE" val="l1-1"/>
+  <p:tag name="KSO_WM_UNIT_FILL_FORE_SCHEMECOLOR_INDEX" val="6"/>
+  <p:tag name="KSO_WM_UNIT_FILL_TYPE" val="1"/>
+  <p:tag name="KSO_WM_UNIT_USESOURCEFORMAT_APPLY" val="1"/>
 </p:tagLst>
 </file>
 
@@ -23969,11 +22767,17 @@
 <p:tagLst xmlns:a="http://schemas.openxmlformats.org/drawingml/2006/main" xmlns:r="http://schemas.openxmlformats.org/officeDocument/2006/relationships" xmlns:p="http://schemas.openxmlformats.org/presentationml/2006/main">
   <p:tag name="KSO_WM_TAG_VERSION" val="1.0"/>
   <p:tag name="KSO_WM_BEAUTIFY_FLAG" val="#wm#"/>
-  <p:tag name="KSO_WM_UNIT_TYPE" val="i"/>
-  <p:tag name="KSO_WM_UNIT_ID" val="custom160336_28*i*8"/>
   <p:tag name="KSO_WM_TEMPLATE_CATEGORY" val="custom"/>
   <p:tag name="KSO_WM_TEMPLATE_INDEX" val="160336"/>
-  <p:tag name="KSO_WM_UNIT_INDEX" val="8"/>
+  <p:tag name="KSO_WM_UNIT_TYPE" val="l_i"/>
+  <p:tag name="KSO_WM_UNIT_INDEX" val="1_1"/>
+  <p:tag name="KSO_WM_UNIT_ID" val="custom160336_11*l_i*1_1"/>
+  <p:tag name="KSO_WM_UNIT_CLEAR" val="1"/>
+  <p:tag name="KSO_WM_UNIT_LAYERLEVEL" val="1_1"/>
+  <p:tag name="KSO_WM_DIAGRAM_GROUP_CODE" val="l1-1"/>
+  <p:tag name="KSO_WM_UNIT_FILL_FORE_SCHEMECOLOR_INDEX" val="5"/>
+  <p:tag name="KSO_WM_UNIT_FILL_TYPE" val="1"/>
+  <p:tag name="KSO_WM_UNIT_USESOURCEFORMAT_APPLY" val="1"/>
 </p:tagLst>
 </file>
 
@@ -23981,23 +22785,38 @@
 <p:tagLst xmlns:a="http://schemas.openxmlformats.org/drawingml/2006/main" xmlns:r="http://schemas.openxmlformats.org/officeDocument/2006/relationships" xmlns:p="http://schemas.openxmlformats.org/presentationml/2006/main">
   <p:tag name="KSO_WM_TAG_VERSION" val="1.0"/>
   <p:tag name="KSO_WM_BEAUTIFY_FLAG" val="#wm#"/>
-  <p:tag name="KSO_WM_UNIT_TYPE" val="i"/>
-  <p:tag name="KSO_WM_UNIT_ID" val="custom160336_28*i*9"/>
   <p:tag name="KSO_WM_TEMPLATE_CATEGORY" val="custom"/>
   <p:tag name="KSO_WM_TEMPLATE_INDEX" val="160336"/>
-  <p:tag name="KSO_WM_UNIT_INDEX" val="9"/>
+  <p:tag name="KSO_WM_UNIT_TYPE" val="l_h_f"/>
+  <p:tag name="KSO_WM_UNIT_INDEX" val="1_1_1"/>
+  <p:tag name="KSO_WM_UNIT_ID" val="custom160336_11*l_h_f*1_1_1"/>
+  <p:tag name="KSO_WM_UNIT_CLEAR" val="1"/>
+  <p:tag name="KSO_WM_UNIT_LAYERLEVEL" val="1_1_1"/>
+  <p:tag name="KSO_WM_UNIT_VALUE" val="15"/>
+  <p:tag name="KSO_WM_UNIT_HIGHLIGHT" val="0"/>
+  <p:tag name="KSO_WM_UNIT_COMPATIBLE" val="0"/>
+  <p:tag name="KSO_WM_UNIT_PRESET_TEXT_INDEX" val="4"/>
+  <p:tag name="KSO_WM_UNIT_PRESET_TEXT_LEN" val="26"/>
+  <p:tag name="KSO_WM_DIAGRAM_GROUP_CODE" val="l1-1"/>
+  <p:tag name="KSO_WM_UNIT_TEXT_FILL_FORE_SCHEMECOLOR_INDEX" val="13"/>
+  <p:tag name="KSO_WM_UNIT_TEXT_FILL_TYPE" val="1"/>
+  <p:tag name="KSO_WM_UNIT_USESOURCEFORMAT_APPLY" val="1"/>
 </p:tagLst>
 </file>
 
 <file path=ppt/tags/tag15.xml><?xml version="1.0" encoding="utf-8"?>
 <p:tagLst xmlns:a="http://schemas.openxmlformats.org/drawingml/2006/main" xmlns:r="http://schemas.openxmlformats.org/officeDocument/2006/relationships" xmlns:p="http://schemas.openxmlformats.org/presentationml/2006/main">
-  <p:tag name="KSO_WM_TAG_VERSION" val="1.0"/>
-  <p:tag name="KSO_WM_BEAUTIFY_FLAG" val="#wm#"/>
-  <p:tag name="KSO_WM_UNIT_TYPE" val="i"/>
-  <p:tag name="KSO_WM_UNIT_ID" val="custom160336_28*i*10"/>
   <p:tag name="KSO_WM_TEMPLATE_CATEGORY" val="custom"/>
   <p:tag name="KSO_WM_TEMPLATE_INDEX" val="160336"/>
-  <p:tag name="KSO_WM_UNIT_INDEX" val="10"/>
+  <p:tag name="KSO_WM_TAG_VERSION" val="1.0"/>
+  <p:tag name="KSO_WM_SLIDE_ID" val="custom160336_6"/>
+  <p:tag name="KSO_WM_SLIDE_INDEX" val="6"/>
+  <p:tag name="KSO_WM_SLIDE_ITEM_CNT" val="1"/>
+  <p:tag name="KSO_WM_SLIDE_LAYOUT" val="a_l"/>
+  <p:tag name="KSO_WM_SLIDE_LAYOUT_CNT" val="1_1"/>
+  <p:tag name="KSO_WM_SLIDE_TYPE" val="contents"/>
+  <p:tag name="KSO_WM_BEAUTIFY_FLAG" val="#wm#"/>
+  <p:tag name="KSO_WM_DIAGRAM_GROUP_CODE" val="l1-1"/>
 </p:tagLst>
 </file>
 
@@ -24005,19 +22824,11 @@
 <p:tagLst xmlns:a="http://schemas.openxmlformats.org/drawingml/2006/main" xmlns:r="http://schemas.openxmlformats.org/officeDocument/2006/relationships" xmlns:p="http://schemas.openxmlformats.org/presentationml/2006/main">
   <p:tag name="KSO_WM_TAG_VERSION" val="1.0"/>
   <p:tag name="KSO_WM_BEAUTIFY_FLAG" val="#wm#"/>
+  <p:tag name="KSO_WM_UNIT_TYPE" val="i"/>
+  <p:tag name="KSO_WM_UNIT_ID" val="custom160336_6*i*0"/>
   <p:tag name="KSO_WM_TEMPLATE_CATEGORY" val="custom"/>
   <p:tag name="KSO_WM_TEMPLATE_INDEX" val="160336"/>
-  <p:tag name="KSO_WM_UNIT_TYPE" val="a"/>
-  <p:tag name="KSO_WM_UNIT_INDEX" val="1"/>
-  <p:tag name="KSO_WM_UNIT_ID" val="custom160336_2*a*1"/>
-  <p:tag name="KSO_WM_UNIT_CLEAR" val="1"/>
-  <p:tag name="KSO_WM_UNIT_LAYERLEVEL" val="1"/>
-  <p:tag name="KSO_WM_UNIT_VALUE" val="27"/>
-  <p:tag name="KSO_WM_UNIT_ISCONTENTSTITLE" val="0"/>
-  <p:tag name="KSO_WM_UNIT_HIGHLIGHT" val="0"/>
-  <p:tag name="KSO_WM_UNIT_COMPATIBLE" val="0"/>
-  <p:tag name="KSO_WM_UNIT_PRESET_TEXT_INDEX" val="3"/>
-  <p:tag name="KSO_WM_UNIT_PRESET_TEXT_LEN" val="17"/>
+  <p:tag name="KSO_WM_UNIT_INDEX" val="0"/>
 </p:tagLst>
 </file>
 
@@ -24025,11 +22836,17 @@
 <p:tagLst xmlns:a="http://schemas.openxmlformats.org/drawingml/2006/main" xmlns:r="http://schemas.openxmlformats.org/officeDocument/2006/relationships" xmlns:p="http://schemas.openxmlformats.org/presentationml/2006/main">
   <p:tag name="KSO_WM_TAG_VERSION" val="1.0"/>
   <p:tag name="KSO_WM_BEAUTIFY_FLAG" val="#wm#"/>
-  <p:tag name="KSO_WM_UNIT_TYPE" val="i"/>
-  <p:tag name="KSO_WM_UNIT_ID" val="custom160336_11*i*0"/>
   <p:tag name="KSO_WM_TEMPLATE_CATEGORY" val="custom"/>
   <p:tag name="KSO_WM_TEMPLATE_INDEX" val="160336"/>
-  <p:tag name="KSO_WM_UNIT_INDEX" val="0"/>
+  <p:tag name="KSO_WM_UNIT_TYPE" val="l_i"/>
+  <p:tag name="KSO_WM_UNIT_INDEX" val="1_1"/>
+  <p:tag name="KSO_WM_UNIT_ID" val="custom160336_6*l_i*1_1"/>
+  <p:tag name="KSO_WM_UNIT_CLEAR" val="1"/>
+  <p:tag name="KSO_WM_UNIT_LAYERLEVEL" val="1_1"/>
+  <p:tag name="KSO_WM_DIAGRAM_GROUP_CODE" val="l1-1"/>
+  <p:tag name="KSO_WM_UNIT_FILL_FORE_SCHEMECOLOR_INDEX" val="5"/>
+  <p:tag name="KSO_WM_UNIT_FILL_TYPE" val="1"/>
+  <p:tag name="KSO_WM_UNIT_USESOURCEFORMAT_APPLY" val="1"/>
 </p:tagLst>
 </file>
 
@@ -24037,23 +22854,39 @@
 <p:tagLst xmlns:a="http://schemas.openxmlformats.org/drawingml/2006/main" xmlns:r="http://schemas.openxmlformats.org/officeDocument/2006/relationships" xmlns:p="http://schemas.openxmlformats.org/presentationml/2006/main">
   <p:tag name="KSO_WM_TAG_VERSION" val="1.0"/>
   <p:tag name="KSO_WM_BEAUTIFY_FLAG" val="#wm#"/>
-  <p:tag name="KSO_WM_UNIT_TYPE" val="i"/>
-  <p:tag name="KSO_WM_UNIT_ID" val="custom160336_11*i*5"/>
   <p:tag name="KSO_WM_TEMPLATE_CATEGORY" val="custom"/>
   <p:tag name="KSO_WM_TEMPLATE_INDEX" val="160336"/>
-  <p:tag name="KSO_WM_UNIT_INDEX" val="5"/>
+  <p:tag name="KSO_WM_UNIT_TYPE" val="l_h_f"/>
+  <p:tag name="KSO_WM_UNIT_INDEX" val="1_1_1"/>
+  <p:tag name="KSO_WM_UNIT_ID" val="custom160336_6*l_h_f*1_1_1"/>
+  <p:tag name="KSO_WM_UNIT_CLEAR" val="1"/>
+  <p:tag name="KSO_WM_UNIT_LAYERLEVEL" val="1_1_1"/>
+  <p:tag name="KSO_WM_UNIT_VALUE" val="32"/>
+  <p:tag name="KSO_WM_UNIT_HIGHLIGHT" val="0"/>
+  <p:tag name="KSO_WM_UNIT_COMPATIBLE" val="0"/>
+  <p:tag name="KSO_WM_UNIT_PRESET_TEXT_INDEX" val="4"/>
+  <p:tag name="KSO_WM_UNIT_PRESET_TEXT_LEN" val="26"/>
+  <p:tag name="KSO_WM_DIAGRAM_GROUP_CODE" val="l1-1"/>
+  <p:tag name="KSO_WM_UNIT_TEXT_FILL_FORE_SCHEMECOLOR_INDEX" val="13"/>
+  <p:tag name="KSO_WM_UNIT_TEXT_FILL_TYPE" val="1"/>
+  <p:tag name="KSO_WM_UNIT_USESOURCEFORMAT_APPLY" val="1"/>
 </p:tagLst>
 </file>
 
 <file path=ppt/tags/tag19.xml><?xml version="1.0" encoding="utf-8"?>
 <p:tagLst xmlns:a="http://schemas.openxmlformats.org/drawingml/2006/main" xmlns:r="http://schemas.openxmlformats.org/officeDocument/2006/relationships" xmlns:p="http://schemas.openxmlformats.org/presentationml/2006/main">
-  <p:tag name="KSO_WM_TAG_VERSION" val="1.0"/>
-  <p:tag name="KSO_WM_BEAUTIFY_FLAG" val="#wm#"/>
-  <p:tag name="KSO_WM_UNIT_TYPE" val="i"/>
-  <p:tag name="KSO_WM_UNIT_ID" val="custom160336_11*i*10"/>
   <p:tag name="KSO_WM_TEMPLATE_CATEGORY" val="custom"/>
   <p:tag name="KSO_WM_TEMPLATE_INDEX" val="160336"/>
-  <p:tag name="KSO_WM_UNIT_INDEX" val="10"/>
+  <p:tag name="KSO_WM_TAG_VERSION" val="1.0"/>
+  <p:tag name="KSO_WM_SLIDE_ID" val="custom160336_2"/>
+  <p:tag name="KSO_WM_SLIDE_INDEX" val="2"/>
+  <p:tag name="KSO_WM_SLIDE_ITEM_CNT" val="1"/>
+  <p:tag name="KSO_WM_SLIDE_LAYOUT" val="a_f"/>
+  <p:tag name="KSO_WM_SLIDE_LAYOUT_CNT" val="1_1"/>
+  <p:tag name="KSO_WM_SLIDE_TYPE" val="text"/>
+  <p:tag name="KSO_WM_BEAUTIFY_FLAG" val="#wm#"/>
+  <p:tag name="KSO_WM_SLIDE_POSITION" val="109*173"/>
+  <p:tag name="KSO_WM_SLIDE_SIZE" val="618*244"/>
 </p:tagLst>
 </file>
 
@@ -24085,32 +22918,32 @@
   <p:tag name="KSO_WM_TEMPLATE_INDEX" val="160336"/>
   <p:tag name="KSO_WM_UNIT_TYPE" val="a"/>
   <p:tag name="KSO_WM_UNIT_INDEX" val="1"/>
-  <p:tag name="KSO_WM_UNIT_ID" val="custom160336_11*a*1"/>
+  <p:tag name="KSO_WM_UNIT_ID" val="custom160336_2*a*1"/>
   <p:tag name="KSO_WM_UNIT_CLEAR" val="1"/>
   <p:tag name="KSO_WM_UNIT_LAYERLEVEL" val="1"/>
-  <p:tag name="KSO_WM_UNIT_ISCONTENTSTITLE" val="1"/>
-  <p:tag name="KSO_WM_UNIT_VALUE" val="5"/>
+  <p:tag name="KSO_WM_UNIT_VALUE" val="27"/>
+  <p:tag name="KSO_WM_UNIT_ISCONTENTSTITLE" val="0"/>
   <p:tag name="KSO_WM_UNIT_HIGHLIGHT" val="0"/>
   <p:tag name="KSO_WM_UNIT_COMPATIBLE" val="0"/>
-  <p:tag name="KSO_WM_UNIT_PRESET_TEXT" val="CONTENTS"/>
+  <p:tag name="KSO_WM_UNIT_PRESET_TEXT_INDEX" val="3"/>
+  <p:tag name="KSO_WM_UNIT_PRESET_TEXT_LEN" val="17"/>
 </p:tagLst>
 </file>
 
 <file path=ppt/tags/tag21.xml><?xml version="1.0" encoding="utf-8"?>
 <p:tagLst xmlns:a="http://schemas.openxmlformats.org/drawingml/2006/main" xmlns:r="http://schemas.openxmlformats.org/officeDocument/2006/relationships" xmlns:p="http://schemas.openxmlformats.org/presentationml/2006/main">
-  <p:tag name="KSO_WM_TAG_VERSION" val="1.0"/>
-  <p:tag name="KSO_WM_BEAUTIFY_FLAG" val="#wm#"/>
   <p:tag name="KSO_WM_TEMPLATE_CATEGORY" val="custom"/>
   <p:tag name="KSO_WM_TEMPLATE_INDEX" val="160336"/>
-  <p:tag name="KSO_WM_UNIT_TYPE" val="l_i"/>
-  <p:tag name="KSO_WM_UNIT_INDEX" val="1_3"/>
-  <p:tag name="KSO_WM_UNIT_ID" val="custom160336_11*l_i*1_3"/>
-  <p:tag name="KSO_WM_UNIT_CLEAR" val="1"/>
-  <p:tag name="KSO_WM_UNIT_LAYERLEVEL" val="1_1"/>
-  <p:tag name="KSO_WM_DIAGRAM_GROUP_CODE" val="l1-1"/>
-  <p:tag name="KSO_WM_UNIT_FILL_FORE_SCHEMECOLOR_INDEX" val="5"/>
-  <p:tag name="KSO_WM_UNIT_FILL_TYPE" val="1"/>
-  <p:tag name="KSO_WM_UNIT_USESOURCEFORMAT_APPLY" val="1"/>
+  <p:tag name="KSO_WM_TAG_VERSION" val="1.0"/>
+  <p:tag name="KSO_WM_SLIDE_ID" val="custom160336_2"/>
+  <p:tag name="KSO_WM_SLIDE_INDEX" val="2"/>
+  <p:tag name="KSO_WM_SLIDE_ITEM_CNT" val="1"/>
+  <p:tag name="KSO_WM_SLIDE_LAYOUT" val="a_f"/>
+  <p:tag name="KSO_WM_SLIDE_LAYOUT_CNT" val="1_1"/>
+  <p:tag name="KSO_WM_SLIDE_TYPE" val="text"/>
+  <p:tag name="KSO_WM_BEAUTIFY_FLAG" val="#wm#"/>
+  <p:tag name="KSO_WM_SLIDE_POSITION" val="109*173"/>
+  <p:tag name="KSO_WM_SLIDE_SIZE" val="618*244"/>
 </p:tagLst>
 </file>
 
@@ -24120,43 +22953,33 @@
   <p:tag name="KSO_WM_BEAUTIFY_FLAG" val="#wm#"/>
   <p:tag name="KSO_WM_TEMPLATE_CATEGORY" val="custom"/>
   <p:tag name="KSO_WM_TEMPLATE_INDEX" val="160336"/>
-  <p:tag name="KSO_WM_UNIT_TYPE" val="l_h_f"/>
-  <p:tag name="KSO_WM_UNIT_INDEX" val="1_3_1"/>
-  <p:tag name="KSO_WM_UNIT_ID" val="custom160336_11*l_h_f*1_3_1"/>
+  <p:tag name="KSO_WM_UNIT_TYPE" val="a"/>
+  <p:tag name="KSO_WM_UNIT_INDEX" val="1"/>
+  <p:tag name="KSO_WM_UNIT_ID" val="custom160336_2*a*1"/>
   <p:tag name="KSO_WM_UNIT_CLEAR" val="1"/>
-  <p:tag name="KSO_WM_UNIT_LAYERLEVEL" val="1_1_1"/>
-  <p:tag name="KSO_WM_UNIT_VALUE" val="15"/>
+  <p:tag name="KSO_WM_UNIT_LAYERLEVEL" val="1"/>
+  <p:tag name="KSO_WM_UNIT_VALUE" val="27"/>
+  <p:tag name="KSO_WM_UNIT_ISCONTENTSTITLE" val="0"/>
   <p:tag name="KSO_WM_UNIT_HIGHLIGHT" val="0"/>
   <p:tag name="KSO_WM_UNIT_COMPATIBLE" val="0"/>
-  <p:tag name="KSO_WM_UNIT_PRESET_TEXT_INDEX" val="4"/>
-  <p:tag name="KSO_WM_UNIT_PRESET_TEXT_LEN" val="26"/>
-  <p:tag name="KSO_WM_DIAGRAM_GROUP_CODE" val="l1-1"/>
-  <p:tag name="KSO_WM_UNIT_TEXT_FILL_FORE_SCHEMECOLOR_INDEX" val="13"/>
-  <p:tag name="KSO_WM_UNIT_TEXT_FILL_TYPE" val="1"/>
-  <p:tag name="KSO_WM_UNIT_USESOURCEFORMAT_APPLY" val="1"/>
+  <p:tag name="KSO_WM_UNIT_PRESET_TEXT_INDEX" val="3"/>
+  <p:tag name="KSO_WM_UNIT_PRESET_TEXT_LEN" val="17"/>
 </p:tagLst>
 </file>
 
 <file path=ppt/tags/tag23.xml><?xml version="1.0" encoding="utf-8"?>
 <p:tagLst xmlns:a="http://schemas.openxmlformats.org/drawingml/2006/main" xmlns:r="http://schemas.openxmlformats.org/officeDocument/2006/relationships" xmlns:p="http://schemas.openxmlformats.org/presentationml/2006/main">
-  <p:tag name="KSO_WM_TAG_VERSION" val="1.0"/>
-  <p:tag name="KSO_WM_BEAUTIFY_FLAG" val="#wm#"/>
   <p:tag name="KSO_WM_TEMPLATE_CATEGORY" val="custom"/>
   <p:tag name="KSO_WM_TEMPLATE_INDEX" val="160336"/>
-  <p:tag name="KSO_WM_UNIT_TYPE" val="l_h_f"/>
-  <p:tag name="KSO_WM_UNIT_INDEX" val="1_2_1"/>
-  <p:tag name="KSO_WM_UNIT_ID" val="custom160336_11*l_h_f*1_2_1"/>
-  <p:tag name="KSO_WM_UNIT_CLEAR" val="1"/>
-  <p:tag name="KSO_WM_UNIT_LAYERLEVEL" val="1_1_1"/>
-  <p:tag name="KSO_WM_UNIT_VALUE" val="15"/>
-  <p:tag name="KSO_WM_UNIT_HIGHLIGHT" val="0"/>
-  <p:tag name="KSO_WM_UNIT_COMPATIBLE" val="0"/>
-  <p:tag name="KSO_WM_UNIT_PRESET_TEXT_INDEX" val="4"/>
-  <p:tag name="KSO_WM_UNIT_PRESET_TEXT_LEN" val="26"/>
+  <p:tag name="KSO_WM_TAG_VERSION" val="1.0"/>
+  <p:tag name="KSO_WM_SLIDE_ID" val="custom160336_6"/>
+  <p:tag name="KSO_WM_SLIDE_INDEX" val="6"/>
+  <p:tag name="KSO_WM_SLIDE_ITEM_CNT" val="1"/>
+  <p:tag name="KSO_WM_SLIDE_LAYOUT" val="a_l"/>
+  <p:tag name="KSO_WM_SLIDE_LAYOUT_CNT" val="1_1"/>
+  <p:tag name="KSO_WM_SLIDE_TYPE" val="contents"/>
+  <p:tag name="KSO_WM_BEAUTIFY_FLAG" val="#wm#"/>
   <p:tag name="KSO_WM_DIAGRAM_GROUP_CODE" val="l1-1"/>
-  <p:tag name="KSO_WM_UNIT_TEXT_FILL_FORE_SCHEMECOLOR_INDEX" val="13"/>
-  <p:tag name="KSO_WM_UNIT_TEXT_FILL_TYPE" val="1"/>
-  <p:tag name="KSO_WM_UNIT_USESOURCEFORMAT_APPLY" val="1"/>
 </p:tagLst>
 </file>
 
@@ -24164,17 +22987,11 @@
 <p:tagLst xmlns:a="http://schemas.openxmlformats.org/drawingml/2006/main" xmlns:r="http://schemas.openxmlformats.org/officeDocument/2006/relationships" xmlns:p="http://schemas.openxmlformats.org/presentationml/2006/main">
   <p:tag name="KSO_WM_TAG_VERSION" val="1.0"/>
   <p:tag name="KSO_WM_BEAUTIFY_FLAG" val="#wm#"/>
+  <p:tag name="KSO_WM_UNIT_TYPE" val="i"/>
+  <p:tag name="KSO_WM_UNIT_ID" val="custom160336_6*i*0"/>
   <p:tag name="KSO_WM_TEMPLATE_CATEGORY" val="custom"/>
   <p:tag name="KSO_WM_TEMPLATE_INDEX" val="160336"/>
-  <p:tag name="KSO_WM_UNIT_TYPE" val="l_i"/>
-  <p:tag name="KSO_WM_UNIT_INDEX" val="1_2"/>
-  <p:tag name="KSO_WM_UNIT_ID" val="custom160336_11*l_i*1_2"/>
-  <p:tag name="KSO_WM_UNIT_CLEAR" val="1"/>
-  <p:tag name="KSO_WM_UNIT_LAYERLEVEL" val="1_1"/>
-  <p:tag name="KSO_WM_DIAGRAM_GROUP_CODE" val="l1-1"/>
-  <p:tag name="KSO_WM_UNIT_FILL_FORE_SCHEMECOLOR_INDEX" val="6"/>
-  <p:tag name="KSO_WM_UNIT_FILL_TYPE" val="1"/>
-  <p:tag name="KSO_WM_UNIT_USESOURCEFORMAT_APPLY" val="1"/>
+  <p:tag name="KSO_WM_UNIT_INDEX" val="0"/>
 </p:tagLst>
 </file>
 
@@ -24186,7 +23003,7 @@
   <p:tag name="KSO_WM_TEMPLATE_INDEX" val="160336"/>
   <p:tag name="KSO_WM_UNIT_TYPE" val="l_i"/>
   <p:tag name="KSO_WM_UNIT_INDEX" val="1_1"/>
-  <p:tag name="KSO_WM_UNIT_ID" val="custom160336_11*l_i*1_1"/>
+  <p:tag name="KSO_WM_UNIT_ID" val="custom160336_6*l_i*1_1"/>
   <p:tag name="KSO_WM_UNIT_CLEAR" val="1"/>
   <p:tag name="KSO_WM_UNIT_LAYERLEVEL" val="1_1"/>
   <p:tag name="KSO_WM_DIAGRAM_GROUP_CODE" val="l1-1"/>
@@ -24204,10 +23021,10 @@
   <p:tag name="KSO_WM_TEMPLATE_INDEX" val="160336"/>
   <p:tag name="KSO_WM_UNIT_TYPE" val="l_h_f"/>
   <p:tag name="KSO_WM_UNIT_INDEX" val="1_1_1"/>
-  <p:tag name="KSO_WM_UNIT_ID" val="custom160336_11*l_h_f*1_1_1"/>
+  <p:tag name="KSO_WM_UNIT_ID" val="custom160336_6*l_h_f*1_1_1"/>
   <p:tag name="KSO_WM_UNIT_CLEAR" val="1"/>
   <p:tag name="KSO_WM_UNIT_LAYERLEVEL" val="1_1_1"/>
-  <p:tag name="KSO_WM_UNIT_VALUE" val="15"/>
+  <p:tag name="KSO_WM_UNIT_VALUE" val="32"/>
   <p:tag name="KSO_WM_UNIT_HIGHLIGHT" val="0"/>
   <p:tag name="KSO_WM_UNIT_COMPATIBLE" val="0"/>
   <p:tag name="KSO_WM_UNIT_PRESET_TEXT_INDEX" val="4"/>
@@ -24224,14 +23041,15 @@
   <p:tag name="KSO_WM_TEMPLATE_CATEGORY" val="custom"/>
   <p:tag name="KSO_WM_TEMPLATE_INDEX" val="160336"/>
   <p:tag name="KSO_WM_TAG_VERSION" val="1.0"/>
-  <p:tag name="KSO_WM_SLIDE_ID" val="custom160336_6"/>
-  <p:tag name="KSO_WM_SLIDE_INDEX" val="6"/>
+  <p:tag name="KSO_WM_SLIDE_ID" val="custom160336_2"/>
+  <p:tag name="KSO_WM_SLIDE_INDEX" val="2"/>
   <p:tag name="KSO_WM_SLIDE_ITEM_CNT" val="1"/>
-  <p:tag name="KSO_WM_SLIDE_LAYOUT" val="a_l"/>
+  <p:tag name="KSO_WM_SLIDE_LAYOUT" val="a_f"/>
   <p:tag name="KSO_WM_SLIDE_LAYOUT_CNT" val="1_1"/>
-  <p:tag name="KSO_WM_SLIDE_TYPE" val="contents"/>
+  <p:tag name="KSO_WM_SLIDE_TYPE" val="text"/>
   <p:tag name="KSO_WM_BEAUTIFY_FLAG" val="#wm#"/>
-  <p:tag name="KSO_WM_DIAGRAM_GROUP_CODE" val="l1-1"/>
+  <p:tag name="KSO_WM_SLIDE_POSITION" val="109*173"/>
+  <p:tag name="KSO_WM_SLIDE_SIZE" val="618*244"/>
 </p:tagLst>
 </file>
 
@@ -24239,29 +23057,36 @@
 <p:tagLst xmlns:a="http://schemas.openxmlformats.org/drawingml/2006/main" xmlns:r="http://schemas.openxmlformats.org/officeDocument/2006/relationships" xmlns:p="http://schemas.openxmlformats.org/presentationml/2006/main">
   <p:tag name="KSO_WM_TAG_VERSION" val="1.0"/>
   <p:tag name="KSO_WM_BEAUTIFY_FLAG" val="#wm#"/>
-  <p:tag name="KSO_WM_UNIT_TYPE" val="i"/>
-  <p:tag name="KSO_WM_UNIT_ID" val="custom160336_6*i*0"/>
   <p:tag name="KSO_WM_TEMPLATE_CATEGORY" val="custom"/>
   <p:tag name="KSO_WM_TEMPLATE_INDEX" val="160336"/>
-  <p:tag name="KSO_WM_UNIT_INDEX" val="0"/>
+  <p:tag name="KSO_WM_UNIT_TYPE" val="a"/>
+  <p:tag name="KSO_WM_UNIT_INDEX" val="1"/>
+  <p:tag name="KSO_WM_UNIT_ID" val="custom160336_2*a*1"/>
+  <p:tag name="KSO_WM_UNIT_CLEAR" val="1"/>
+  <p:tag name="KSO_WM_UNIT_LAYERLEVEL" val="1"/>
+  <p:tag name="KSO_WM_UNIT_VALUE" val="27"/>
+  <p:tag name="KSO_WM_UNIT_ISCONTENTSTITLE" val="0"/>
+  <p:tag name="KSO_WM_UNIT_HIGHLIGHT" val="0"/>
+  <p:tag name="KSO_WM_UNIT_COMPATIBLE" val="0"/>
+  <p:tag name="KSO_WM_UNIT_PRESET_TEXT_INDEX" val="3"/>
+  <p:tag name="KSO_WM_UNIT_PRESET_TEXT_LEN" val="17"/>
 </p:tagLst>
 </file>
 
 <file path=ppt/tags/tag29.xml><?xml version="1.0" encoding="utf-8"?>
 <p:tagLst xmlns:a="http://schemas.openxmlformats.org/drawingml/2006/main" xmlns:r="http://schemas.openxmlformats.org/officeDocument/2006/relationships" xmlns:p="http://schemas.openxmlformats.org/presentationml/2006/main">
-  <p:tag name="KSO_WM_TAG_VERSION" val="1.0"/>
-  <p:tag name="KSO_WM_BEAUTIFY_FLAG" val="#wm#"/>
   <p:tag name="KSO_WM_TEMPLATE_CATEGORY" val="custom"/>
   <p:tag name="KSO_WM_TEMPLATE_INDEX" val="160336"/>
-  <p:tag name="KSO_WM_UNIT_TYPE" val="l_i"/>
-  <p:tag name="KSO_WM_UNIT_INDEX" val="1_1"/>
-  <p:tag name="KSO_WM_UNIT_ID" val="custom160336_6*l_i*1_1"/>
-  <p:tag name="KSO_WM_UNIT_CLEAR" val="1"/>
-  <p:tag name="KSO_WM_UNIT_LAYERLEVEL" val="1_1"/>
-  <p:tag name="KSO_WM_DIAGRAM_GROUP_CODE" val="l1-1"/>
-  <p:tag name="KSO_WM_UNIT_FILL_FORE_SCHEMECOLOR_INDEX" val="5"/>
-  <p:tag name="KSO_WM_UNIT_FILL_TYPE" val="1"/>
-  <p:tag name="KSO_WM_UNIT_USESOURCEFORMAT_APPLY" val="1"/>
+  <p:tag name="KSO_WM_TAG_VERSION" val="1.0"/>
+  <p:tag name="KSO_WM_SLIDE_ID" val="custom160336_2"/>
+  <p:tag name="KSO_WM_SLIDE_INDEX" val="2"/>
+  <p:tag name="KSO_WM_SLIDE_ITEM_CNT" val="1"/>
+  <p:tag name="KSO_WM_SLIDE_LAYOUT" val="a_f"/>
+  <p:tag name="KSO_WM_SLIDE_LAYOUT_CNT" val="1_1"/>
+  <p:tag name="KSO_WM_SLIDE_TYPE" val="text"/>
+  <p:tag name="KSO_WM_BEAUTIFY_FLAG" val="#wm#"/>
+  <p:tag name="KSO_WM_SLIDE_POSITION" val="109*173"/>
+  <p:tag name="KSO_WM_SLIDE_SIZE" val="618*244"/>
 </p:tagLst>
 </file>
 
@@ -24291,46 +23116,6 @@
   <p:tag name="KSO_WM_BEAUTIFY_FLAG" val="#wm#"/>
   <p:tag name="KSO_WM_TEMPLATE_CATEGORY" val="custom"/>
   <p:tag name="KSO_WM_TEMPLATE_INDEX" val="160336"/>
-  <p:tag name="KSO_WM_UNIT_TYPE" val="l_h_f"/>
-  <p:tag name="KSO_WM_UNIT_INDEX" val="1_1_1"/>
-  <p:tag name="KSO_WM_UNIT_ID" val="custom160336_6*l_h_f*1_1_1"/>
-  <p:tag name="KSO_WM_UNIT_CLEAR" val="1"/>
-  <p:tag name="KSO_WM_UNIT_LAYERLEVEL" val="1_1_1"/>
-  <p:tag name="KSO_WM_UNIT_VALUE" val="32"/>
-  <p:tag name="KSO_WM_UNIT_HIGHLIGHT" val="0"/>
-  <p:tag name="KSO_WM_UNIT_COMPATIBLE" val="0"/>
-  <p:tag name="KSO_WM_UNIT_PRESET_TEXT_INDEX" val="4"/>
-  <p:tag name="KSO_WM_UNIT_PRESET_TEXT_LEN" val="26"/>
-  <p:tag name="KSO_WM_DIAGRAM_GROUP_CODE" val="l1-1"/>
-  <p:tag name="KSO_WM_UNIT_TEXT_FILL_FORE_SCHEMECOLOR_INDEX" val="13"/>
-  <p:tag name="KSO_WM_UNIT_TEXT_FILL_TYPE" val="1"/>
-  <p:tag name="KSO_WM_UNIT_USESOURCEFORMAT_APPLY" val="1"/>
-</p:tagLst>
-</file>
-
-<file path=ppt/tags/tag31.xml><?xml version="1.0" encoding="utf-8"?>
-<p:tagLst xmlns:a="http://schemas.openxmlformats.org/drawingml/2006/main" xmlns:r="http://schemas.openxmlformats.org/officeDocument/2006/relationships" xmlns:p="http://schemas.openxmlformats.org/presentationml/2006/main">
-  <p:tag name="KSO_WM_TEMPLATE_CATEGORY" val="custom"/>
-  <p:tag name="KSO_WM_TEMPLATE_INDEX" val="160336"/>
-  <p:tag name="KSO_WM_TAG_VERSION" val="1.0"/>
-  <p:tag name="KSO_WM_SLIDE_ID" val="custom160336_2"/>
-  <p:tag name="KSO_WM_SLIDE_INDEX" val="2"/>
-  <p:tag name="KSO_WM_SLIDE_ITEM_CNT" val="1"/>
-  <p:tag name="KSO_WM_SLIDE_LAYOUT" val="a_f"/>
-  <p:tag name="KSO_WM_SLIDE_LAYOUT_CNT" val="1_1"/>
-  <p:tag name="KSO_WM_SLIDE_TYPE" val="text"/>
-  <p:tag name="KSO_WM_BEAUTIFY_FLAG" val="#wm#"/>
-  <p:tag name="KSO_WM_SLIDE_POSITION" val="109*173"/>
-  <p:tag name="KSO_WM_SLIDE_SIZE" val="618*244"/>
-</p:tagLst>
-</file>
-
-<file path=ppt/tags/tag32.xml><?xml version="1.0" encoding="utf-8"?>
-<p:tagLst xmlns:a="http://schemas.openxmlformats.org/drawingml/2006/main" xmlns:r="http://schemas.openxmlformats.org/officeDocument/2006/relationships" xmlns:p="http://schemas.openxmlformats.org/presentationml/2006/main">
-  <p:tag name="KSO_WM_TAG_VERSION" val="1.0"/>
-  <p:tag name="KSO_WM_BEAUTIFY_FLAG" val="#wm#"/>
-  <p:tag name="KSO_WM_TEMPLATE_CATEGORY" val="custom"/>
-  <p:tag name="KSO_WM_TEMPLATE_INDEX" val="160336"/>
   <p:tag name="KSO_WM_UNIT_TYPE" val="a"/>
   <p:tag name="KSO_WM_UNIT_INDEX" val="1"/>
   <p:tag name="KSO_WM_UNIT_ID" val="custom160336_2*a*1"/>
@@ -24345,44 +23130,7 @@
 </p:tagLst>
 </file>
 
-<file path=ppt/tags/tag33.xml><?xml version="1.0" encoding="utf-8"?>
-<p:tagLst xmlns:a="http://schemas.openxmlformats.org/drawingml/2006/main" xmlns:r="http://schemas.openxmlformats.org/officeDocument/2006/relationships" xmlns:p="http://schemas.openxmlformats.org/presentationml/2006/main">
-  <p:tag name="KSO_WM_TEMPLATE_CATEGORY" val="custom"/>
-  <p:tag name="KSO_WM_TEMPLATE_INDEX" val="160336"/>
-  <p:tag name="KSO_WM_TAG_VERSION" val="1.0"/>
-  <p:tag name="KSO_WM_SLIDE_ID" val="custom160336_2"/>
-  <p:tag name="KSO_WM_SLIDE_INDEX" val="2"/>
-  <p:tag name="KSO_WM_SLIDE_ITEM_CNT" val="1"/>
-  <p:tag name="KSO_WM_SLIDE_LAYOUT" val="a_f"/>
-  <p:tag name="KSO_WM_SLIDE_LAYOUT_CNT" val="1_1"/>
-  <p:tag name="KSO_WM_SLIDE_TYPE" val="text"/>
-  <p:tag name="KSO_WM_BEAUTIFY_FLAG" val="#wm#"/>
-  <p:tag name="KSO_WM_SLIDE_POSITION" val="109*173"/>
-  <p:tag name="KSO_WM_SLIDE_SIZE" val="618*244"/>
-</p:tagLst>
-</file>
-
-<file path=ppt/tags/tag34.xml><?xml version="1.0" encoding="utf-8"?>
-<p:tagLst xmlns:a="http://schemas.openxmlformats.org/drawingml/2006/main" xmlns:r="http://schemas.openxmlformats.org/officeDocument/2006/relationships" xmlns:p="http://schemas.openxmlformats.org/presentationml/2006/main">
-  <p:tag name="KSO_WM_TAG_VERSION" val="1.0"/>
-  <p:tag name="KSO_WM_BEAUTIFY_FLAG" val="#wm#"/>
-  <p:tag name="KSO_WM_TEMPLATE_CATEGORY" val="custom"/>
-  <p:tag name="KSO_WM_TEMPLATE_INDEX" val="160336"/>
-  <p:tag name="KSO_WM_UNIT_TYPE" val="a"/>
-  <p:tag name="KSO_WM_UNIT_INDEX" val="1"/>
-  <p:tag name="KSO_WM_UNIT_ID" val="custom160336_2*a*1"/>
-  <p:tag name="KSO_WM_UNIT_CLEAR" val="1"/>
-  <p:tag name="KSO_WM_UNIT_LAYERLEVEL" val="1"/>
-  <p:tag name="KSO_WM_UNIT_VALUE" val="27"/>
-  <p:tag name="KSO_WM_UNIT_ISCONTENTSTITLE" val="0"/>
-  <p:tag name="KSO_WM_UNIT_HIGHLIGHT" val="0"/>
-  <p:tag name="KSO_WM_UNIT_COMPATIBLE" val="0"/>
-  <p:tag name="KSO_WM_UNIT_PRESET_TEXT_INDEX" val="3"/>
-  <p:tag name="KSO_WM_UNIT_PRESET_TEXT_LEN" val="17"/>
-</p:tagLst>
-</file>
-
-<file path=ppt/tags/tag35.xml><?xml version="1.0" encoding="utf-8"?>
+<file path=ppt/tags/tag31.xml><?xml version="1.0" encoding="utf-8"?>
 <p:tagLst xmlns:a="http://schemas.openxmlformats.org/drawingml/2006/main" xmlns:r="http://schemas.openxmlformats.org/officeDocument/2006/relationships" xmlns:p="http://schemas.openxmlformats.org/presentationml/2006/main">
   <p:tag name="KSO_WM_TEMPLATE_CATEGORY" val="custom"/>
   <p:tag name="KSO_WM_TEMPLATE_INDEX" val="160336"/>
@@ -24398,7 +23146,7 @@
 </p:tagLst>
 </file>
 
-<file path=ppt/tags/tag36.xml><?xml version="1.0" encoding="utf-8"?>
+<file path=ppt/tags/tag32.xml><?xml version="1.0" encoding="utf-8"?>
 <p:tagLst xmlns:a="http://schemas.openxmlformats.org/drawingml/2006/main" xmlns:r="http://schemas.openxmlformats.org/officeDocument/2006/relationships" xmlns:p="http://schemas.openxmlformats.org/presentationml/2006/main">
   <p:tag name="KSO_WM_TAG_VERSION" val="1.0"/>
   <p:tag name="KSO_WM_BEAUTIFY_FLAG" val="#wm#"/>
@@ -24410,7 +23158,7 @@
 </p:tagLst>
 </file>
 
-<file path=ppt/tags/tag37.xml><?xml version="1.0" encoding="utf-8"?>
+<file path=ppt/tags/tag33.xml><?xml version="1.0" encoding="utf-8"?>
 <p:tagLst xmlns:a="http://schemas.openxmlformats.org/drawingml/2006/main" xmlns:r="http://schemas.openxmlformats.org/officeDocument/2006/relationships" xmlns:p="http://schemas.openxmlformats.org/presentationml/2006/main">
   <p:tag name="KSO_WM_TAG_VERSION" val="1.0"/>
   <p:tag name="KSO_WM_BEAUTIFY_FLAG" val="#wm#"/>
@@ -24428,7 +23176,7 @@
 </p:tagLst>
 </file>
 
-<file path=ppt/tags/tag38.xml><?xml version="1.0" encoding="utf-8"?>
+<file path=ppt/tags/tag34.xml><?xml version="1.0" encoding="utf-8"?>
 <p:tagLst xmlns:a="http://schemas.openxmlformats.org/drawingml/2006/main" xmlns:r="http://schemas.openxmlformats.org/officeDocument/2006/relationships" xmlns:p="http://schemas.openxmlformats.org/presentationml/2006/main">
   <p:tag name="KSO_WM_TAG_VERSION" val="1.0"/>
   <p:tag name="KSO_WM_BEAUTIFY_FLAG" val="#wm#"/>
@@ -24451,7 +23199,7 @@
 </p:tagLst>
 </file>
 
-<file path=ppt/tags/tag39.xml><?xml version="1.0" encoding="utf-8"?>
+<file path=ppt/tags/tag35.xml><?xml version="1.0" encoding="utf-8"?>
 <p:tagLst xmlns:a="http://schemas.openxmlformats.org/drawingml/2006/main" xmlns:r="http://schemas.openxmlformats.org/officeDocument/2006/relationships" xmlns:p="http://schemas.openxmlformats.org/presentationml/2006/main">
   <p:tag name="KSO_WM_TEMPLATE_CATEGORY" val="custom"/>
   <p:tag name="KSO_WM_TEMPLATE_INDEX" val="160336"/>
@@ -24468,24 +23216,7 @@
 </p:tagLst>
 </file>
 
-<file path=ppt/tags/tag4.xml><?xml version="1.0" encoding="utf-8"?>
-<p:tagLst xmlns:a="http://schemas.openxmlformats.org/drawingml/2006/main" xmlns:r="http://schemas.openxmlformats.org/officeDocument/2006/relationships" xmlns:p="http://schemas.openxmlformats.org/presentationml/2006/main">
-  <p:tag name="KSO_WM_TEMPLATE_CATEGORY" val="custom"/>
-  <p:tag name="KSO_WM_TEMPLATE_INDEX" val="160336"/>
-  <p:tag name="KSO_WM_TAG_VERSION" val="1.0"/>
-  <p:tag name="KSO_WM_SLIDE_ID" val="custom160336_28"/>
-  <p:tag name="KSO_WM_SLIDE_INDEX" val="28"/>
-  <p:tag name="KSO_WM_SLIDE_ITEM_CNT" val="2"/>
-  <p:tag name="KSO_WM_SLIDE_LAYOUT" val="a_f"/>
-  <p:tag name="KSO_WM_SLIDE_LAYOUT_CNT" val="1_2"/>
-  <p:tag name="KSO_WM_SLIDE_TYPE" val="text"/>
-  <p:tag name="KSO_WM_BEAUTIFY_FLAG" val="#wm#"/>
-  <p:tag name="KSO_WM_SLIDE_POSITION" val="94*166"/>
-  <p:tag name="KSO_WM_SLIDE_SIZE" val="677*244"/>
-</p:tagLst>
-</file>
-
-<file path=ppt/tags/tag40.xml><?xml version="1.0" encoding="utf-8"?>
+<file path=ppt/tags/tag36.xml><?xml version="1.0" encoding="utf-8"?>
 <p:tagLst xmlns:a="http://schemas.openxmlformats.org/drawingml/2006/main" xmlns:r="http://schemas.openxmlformats.org/officeDocument/2006/relationships" xmlns:p="http://schemas.openxmlformats.org/presentationml/2006/main">
   <p:tag name="KSO_WM_TAG_VERSION" val="1.0"/>
   <p:tag name="KSO_WM_BEAUTIFY_FLAG" val="#wm#"/>
@@ -24505,7 +23236,7 @@
 </p:tagLst>
 </file>
 
-<file path=ppt/tags/tag41.xml><?xml version="1.0" encoding="utf-8"?>
+<file path=ppt/tags/tag37.xml><?xml version="1.0" encoding="utf-8"?>
 <p:tagLst xmlns:a="http://schemas.openxmlformats.org/drawingml/2006/main" xmlns:r="http://schemas.openxmlformats.org/officeDocument/2006/relationships" xmlns:p="http://schemas.openxmlformats.org/presentationml/2006/main">
   <p:tag name="KSO_WM_TEMPLATE_CATEGORY" val="custom"/>
   <p:tag name="KSO_WM_TEMPLATE_INDEX" val="160336"/>
@@ -24522,7 +23253,7 @@
 </p:tagLst>
 </file>
 
-<file path=ppt/tags/tag42.xml><?xml version="1.0" encoding="utf-8"?>
+<file path=ppt/tags/tag38.xml><?xml version="1.0" encoding="utf-8"?>
 <p:tagLst xmlns:a="http://schemas.openxmlformats.org/drawingml/2006/main" xmlns:r="http://schemas.openxmlformats.org/officeDocument/2006/relationships" xmlns:p="http://schemas.openxmlformats.org/presentationml/2006/main">
   <p:tag name="KSO_WM_TAG_VERSION" val="1.0"/>
   <p:tag name="KSO_WM_BEAUTIFY_FLAG" val="#wm#"/>
@@ -24542,93 +23273,25 @@
 </p:tagLst>
 </file>
 
-<file path=ppt/tags/tag43.xml><?xml version="1.0" encoding="utf-8"?>
+<file path=ppt/tags/tag39.xml><?xml version="1.0" encoding="utf-8"?>
 <p:tagLst xmlns:a="http://schemas.openxmlformats.org/drawingml/2006/main" xmlns:r="http://schemas.openxmlformats.org/officeDocument/2006/relationships" xmlns:p="http://schemas.openxmlformats.org/presentationml/2006/main">
   <p:tag name="KSO_WM_TEMPLATE_CATEGORY" val="custom"/>
   <p:tag name="KSO_WM_TEMPLATE_INDEX" val="160336"/>
   <p:tag name="KSO_WM_TAG_VERSION" val="1.0"/>
-  <p:tag name="KSO_WM_SLIDE_ID" val="custom160336_6"/>
-  <p:tag name="KSO_WM_SLIDE_INDEX" val="6"/>
-  <p:tag name="KSO_WM_SLIDE_ITEM_CNT" val="1"/>
-  <p:tag name="KSO_WM_SLIDE_LAYOUT" val="a_l"/>
-  <p:tag name="KSO_WM_SLIDE_LAYOUT_CNT" val="1_1"/>
-  <p:tag name="KSO_WM_SLIDE_TYPE" val="contents"/>
+  <p:tag name="KSO_WM_SLIDE_ID" val="custom160336_13"/>
+  <p:tag name="KSO_WM_SLIDE_INDEX" val="13"/>
+  <p:tag name="KSO_WM_SLIDE_ITEM_CNT" val="2"/>
+  <p:tag name="KSO_WM_SLIDE_LAYOUT" val="a_l_f"/>
+  <p:tag name="KSO_WM_SLIDE_LAYOUT_CNT" val="1_1_1"/>
+  <p:tag name="KSO_WM_SLIDE_TYPE" val="text"/>
   <p:tag name="KSO_WM_BEAUTIFY_FLAG" val="#wm#"/>
-  <p:tag name="KSO_WM_DIAGRAM_GROUP_CODE" val="l1-1"/>
+  <p:tag name="KSO_WM_SLIDE_POSITION" val="101*174"/>
+  <p:tag name="KSO_WM_SLIDE_SIZE" val="660*244"/>
+  <p:tag name="KSO_WM_DIAGRAM_GROUP_CODE" val="l1-2"/>
 </p:tagLst>
 </file>
 
-<file path=ppt/tags/tag44.xml><?xml version="1.0" encoding="utf-8"?>
-<p:tagLst xmlns:a="http://schemas.openxmlformats.org/drawingml/2006/main" xmlns:r="http://schemas.openxmlformats.org/officeDocument/2006/relationships" xmlns:p="http://schemas.openxmlformats.org/presentationml/2006/main">
-  <p:tag name="KSO_WM_TAG_VERSION" val="1.0"/>
-  <p:tag name="KSO_WM_BEAUTIFY_FLAG" val="#wm#"/>
-  <p:tag name="KSO_WM_UNIT_TYPE" val="i"/>
-  <p:tag name="KSO_WM_UNIT_ID" val="custom160336_6*i*0"/>
-  <p:tag name="KSO_WM_TEMPLATE_CATEGORY" val="custom"/>
-  <p:tag name="KSO_WM_TEMPLATE_INDEX" val="160336"/>
-  <p:tag name="KSO_WM_UNIT_INDEX" val="0"/>
-</p:tagLst>
-</file>
-
-<file path=ppt/tags/tag45.xml><?xml version="1.0" encoding="utf-8"?>
-<p:tagLst xmlns:a="http://schemas.openxmlformats.org/drawingml/2006/main" xmlns:r="http://schemas.openxmlformats.org/officeDocument/2006/relationships" xmlns:p="http://schemas.openxmlformats.org/presentationml/2006/main">
-  <p:tag name="KSO_WM_TAG_VERSION" val="1.0"/>
-  <p:tag name="KSO_WM_BEAUTIFY_FLAG" val="#wm#"/>
-  <p:tag name="KSO_WM_TEMPLATE_CATEGORY" val="custom"/>
-  <p:tag name="KSO_WM_TEMPLATE_INDEX" val="160336"/>
-  <p:tag name="KSO_WM_UNIT_TYPE" val="l_i"/>
-  <p:tag name="KSO_WM_UNIT_INDEX" val="1_1"/>
-  <p:tag name="KSO_WM_UNIT_ID" val="custom160336_6*l_i*1_1"/>
-  <p:tag name="KSO_WM_UNIT_CLEAR" val="1"/>
-  <p:tag name="KSO_WM_UNIT_LAYERLEVEL" val="1_1"/>
-  <p:tag name="KSO_WM_DIAGRAM_GROUP_CODE" val="l1-1"/>
-  <p:tag name="KSO_WM_UNIT_FILL_FORE_SCHEMECOLOR_INDEX" val="5"/>
-  <p:tag name="KSO_WM_UNIT_FILL_TYPE" val="1"/>
-  <p:tag name="KSO_WM_UNIT_USESOURCEFORMAT_APPLY" val="1"/>
-</p:tagLst>
-</file>
-
-<file path=ppt/tags/tag46.xml><?xml version="1.0" encoding="utf-8"?>
-<p:tagLst xmlns:a="http://schemas.openxmlformats.org/drawingml/2006/main" xmlns:r="http://schemas.openxmlformats.org/officeDocument/2006/relationships" xmlns:p="http://schemas.openxmlformats.org/presentationml/2006/main">
-  <p:tag name="KSO_WM_TAG_VERSION" val="1.0"/>
-  <p:tag name="KSO_WM_BEAUTIFY_FLAG" val="#wm#"/>
-  <p:tag name="KSO_WM_TEMPLATE_CATEGORY" val="custom"/>
-  <p:tag name="KSO_WM_TEMPLATE_INDEX" val="160336"/>
-  <p:tag name="KSO_WM_UNIT_TYPE" val="l_h_f"/>
-  <p:tag name="KSO_WM_UNIT_INDEX" val="1_1_1"/>
-  <p:tag name="KSO_WM_UNIT_ID" val="custom160336_6*l_h_f*1_1_1"/>
-  <p:tag name="KSO_WM_UNIT_CLEAR" val="1"/>
-  <p:tag name="KSO_WM_UNIT_LAYERLEVEL" val="1_1_1"/>
-  <p:tag name="KSO_WM_UNIT_VALUE" val="32"/>
-  <p:tag name="KSO_WM_UNIT_HIGHLIGHT" val="0"/>
-  <p:tag name="KSO_WM_UNIT_COMPATIBLE" val="0"/>
-  <p:tag name="KSO_WM_UNIT_PRESET_TEXT_INDEX" val="4"/>
-  <p:tag name="KSO_WM_UNIT_PRESET_TEXT_LEN" val="26"/>
-  <p:tag name="KSO_WM_DIAGRAM_GROUP_CODE" val="l1-1"/>
-  <p:tag name="KSO_WM_UNIT_TEXT_FILL_FORE_SCHEMECOLOR_INDEX" val="13"/>
-  <p:tag name="KSO_WM_UNIT_TEXT_FILL_TYPE" val="1"/>
-  <p:tag name="KSO_WM_UNIT_USESOURCEFORMAT_APPLY" val="1"/>
-</p:tagLst>
-</file>
-
-<file path=ppt/tags/tag47.xml><?xml version="1.0" encoding="utf-8"?>
-<p:tagLst xmlns:a="http://schemas.openxmlformats.org/drawingml/2006/main" xmlns:r="http://schemas.openxmlformats.org/officeDocument/2006/relationships" xmlns:p="http://schemas.openxmlformats.org/presentationml/2006/main">
-  <p:tag name="KSO_WM_TEMPLATE_CATEGORY" val="custom"/>
-  <p:tag name="KSO_WM_TEMPLATE_INDEX" val="160336"/>
-  <p:tag name="KSO_WM_TAG_VERSION" val="1.0"/>
-  <p:tag name="KSO_WM_SLIDE_ID" val="custom160336_2"/>
-  <p:tag name="KSO_WM_SLIDE_INDEX" val="2"/>
-  <p:tag name="KSO_WM_SLIDE_ITEM_CNT" val="1"/>
-  <p:tag name="KSO_WM_SLIDE_LAYOUT" val="a_f"/>
-  <p:tag name="KSO_WM_SLIDE_LAYOUT_CNT" val="1_1"/>
-  <p:tag name="KSO_WM_SLIDE_TYPE" val="text"/>
-  <p:tag name="KSO_WM_BEAUTIFY_FLAG" val="#wm#"/>
-  <p:tag name="KSO_WM_SLIDE_POSITION" val="109*173"/>
-  <p:tag name="KSO_WM_SLIDE_SIZE" val="618*244"/>
-</p:tagLst>
-</file>
-
-<file path=ppt/tags/tag48.xml><?xml version="1.0" encoding="utf-8"?>
+<file path=ppt/tags/tag4.xml><?xml version="1.0" encoding="utf-8"?>
 <p:tagLst xmlns:a="http://schemas.openxmlformats.org/drawingml/2006/main" xmlns:r="http://schemas.openxmlformats.org/officeDocument/2006/relationships" xmlns:p="http://schemas.openxmlformats.org/presentationml/2006/main">
   <p:tag name="KSO_WM_TAG_VERSION" val="1.0"/>
   <p:tag name="KSO_WM_BEAUTIFY_FLAG" val="#wm#"/>
@@ -24648,74 +23311,7 @@
 </p:tagLst>
 </file>
 
-<file path=ppt/tags/tag49.xml><?xml version="1.0" encoding="utf-8"?>
-<p:tagLst xmlns:a="http://schemas.openxmlformats.org/drawingml/2006/main" xmlns:r="http://schemas.openxmlformats.org/officeDocument/2006/relationships" xmlns:p="http://schemas.openxmlformats.org/presentationml/2006/main">
-  <p:tag name="KSO_WM_TEMPLATE_CATEGORY" val="custom"/>
-  <p:tag name="KSO_WM_TEMPLATE_INDEX" val="160336"/>
-  <p:tag name="KSO_WM_TAG_VERSION" val="1.0"/>
-  <p:tag name="KSO_WM_SLIDE_ID" val="custom160336_2"/>
-  <p:tag name="KSO_WM_SLIDE_INDEX" val="2"/>
-  <p:tag name="KSO_WM_SLIDE_ITEM_CNT" val="1"/>
-  <p:tag name="KSO_WM_SLIDE_LAYOUT" val="a_f"/>
-  <p:tag name="KSO_WM_SLIDE_LAYOUT_CNT" val="1_1"/>
-  <p:tag name="KSO_WM_SLIDE_TYPE" val="text"/>
-  <p:tag name="KSO_WM_BEAUTIFY_FLAG" val="#wm#"/>
-  <p:tag name="KSO_WM_SLIDE_POSITION" val="109*173"/>
-  <p:tag name="KSO_WM_SLIDE_SIZE" val="618*244"/>
-</p:tagLst>
-</file>
-
-<file path=ppt/tags/tag5.xml><?xml version="1.0" encoding="utf-8"?>
-<p:tagLst xmlns:a="http://schemas.openxmlformats.org/drawingml/2006/main" xmlns:r="http://schemas.openxmlformats.org/officeDocument/2006/relationships" xmlns:p="http://schemas.openxmlformats.org/presentationml/2006/main">
-  <p:tag name="KSO_WM_TAG_VERSION" val="1.0"/>
-  <p:tag name="KSO_WM_BEAUTIFY_FLAG" val="#wm#"/>
-  <p:tag name="KSO_WM_UNIT_TYPE" val="i"/>
-  <p:tag name="KSO_WM_UNIT_ID" val="custom160336_28*i*0"/>
-  <p:tag name="KSO_WM_TEMPLATE_CATEGORY" val="custom"/>
-  <p:tag name="KSO_WM_TEMPLATE_INDEX" val="160336"/>
-  <p:tag name="KSO_WM_UNIT_INDEX" val="0"/>
-</p:tagLst>
-</file>
-
-<file path=ppt/tags/tag50.xml><?xml version="1.0" encoding="utf-8"?>
-<p:tagLst xmlns:a="http://schemas.openxmlformats.org/drawingml/2006/main" xmlns:r="http://schemas.openxmlformats.org/officeDocument/2006/relationships" xmlns:p="http://schemas.openxmlformats.org/presentationml/2006/main">
-  <p:tag name="KSO_WM_TAG_VERSION" val="1.0"/>
-  <p:tag name="KSO_WM_BEAUTIFY_FLAG" val="#wm#"/>
-  <p:tag name="KSO_WM_TEMPLATE_CATEGORY" val="custom"/>
-  <p:tag name="KSO_WM_TEMPLATE_INDEX" val="160336"/>
-  <p:tag name="KSO_WM_UNIT_TYPE" val="a"/>
-  <p:tag name="KSO_WM_UNIT_INDEX" val="1"/>
-  <p:tag name="KSO_WM_UNIT_ID" val="custom160336_2*a*1"/>
-  <p:tag name="KSO_WM_UNIT_CLEAR" val="1"/>
-  <p:tag name="KSO_WM_UNIT_LAYERLEVEL" val="1"/>
-  <p:tag name="KSO_WM_UNIT_VALUE" val="27"/>
-  <p:tag name="KSO_WM_UNIT_ISCONTENTSTITLE" val="0"/>
-  <p:tag name="KSO_WM_UNIT_HIGHLIGHT" val="0"/>
-  <p:tag name="KSO_WM_UNIT_COMPATIBLE" val="0"/>
-  <p:tag name="KSO_WM_UNIT_PRESET_TEXT_INDEX" val="3"/>
-  <p:tag name="KSO_WM_UNIT_PRESET_TEXT_LEN" val="17"/>
-</p:tagLst>
-</file>
-
-<file path=ppt/tags/tag51.xml><?xml version="1.0" encoding="utf-8"?>
-<p:tagLst xmlns:a="http://schemas.openxmlformats.org/drawingml/2006/main" xmlns:r="http://schemas.openxmlformats.org/officeDocument/2006/relationships" xmlns:p="http://schemas.openxmlformats.org/presentationml/2006/main">
-  <p:tag name="KSO_WM_TEMPLATE_CATEGORY" val="custom"/>
-  <p:tag name="KSO_WM_TEMPLATE_INDEX" val="160336"/>
-  <p:tag name="KSO_WM_TAG_VERSION" val="1.0"/>
-  <p:tag name="KSO_WM_SLIDE_ID" val="custom160336_13"/>
-  <p:tag name="KSO_WM_SLIDE_INDEX" val="13"/>
-  <p:tag name="KSO_WM_SLIDE_ITEM_CNT" val="2"/>
-  <p:tag name="KSO_WM_SLIDE_LAYOUT" val="a_l_f"/>
-  <p:tag name="KSO_WM_SLIDE_LAYOUT_CNT" val="1_1_1"/>
-  <p:tag name="KSO_WM_SLIDE_TYPE" val="text"/>
-  <p:tag name="KSO_WM_BEAUTIFY_FLAG" val="#wm#"/>
-  <p:tag name="KSO_WM_SLIDE_POSITION" val="101*174"/>
-  <p:tag name="KSO_WM_SLIDE_SIZE" val="660*244"/>
-  <p:tag name="KSO_WM_DIAGRAM_GROUP_CODE" val="l1-2"/>
-</p:tagLst>
-</file>
-
-<file path=ppt/tags/tag52.xml><?xml version="1.0" encoding="utf-8"?>
+<file path=ppt/tags/tag40.xml><?xml version="1.0" encoding="utf-8"?>
 <p:tagLst xmlns:a="http://schemas.openxmlformats.org/drawingml/2006/main" xmlns:r="http://schemas.openxmlformats.org/officeDocument/2006/relationships" xmlns:p="http://schemas.openxmlformats.org/presentationml/2006/main">
   <p:tag name="KSO_WM_TAG_VERSION" val="1.0"/>
   <p:tag name="KSO_WM_BEAUTIFY_FLAG" val="#wm#"/>
@@ -24735,7 +23331,7 @@
 </p:tagLst>
 </file>
 
-<file path=ppt/tags/tag53.xml><?xml version="1.0" encoding="utf-8"?>
+<file path=ppt/tags/tag41.xml><?xml version="1.0" encoding="utf-8"?>
 <p:tagLst xmlns:a="http://schemas.openxmlformats.org/drawingml/2006/main" xmlns:r="http://schemas.openxmlformats.org/officeDocument/2006/relationships" xmlns:p="http://schemas.openxmlformats.org/presentationml/2006/main">
   <p:tag name="KSO_WM_TEMPLATE_CATEGORY" val="custom"/>
   <p:tag name="KSO_WM_TEMPLATE_INDEX" val="160336"/>
@@ -24753,7 +23349,7 @@
 </p:tagLst>
 </file>
 
-<file path=ppt/tags/tag54.xml><?xml version="1.0" encoding="utf-8"?>
+<file path=ppt/tags/tag42.xml><?xml version="1.0" encoding="utf-8"?>
 <p:tagLst xmlns:a="http://schemas.openxmlformats.org/drawingml/2006/main" xmlns:r="http://schemas.openxmlformats.org/officeDocument/2006/relationships" xmlns:p="http://schemas.openxmlformats.org/presentationml/2006/main">
   <p:tag name="KSO_WM_TAG_VERSION" val="1.0"/>
   <p:tag name="KSO_WM_BEAUTIFY_FLAG" val="#wm#"/>
@@ -24773,7 +23369,7 @@
 </p:tagLst>
 </file>
 
-<file path=ppt/tags/tag55.xml><?xml version="1.0" encoding="utf-8"?>
+<file path=ppt/tags/tag43.xml><?xml version="1.0" encoding="utf-8"?>
 <p:tagLst xmlns:a="http://schemas.openxmlformats.org/drawingml/2006/main" xmlns:r="http://schemas.openxmlformats.org/officeDocument/2006/relationships" xmlns:p="http://schemas.openxmlformats.org/presentationml/2006/main">
   <p:tag name="KSO_WM_TEMPLATE_CATEGORY" val="custom"/>
   <p:tag name="KSO_WM_TEMPLATE_INDEX" val="160336"/>
@@ -24791,7 +23387,7 @@
 </p:tagLst>
 </file>
 
-<file path=ppt/tags/tag56.xml><?xml version="1.0" encoding="utf-8"?>
+<file path=ppt/tags/tag44.xml><?xml version="1.0" encoding="utf-8"?>
 <p:tagLst xmlns:a="http://schemas.openxmlformats.org/drawingml/2006/main" xmlns:r="http://schemas.openxmlformats.org/officeDocument/2006/relationships" xmlns:p="http://schemas.openxmlformats.org/presentationml/2006/main">
   <p:tag name="KSO_WM_TAG_VERSION" val="1.0"/>
   <p:tag name="KSO_WM_BEAUTIFY_FLAG" val="#wm#"/>
@@ -24811,7 +23407,7 @@
 </p:tagLst>
 </file>
 
-<file path=ppt/tags/tag57.xml><?xml version="1.0" encoding="utf-8"?>
+<file path=ppt/tags/tag45.xml><?xml version="1.0" encoding="utf-8"?>
 <p:tagLst xmlns:a="http://schemas.openxmlformats.org/drawingml/2006/main" xmlns:r="http://schemas.openxmlformats.org/officeDocument/2006/relationships" xmlns:p="http://schemas.openxmlformats.org/presentationml/2006/main">
   <p:tag name="KSO_WM_TEMPLATE_CATEGORY" val="custom"/>
   <p:tag name="KSO_WM_TEMPLATE_INDEX" val="160336"/>
@@ -24829,7 +23425,7 @@
 </p:tagLst>
 </file>
 
-<file path=ppt/tags/tag58.xml><?xml version="1.0" encoding="utf-8"?>
+<file path=ppt/tags/tag46.xml><?xml version="1.0" encoding="utf-8"?>
 <p:tagLst xmlns:a="http://schemas.openxmlformats.org/drawingml/2006/main" xmlns:r="http://schemas.openxmlformats.org/officeDocument/2006/relationships" xmlns:p="http://schemas.openxmlformats.org/presentationml/2006/main">
   <p:tag name="KSO_WM_TAG_VERSION" val="1.0"/>
   <p:tag name="KSO_WM_BEAUTIFY_FLAG" val="#wm#"/>
@@ -24849,7 +23445,7 @@
 </p:tagLst>
 </file>
 
-<file path=ppt/tags/tag59.xml><?xml version="1.0" encoding="utf-8"?>
+<file path=ppt/tags/tag47.xml><?xml version="1.0" encoding="utf-8"?>
 <p:tagLst xmlns:a="http://schemas.openxmlformats.org/drawingml/2006/main" xmlns:r="http://schemas.openxmlformats.org/officeDocument/2006/relationships" xmlns:p="http://schemas.openxmlformats.org/presentationml/2006/main">
   <p:tag name="KSO_WM_TEMPLATE_CATEGORY" val="custom"/>
   <p:tag name="KSO_WM_TEMPLATE_INDEX" val="160336"/>
@@ -24867,19 +23463,7 @@
 </p:tagLst>
 </file>
 
-<file path=ppt/tags/tag6.xml><?xml version="1.0" encoding="utf-8"?>
-<p:tagLst xmlns:a="http://schemas.openxmlformats.org/drawingml/2006/main" xmlns:r="http://schemas.openxmlformats.org/officeDocument/2006/relationships" xmlns:p="http://schemas.openxmlformats.org/presentationml/2006/main">
-  <p:tag name="KSO_WM_TAG_VERSION" val="1.0"/>
-  <p:tag name="KSO_WM_BEAUTIFY_FLAG" val="#wm#"/>
-  <p:tag name="KSO_WM_UNIT_TYPE" val="i"/>
-  <p:tag name="KSO_WM_UNIT_ID" val="custom160336_28*i*11"/>
-  <p:tag name="KSO_WM_TEMPLATE_CATEGORY" val="custom"/>
-  <p:tag name="KSO_WM_TEMPLATE_INDEX" val="160336"/>
-  <p:tag name="KSO_WM_UNIT_INDEX" val="11"/>
-</p:tagLst>
-</file>
-
-<file path=ppt/tags/tag60.xml><?xml version="1.0" encoding="utf-8"?>
+<file path=ppt/tags/tag48.xml><?xml version="1.0" encoding="utf-8"?>
 <p:tagLst xmlns:a="http://schemas.openxmlformats.org/drawingml/2006/main" xmlns:r="http://schemas.openxmlformats.org/officeDocument/2006/relationships" xmlns:p="http://schemas.openxmlformats.org/presentationml/2006/main">
   <p:tag name="KSO_WM_TAG_VERSION" val="1.0"/>
   <p:tag name="KSO_WM_BEAUTIFY_FLAG" val="#wm#"/>
@@ -24899,7 +23483,7 @@
 </p:tagLst>
 </file>
 
-<file path=ppt/tags/tag61.xml><?xml version="1.0" encoding="utf-8"?>
+<file path=ppt/tags/tag49.xml><?xml version="1.0" encoding="utf-8"?>
 <p:tagLst xmlns:a="http://schemas.openxmlformats.org/drawingml/2006/main" xmlns:r="http://schemas.openxmlformats.org/officeDocument/2006/relationships" xmlns:p="http://schemas.openxmlformats.org/presentationml/2006/main">
   <p:tag name="KSO_WM_TEMPLATE_CATEGORY" val="custom"/>
   <p:tag name="KSO_WM_TEMPLATE_INDEX" val="160336"/>
@@ -24917,7 +23501,19 @@
 </p:tagLst>
 </file>
 
-<file path=ppt/tags/tag62.xml><?xml version="1.0" encoding="utf-8"?>
+<file path=ppt/tags/tag5.xml><?xml version="1.0" encoding="utf-8"?>
+<p:tagLst xmlns:a="http://schemas.openxmlformats.org/drawingml/2006/main" xmlns:r="http://schemas.openxmlformats.org/officeDocument/2006/relationships" xmlns:p="http://schemas.openxmlformats.org/presentationml/2006/main">
+  <p:tag name="KSO_WM_TAG_VERSION" val="1.0"/>
+  <p:tag name="KSO_WM_BEAUTIFY_FLAG" val="#wm#"/>
+  <p:tag name="KSO_WM_UNIT_TYPE" val="i"/>
+  <p:tag name="KSO_WM_UNIT_ID" val="custom160336_11*i*0"/>
+  <p:tag name="KSO_WM_TEMPLATE_CATEGORY" val="custom"/>
+  <p:tag name="KSO_WM_TEMPLATE_INDEX" val="160336"/>
+  <p:tag name="KSO_WM_UNIT_INDEX" val="0"/>
+</p:tagLst>
+</file>
+
+<file path=ppt/tags/tag50.xml><?xml version="1.0" encoding="utf-8"?>
 <p:tagLst xmlns:a="http://schemas.openxmlformats.org/drawingml/2006/main" xmlns:r="http://schemas.openxmlformats.org/officeDocument/2006/relationships" xmlns:p="http://schemas.openxmlformats.org/presentationml/2006/main">
   <p:tag name="KSO_WM_TAG_VERSION" val="1.0"/>
   <p:tag name="KSO_WM_BEAUTIFY_FLAG" val="#wm#"/>
@@ -24937,45 +23533,7 @@
 </p:tagLst>
 </file>
 
-<file path=ppt/tags/tag63.xml><?xml version="1.0" encoding="utf-8"?>
-<p:tagLst xmlns:a="http://schemas.openxmlformats.org/drawingml/2006/main" xmlns:r="http://schemas.openxmlformats.org/officeDocument/2006/relationships" xmlns:p="http://schemas.openxmlformats.org/presentationml/2006/main">
-  <p:tag name="KSO_WM_TEMPLATE_CATEGORY" val="custom"/>
-  <p:tag name="KSO_WM_TEMPLATE_INDEX" val="160336"/>
-  <p:tag name="KSO_WM_TAG_VERSION" val="1.0"/>
-  <p:tag name="KSO_WM_SLIDE_ID" val="custom160336_13"/>
-  <p:tag name="KSO_WM_SLIDE_INDEX" val="13"/>
-  <p:tag name="KSO_WM_SLIDE_ITEM_CNT" val="2"/>
-  <p:tag name="KSO_WM_SLIDE_LAYOUT" val="a_l_f"/>
-  <p:tag name="KSO_WM_SLIDE_LAYOUT_CNT" val="1_1_1"/>
-  <p:tag name="KSO_WM_SLIDE_TYPE" val="text"/>
-  <p:tag name="KSO_WM_BEAUTIFY_FLAG" val="#wm#"/>
-  <p:tag name="KSO_WM_SLIDE_POSITION" val="101*174"/>
-  <p:tag name="KSO_WM_SLIDE_SIZE" val="660*244"/>
-  <p:tag name="KSO_WM_DIAGRAM_GROUP_CODE" val="l1-2"/>
-</p:tagLst>
-</file>
-
-<file path=ppt/tags/tag64.xml><?xml version="1.0" encoding="utf-8"?>
-<p:tagLst xmlns:a="http://schemas.openxmlformats.org/drawingml/2006/main" xmlns:r="http://schemas.openxmlformats.org/officeDocument/2006/relationships" xmlns:p="http://schemas.openxmlformats.org/presentationml/2006/main">
-  <p:tag name="KSO_WM_TAG_VERSION" val="1.0"/>
-  <p:tag name="KSO_WM_BEAUTIFY_FLAG" val="#wm#"/>
-  <p:tag name="KSO_WM_TEMPLATE_CATEGORY" val="custom"/>
-  <p:tag name="KSO_WM_TEMPLATE_INDEX" val="160336"/>
-  <p:tag name="KSO_WM_UNIT_TYPE" val="a"/>
-  <p:tag name="KSO_WM_UNIT_INDEX" val="1"/>
-  <p:tag name="KSO_WM_UNIT_ID" val="custom160336_13*a*1"/>
-  <p:tag name="KSO_WM_UNIT_CLEAR" val="1"/>
-  <p:tag name="KSO_WM_UNIT_LAYERLEVEL" val="1"/>
-  <p:tag name="KSO_WM_UNIT_VALUE" val="31"/>
-  <p:tag name="KSO_WM_UNIT_ISCONTENTSTITLE" val="0"/>
-  <p:tag name="KSO_WM_UNIT_HIGHLIGHT" val="0"/>
-  <p:tag name="KSO_WM_UNIT_COMPATIBLE" val="0"/>
-  <p:tag name="KSO_WM_UNIT_PRESET_TEXT_INDEX" val="3"/>
-  <p:tag name="KSO_WM_UNIT_PRESET_TEXT_LEN" val="17"/>
-</p:tagLst>
-</file>
-
-<file path=ppt/tags/tag65.xml><?xml version="1.0" encoding="utf-8"?>
+<file path=ppt/tags/tag51.xml><?xml version="1.0" encoding="utf-8"?>
 <p:tagLst xmlns:a="http://schemas.openxmlformats.org/drawingml/2006/main" xmlns:r="http://schemas.openxmlformats.org/officeDocument/2006/relationships" xmlns:p="http://schemas.openxmlformats.org/presentationml/2006/main">
   <p:tag name="KSO_WM_TEMPLATE_CATEGORY" val="custom"/>
   <p:tag name="KSO_WM_TEMPLATE_INDEX" val="160336"/>
@@ -24992,7 +23550,7 @@
 </p:tagLst>
 </file>
 
-<file path=ppt/tags/tag66.xml><?xml version="1.0" encoding="utf-8"?>
+<file path=ppt/tags/tag52.xml><?xml version="1.0" encoding="utf-8"?>
 <p:tagLst xmlns:a="http://schemas.openxmlformats.org/drawingml/2006/main" xmlns:r="http://schemas.openxmlformats.org/officeDocument/2006/relationships" xmlns:p="http://schemas.openxmlformats.org/presentationml/2006/main">
   <p:tag name="KSO_WM_TAG_VERSION" val="1.0"/>
   <p:tag name="KSO_WM_BEAUTIFY_FLAG" val="#wm#"/>
@@ -25004,7 +23562,7 @@
 </p:tagLst>
 </file>
 
-<file path=ppt/tags/tag67.xml><?xml version="1.0" encoding="utf-8"?>
+<file path=ppt/tags/tag53.xml><?xml version="1.0" encoding="utf-8"?>
 <p:tagLst xmlns:a="http://schemas.openxmlformats.org/drawingml/2006/main" xmlns:r="http://schemas.openxmlformats.org/officeDocument/2006/relationships" xmlns:p="http://schemas.openxmlformats.org/presentationml/2006/main">
   <p:tag name="KSO_WM_TAG_VERSION" val="1.0"/>
   <p:tag name="KSO_WM_BEAUTIFY_FLAG" val="#wm#"/>
@@ -25024,7 +23582,7 @@
 </p:tagLst>
 </file>
 
-<file path=ppt/tags/tag68.xml><?xml version="1.0" encoding="utf-8"?>
+<file path=ppt/tags/tag54.xml><?xml version="1.0" encoding="utf-8"?>
 <p:tagLst xmlns:a="http://schemas.openxmlformats.org/drawingml/2006/main" xmlns:r="http://schemas.openxmlformats.org/officeDocument/2006/relationships" xmlns:p="http://schemas.openxmlformats.org/presentationml/2006/main">
   <p:tag name="KSO_WM_TAG_VERSION" val="1.0"/>
   <p:tag name="KSO_WM_BEAUTIFY_FLAG" val="#wm#"/>
@@ -25043,7 +23601,7 @@
 </p:tagLst>
 </file>
 
-<file path=ppt/tags/tag69.xml><?xml version="1.0" encoding="utf-8"?>
+<file path=ppt/tags/tag55.xml><?xml version="1.0" encoding="utf-8"?>
 <p:tagLst xmlns:a="http://schemas.openxmlformats.org/drawingml/2006/main" xmlns:r="http://schemas.openxmlformats.org/officeDocument/2006/relationships" xmlns:p="http://schemas.openxmlformats.org/presentationml/2006/main">
   <p:tag name="KSO_WM_TAG_VERSION" val="1.0"/>
   <p:tag name="KSO_WM_BEAUTIFY_FLAG" val="#wm#"/>
@@ -25055,27 +23613,7 @@
 </p:tagLst>
 </file>
 
-<file path=ppt/tags/tag7.xml><?xml version="1.0" encoding="utf-8"?>
-<p:tagLst xmlns:a="http://schemas.openxmlformats.org/drawingml/2006/main" xmlns:r="http://schemas.openxmlformats.org/officeDocument/2006/relationships" xmlns:p="http://schemas.openxmlformats.org/presentationml/2006/main">
-  <p:tag name="KSO_WM_TAG_VERSION" val="1.0"/>
-  <p:tag name="KSO_WM_BEAUTIFY_FLAG" val="#wm#"/>
-  <p:tag name="KSO_WM_TEMPLATE_CATEGORY" val="custom"/>
-  <p:tag name="KSO_WM_TEMPLATE_INDEX" val="160336"/>
-  <p:tag name="KSO_WM_UNIT_TYPE" val="a"/>
-  <p:tag name="KSO_WM_UNIT_INDEX" val="1"/>
-  <p:tag name="KSO_WM_UNIT_ID" val="custom160336_28*a*1"/>
-  <p:tag name="KSO_WM_UNIT_CLEAR" val="1"/>
-  <p:tag name="KSO_WM_UNIT_LAYERLEVEL" val="1"/>
-  <p:tag name="KSO_WM_UNIT_VALUE" val="31"/>
-  <p:tag name="KSO_WM_UNIT_ISCONTENTSTITLE" val="0"/>
-  <p:tag name="KSO_WM_UNIT_HIGHLIGHT" val="0"/>
-  <p:tag name="KSO_WM_UNIT_COMPATIBLE" val="0"/>
-  <p:tag name="KSO_WM_UNIT_PRESET_TEXT_INDEX" val="3"/>
-  <p:tag name="KSO_WM_UNIT_PRESET_TEXT_LEN" val="17"/>
-</p:tagLst>
-</file>
-
-<file path=ppt/tags/tag70.xml><?xml version="1.0" encoding="utf-8"?>
+<file path=ppt/tags/tag56.xml><?xml version="1.0" encoding="utf-8"?>
 <p:tagLst xmlns:a="http://schemas.openxmlformats.org/drawingml/2006/main" xmlns:r="http://schemas.openxmlformats.org/officeDocument/2006/relationships" xmlns:p="http://schemas.openxmlformats.org/presentationml/2006/main">
   <p:tag name="KSO_WM_TAG_VERSION" val="1.0"/>
   <p:tag name="KSO_WM_BEAUTIFY_FLAG" val="#wm#"/>
@@ -25087,7 +23625,7 @@
 </p:tagLst>
 </file>
 
-<file path=ppt/tags/tag71.xml><?xml version="1.0" encoding="utf-8"?>
+<file path=ppt/tags/tag57.xml><?xml version="1.0" encoding="utf-8"?>
 <p:tagLst xmlns:a="http://schemas.openxmlformats.org/drawingml/2006/main" xmlns:r="http://schemas.openxmlformats.org/officeDocument/2006/relationships" xmlns:p="http://schemas.openxmlformats.org/presentationml/2006/main">
   <p:tag name="KSO_WM_TAG_VERSION" val="1.0"/>
   <p:tag name="KSO_WM_BEAUTIFY_FLAG" val="#wm#"/>
@@ -25099,7 +23637,7 @@
 </p:tagLst>
 </file>
 
-<file path=ppt/tags/tag72.xml><?xml version="1.0" encoding="utf-8"?>
+<file path=ppt/tags/tag58.xml><?xml version="1.0" encoding="utf-8"?>
 <p:tagLst xmlns:a="http://schemas.openxmlformats.org/drawingml/2006/main" xmlns:r="http://schemas.openxmlformats.org/officeDocument/2006/relationships" xmlns:p="http://schemas.openxmlformats.org/presentationml/2006/main">
   <p:tag name="KSO_WM_TAG_VERSION" val="1.0"/>
   <p:tag name="KSO_WM_BEAUTIFY_FLAG" val="#wm#"/>
@@ -25111,7 +23649,7 @@
 </p:tagLst>
 </file>
 
-<file path=ppt/tags/tag73.xml><?xml version="1.0" encoding="utf-8"?>
+<file path=ppt/tags/tag59.xml><?xml version="1.0" encoding="utf-8"?>
 <p:tagLst xmlns:a="http://schemas.openxmlformats.org/drawingml/2006/main" xmlns:r="http://schemas.openxmlformats.org/officeDocument/2006/relationships" xmlns:p="http://schemas.openxmlformats.org/presentationml/2006/main">
   <p:tag name="KSO_WM_TEMPLATE_CATEGORY" val="custom"/>
   <p:tag name="KSO_WM_TEMPLATE_INDEX" val="160336"/>
@@ -25126,7 +23664,19 @@
 </p:tagLst>
 </file>
 
-<file path=ppt/tags/tag74.xml><?xml version="1.0" encoding="utf-8"?>
+<file path=ppt/tags/tag6.xml><?xml version="1.0" encoding="utf-8"?>
+<p:tagLst xmlns:a="http://schemas.openxmlformats.org/drawingml/2006/main" xmlns:r="http://schemas.openxmlformats.org/officeDocument/2006/relationships" xmlns:p="http://schemas.openxmlformats.org/presentationml/2006/main">
+  <p:tag name="KSO_WM_TAG_VERSION" val="1.0"/>
+  <p:tag name="KSO_WM_BEAUTIFY_FLAG" val="#wm#"/>
+  <p:tag name="KSO_WM_UNIT_TYPE" val="i"/>
+  <p:tag name="KSO_WM_UNIT_ID" val="custom160336_11*i*5"/>
+  <p:tag name="KSO_WM_TEMPLATE_CATEGORY" val="custom"/>
+  <p:tag name="KSO_WM_TEMPLATE_INDEX" val="160336"/>
+  <p:tag name="KSO_WM_UNIT_INDEX" val="5"/>
+</p:tagLst>
+</file>
+
+<file path=ppt/tags/tag60.xml><?xml version="1.0" encoding="utf-8"?>
 <p:tagLst xmlns:a="http://schemas.openxmlformats.org/drawingml/2006/main" xmlns:r="http://schemas.openxmlformats.org/officeDocument/2006/relationships" xmlns:p="http://schemas.openxmlformats.org/presentationml/2006/main">
   <p:tag name="KSO_WM_TAG_VERSION" val="1.0"/>
   <p:tag name="KSO_WM_BEAUTIFY_FLAG" val="#wm#"/>
@@ -25145,15 +23695,34 @@
 </p:tagLst>
 </file>
 
+<file path=ppt/tags/tag7.xml><?xml version="1.0" encoding="utf-8"?>
+<p:tagLst xmlns:a="http://schemas.openxmlformats.org/drawingml/2006/main" xmlns:r="http://schemas.openxmlformats.org/officeDocument/2006/relationships" xmlns:p="http://schemas.openxmlformats.org/presentationml/2006/main">
+  <p:tag name="KSO_WM_TAG_VERSION" val="1.0"/>
+  <p:tag name="KSO_WM_BEAUTIFY_FLAG" val="#wm#"/>
+  <p:tag name="KSO_WM_UNIT_TYPE" val="i"/>
+  <p:tag name="KSO_WM_UNIT_ID" val="custom160336_11*i*10"/>
+  <p:tag name="KSO_WM_TEMPLATE_CATEGORY" val="custom"/>
+  <p:tag name="KSO_WM_TEMPLATE_INDEX" val="160336"/>
+  <p:tag name="KSO_WM_UNIT_INDEX" val="10"/>
+</p:tagLst>
+</file>
+
 <file path=ppt/tags/tag8.xml><?xml version="1.0" encoding="utf-8"?>
 <p:tagLst xmlns:a="http://schemas.openxmlformats.org/drawingml/2006/main" xmlns:r="http://schemas.openxmlformats.org/officeDocument/2006/relationships" xmlns:p="http://schemas.openxmlformats.org/presentationml/2006/main">
   <p:tag name="KSO_WM_TAG_VERSION" val="1.0"/>
   <p:tag name="KSO_WM_BEAUTIFY_FLAG" val="#wm#"/>
-  <p:tag name="KSO_WM_UNIT_TYPE" val="i"/>
-  <p:tag name="KSO_WM_UNIT_ID" val="custom160336_28*i*18"/>
   <p:tag name="KSO_WM_TEMPLATE_CATEGORY" val="custom"/>
   <p:tag name="KSO_WM_TEMPLATE_INDEX" val="160336"/>
-  <p:tag name="KSO_WM_UNIT_INDEX" val="18"/>
+  <p:tag name="KSO_WM_UNIT_TYPE" val="a"/>
+  <p:tag name="KSO_WM_UNIT_INDEX" val="1"/>
+  <p:tag name="KSO_WM_UNIT_ID" val="custom160336_11*a*1"/>
+  <p:tag name="KSO_WM_UNIT_CLEAR" val="1"/>
+  <p:tag name="KSO_WM_UNIT_LAYERLEVEL" val="1"/>
+  <p:tag name="KSO_WM_UNIT_ISCONTENTSTITLE" val="1"/>
+  <p:tag name="KSO_WM_UNIT_VALUE" val="5"/>
+  <p:tag name="KSO_WM_UNIT_HIGHLIGHT" val="0"/>
+  <p:tag name="KSO_WM_UNIT_COMPATIBLE" val="0"/>
+  <p:tag name="KSO_WM_UNIT_PRESET_TEXT" val="CONTENTS"/>
 </p:tagLst>
 </file>
 
@@ -25161,11 +23730,17 @@
 <p:tagLst xmlns:a="http://schemas.openxmlformats.org/drawingml/2006/main" xmlns:r="http://schemas.openxmlformats.org/officeDocument/2006/relationships" xmlns:p="http://schemas.openxmlformats.org/presentationml/2006/main">
   <p:tag name="KSO_WM_TAG_VERSION" val="1.0"/>
   <p:tag name="KSO_WM_BEAUTIFY_FLAG" val="#wm#"/>
-  <p:tag name="KSO_WM_UNIT_TYPE" val="i"/>
-  <p:tag name="KSO_WM_UNIT_ID" val="custom160336_28*i*19"/>
   <p:tag name="KSO_WM_TEMPLATE_CATEGORY" val="custom"/>
   <p:tag name="KSO_WM_TEMPLATE_INDEX" val="160336"/>
-  <p:tag name="KSO_WM_UNIT_INDEX" val="19"/>
+  <p:tag name="KSO_WM_UNIT_TYPE" val="l_i"/>
+  <p:tag name="KSO_WM_UNIT_INDEX" val="1_3"/>
+  <p:tag name="KSO_WM_UNIT_ID" val="custom160336_11*l_i*1_3"/>
+  <p:tag name="KSO_WM_UNIT_CLEAR" val="1"/>
+  <p:tag name="KSO_WM_UNIT_LAYERLEVEL" val="1_1"/>
+  <p:tag name="KSO_WM_DIAGRAM_GROUP_CODE" val="l1-1"/>
+  <p:tag name="KSO_WM_UNIT_FILL_FORE_SCHEMECOLOR_INDEX" val="5"/>
+  <p:tag name="KSO_WM_UNIT_FILL_TYPE" val="1"/>
+  <p:tag name="KSO_WM_UNIT_USESOURCEFORMAT_APPLY" val="1"/>
 </p:tagLst>
 </file>
 
